--- a/Slide-Japanese.pptx
+++ b/Slide-Japanese.pptx
@@ -233,7 +233,7 @@
           <a:p>
             <a:fld id="{A0FE4780-4742-4AF7-B9F6-29387D06C872}" type="datetimeFigureOut">
               <a:rPr lang="ko-KR" altLang="en-US" smtClean="0"/>
-              <a:t>2019-12-28</a:t>
+              <a:t>2019-12-29</a:t>
             </a:fld>
             <a:endParaRPr lang="ko-KR" altLang="en-US"/>
           </a:p>
@@ -584,6 +584,23 @@
             <a:endParaRPr lang="en-US" altLang="ja-JP" dirty="0"/>
           </a:p>
           <a:p>
+            <a:pPr marL="0" marR="0" lvl="0" indent="0" algn="l" defTabSz="914400" rtl="0" eaLnBrk="1" fontAlgn="auto" latinLnBrk="1" hangingPunct="1">
+              <a:lnSpc>
+                <a:spcPct val="100000"/>
+              </a:lnSpc>
+              <a:spcBef>
+                <a:spcPts val="0"/>
+              </a:spcBef>
+              <a:spcAft>
+                <a:spcPts val="0"/>
+              </a:spcAft>
+              <a:buClrTx/>
+              <a:buSzTx/>
+              <a:buFontTx/>
+              <a:buNone/>
+              <a:tabLst/>
+              <a:defRPr/>
+            </a:pPr>
             <a:r>
               <a:rPr lang="ja-JP" altLang="en-US" dirty="0"/>
               <a:t>今日</a:t>
@@ -594,7 +611,23 @@
             </a:r>
             <a:r>
               <a:rPr lang="ja-JP" altLang="en-US" dirty="0"/>
-              <a:t>「オンラインショッピングの売買管理」について発表させていただきます。</a:t>
+              <a:t>「</a:t>
+            </a:r>
+            <a:r>
+              <a:rPr lang="en-US" altLang="ja-JP" dirty="0">
+                <a:ea typeface="맑은 고딕" pitchFamily="50" charset="-127"/>
+              </a:rPr>
+              <a:t>e</a:t>
+            </a:r>
+            <a:r>
+              <a:rPr lang="ja-JP" altLang="en-US" dirty="0">
+                <a:ea typeface="맑은 고딕" pitchFamily="50" charset="-127"/>
+              </a:rPr>
+              <a:t>コマースウェブサイトにて売買管理</a:t>
+            </a:r>
+            <a:r>
+              <a:rPr lang="ja-JP" altLang="en-US" dirty="0"/>
+              <a:t>」について発表させていただきます。</a:t>
             </a:r>
             <a:endParaRPr lang="en-US" altLang="ko-KR" dirty="0"/>
           </a:p>
@@ -921,645 +954,81 @@
           <a:lstStyle/>
           <a:p>
             <a:r>
-              <a:rPr lang="en-US" dirty="0" err="1"/>
-              <a:t>Để</a:t>
-            </a:r>
-            <a:r>
-              <a:rPr lang="en-US" dirty="0"/>
-              <a:t> </a:t>
-            </a:r>
-            <a:r>
-              <a:rPr lang="en-US" dirty="0" err="1"/>
-              <a:t>làm</a:t>
-            </a:r>
-            <a:r>
-              <a:rPr lang="en-US" dirty="0"/>
-              <a:t> đ</a:t>
-            </a:r>
-            <a:r>
-              <a:rPr lang="vi-VN" dirty="0"/>
-              <a:t>ư</a:t>
-            </a:r>
-            <a:r>
-              <a:rPr lang="en-US" dirty="0" err="1"/>
-              <a:t>ợc</a:t>
-            </a:r>
-            <a:r>
-              <a:rPr lang="en-US" dirty="0"/>
-              <a:t> </a:t>
-            </a:r>
-            <a:r>
-              <a:rPr lang="en-US" dirty="0" err="1"/>
-              <a:t>điều</a:t>
-            </a:r>
-            <a:r>
-              <a:rPr lang="en-US" dirty="0"/>
-              <a:t> </a:t>
-            </a:r>
-            <a:r>
-              <a:rPr lang="en-US" dirty="0" err="1"/>
-              <a:t>này</a:t>
-            </a:r>
-            <a:r>
-              <a:rPr lang="en-US" dirty="0"/>
-              <a:t> </a:t>
-            </a:r>
-            <a:r>
-              <a:rPr lang="en-US" dirty="0" err="1"/>
-              <a:t>thì</a:t>
-            </a:r>
-            <a:r>
-              <a:rPr lang="en-US" dirty="0"/>
-              <a:t> website </a:t>
-            </a:r>
-            <a:r>
-              <a:rPr lang="en-US" dirty="0" err="1"/>
-              <a:t>của</a:t>
-            </a:r>
-            <a:r>
-              <a:rPr lang="en-US" dirty="0"/>
-              <a:t> </a:t>
-            </a:r>
-            <a:r>
-              <a:rPr lang="en-US" dirty="0" err="1"/>
-              <a:t>em</a:t>
-            </a:r>
-            <a:r>
-              <a:rPr lang="en-US" dirty="0"/>
-              <a:t> </a:t>
-            </a:r>
-            <a:r>
-              <a:rPr lang="en-US" dirty="0" err="1"/>
-              <a:t>sử</a:t>
-            </a:r>
-            <a:r>
-              <a:rPr lang="en-US" dirty="0"/>
-              <a:t> </a:t>
-            </a:r>
-            <a:r>
-              <a:rPr lang="en-US" dirty="0" err="1"/>
-              <a:t>dụng</a:t>
-            </a:r>
-            <a:r>
-              <a:rPr lang="en-US" dirty="0"/>
-              <a:t> PHP , </a:t>
-            </a:r>
-            <a:r>
-              <a:rPr lang="en-US" dirty="0" err="1"/>
-              <a:t>cụ</a:t>
-            </a:r>
-            <a:r>
-              <a:rPr lang="en-US" dirty="0"/>
-              <a:t> </a:t>
-            </a:r>
-            <a:r>
-              <a:rPr lang="en-US" dirty="0" err="1"/>
-              <a:t>thể</a:t>
-            </a:r>
-            <a:r>
-              <a:rPr lang="en-US" dirty="0"/>
-              <a:t> </a:t>
-            </a:r>
-            <a:r>
-              <a:rPr lang="en-US" dirty="0" err="1"/>
-              <a:t>là</a:t>
-            </a:r>
-            <a:r>
-              <a:rPr lang="en-US" dirty="0"/>
-              <a:t> framework Laravel </a:t>
-            </a:r>
-            <a:r>
-              <a:rPr lang="en-US" dirty="0" err="1"/>
-              <a:t>để</a:t>
-            </a:r>
-            <a:r>
-              <a:rPr lang="en-US" dirty="0"/>
-              <a:t> </a:t>
-            </a:r>
-            <a:r>
-              <a:rPr lang="en-US" dirty="0" err="1"/>
-              <a:t>viết</a:t>
-            </a:r>
-            <a:r>
-              <a:rPr lang="en-US" dirty="0"/>
-              <a:t> backend</a:t>
-            </a:r>
+              <a:rPr lang="ja-JP" altLang="en-US" dirty="0"/>
+              <a:t>現在いい管理方法があまり多くないです。</a:t>
+            </a:r>
+            <a:endParaRPr lang="en-US" altLang="ja-JP" dirty="0"/>
           </a:p>
           <a:p>
             <a:r>
-              <a:rPr lang="en-US" dirty="0" err="1"/>
-              <a:t>Còn</a:t>
-            </a:r>
-            <a:r>
-              <a:rPr lang="en-US" dirty="0"/>
-              <a:t> front end </a:t>
-            </a:r>
-            <a:r>
-              <a:rPr lang="en-US" dirty="0" err="1"/>
-              <a:t>sử</a:t>
-            </a:r>
-            <a:r>
-              <a:rPr lang="en-US" dirty="0"/>
-              <a:t> </a:t>
-            </a:r>
-            <a:r>
-              <a:rPr lang="en-US" dirty="0" err="1"/>
-              <a:t>dụng</a:t>
-            </a:r>
-            <a:r>
-              <a:rPr lang="en-US" dirty="0"/>
-              <a:t> Angular JS </a:t>
-            </a:r>
-            <a:r>
-              <a:rPr lang="en-US" dirty="0" err="1"/>
-              <a:t>của</a:t>
-            </a:r>
-            <a:r>
-              <a:rPr lang="en-US" dirty="0"/>
-              <a:t> </a:t>
-            </a:r>
-            <a:r>
-              <a:rPr lang="en-US" dirty="0" err="1"/>
-              <a:t>javascript</a:t>
-            </a:r>
-            <a:r>
-              <a:rPr lang="en-US" dirty="0"/>
-              <a:t>.</a:t>
-            </a:r>
+              <a:rPr lang="ja-JP" altLang="en-US" dirty="0"/>
+              <a:t>私の場合はエクセルを使って管理できましたが、</a:t>
+            </a:r>
+            <a:endParaRPr lang="en-US" altLang="ja-JP" dirty="0"/>
           </a:p>
           <a:p>
             <a:r>
-              <a:rPr lang="en-US" dirty="0" err="1"/>
-              <a:t>Người</a:t>
-            </a:r>
-            <a:r>
-              <a:rPr lang="en-US" dirty="0"/>
-              <a:t> dung </a:t>
-            </a:r>
-            <a:r>
-              <a:rPr lang="en-US" dirty="0" err="1"/>
-              <a:t>chính</a:t>
-            </a:r>
-            <a:r>
-              <a:rPr lang="en-US" dirty="0"/>
-              <a:t> </a:t>
-            </a:r>
-            <a:r>
-              <a:rPr lang="en-US" dirty="0" err="1"/>
-              <a:t>của</a:t>
-            </a:r>
-            <a:r>
-              <a:rPr lang="en-US" dirty="0"/>
-              <a:t> website </a:t>
-            </a:r>
-            <a:r>
-              <a:rPr lang="en-US" dirty="0" err="1"/>
-              <a:t>là</a:t>
-            </a:r>
-            <a:r>
-              <a:rPr lang="en-US" dirty="0"/>
-              <a:t> </a:t>
-            </a:r>
-            <a:r>
-              <a:rPr lang="en-US" dirty="0" err="1"/>
-              <a:t>nhà</a:t>
-            </a:r>
-            <a:r>
-              <a:rPr lang="en-US" dirty="0"/>
-              <a:t> </a:t>
-            </a:r>
-            <a:r>
-              <a:rPr lang="en-US" dirty="0" err="1"/>
-              <a:t>bán</a:t>
-            </a:r>
-            <a:r>
-              <a:rPr lang="en-US" dirty="0"/>
-              <a:t> </a:t>
-            </a:r>
-            <a:r>
-              <a:rPr lang="en-US" dirty="0" err="1"/>
-              <a:t>hàng</a:t>
-            </a:r>
-            <a:r>
-              <a:rPr lang="en-US" dirty="0"/>
-              <a:t> đ</a:t>
-            </a:r>
-            <a:r>
-              <a:rPr lang="vi-VN" dirty="0"/>
-              <a:t>ư</a:t>
-            </a:r>
-            <a:r>
-              <a:rPr lang="en-US" dirty="0" err="1"/>
-              <a:t>ợc</a:t>
-            </a:r>
-            <a:r>
-              <a:rPr lang="en-US" dirty="0"/>
-              <a:t> chia </a:t>
-            </a:r>
-            <a:r>
-              <a:rPr lang="en-US" dirty="0" err="1"/>
-              <a:t>làm</a:t>
-            </a:r>
-            <a:r>
-              <a:rPr lang="en-US" dirty="0"/>
-              <a:t> 2 </a:t>
-            </a:r>
-            <a:r>
-              <a:rPr lang="en-US" dirty="0" err="1"/>
-              <a:t>cấp</a:t>
-            </a:r>
-            <a:r>
-              <a:rPr lang="en-US" dirty="0"/>
-              <a:t> </a:t>
-            </a:r>
-            <a:r>
-              <a:rPr lang="en-US" dirty="0" err="1"/>
-              <a:t>độ</a:t>
-            </a:r>
-            <a:r>
-              <a:rPr lang="en-US" dirty="0"/>
-              <a:t>: </a:t>
-            </a:r>
-            <a:r>
-              <a:rPr lang="en-US" dirty="0" err="1"/>
-              <a:t>quản</a:t>
-            </a:r>
-            <a:r>
-              <a:rPr lang="en-US" dirty="0"/>
-              <a:t> </a:t>
-            </a:r>
-            <a:r>
-              <a:rPr lang="en-US" dirty="0" err="1"/>
-              <a:t>lí</a:t>
-            </a:r>
-            <a:r>
-              <a:rPr lang="en-US" dirty="0"/>
-              <a:t> </a:t>
-            </a:r>
-            <a:r>
-              <a:rPr lang="en-US" dirty="0" err="1"/>
-              <a:t>và</a:t>
-            </a:r>
-            <a:r>
-              <a:rPr lang="en-US" dirty="0"/>
-              <a:t> </a:t>
-            </a:r>
-            <a:r>
-              <a:rPr lang="en-US" dirty="0" err="1"/>
-              <a:t>nhân</a:t>
-            </a:r>
-            <a:r>
-              <a:rPr lang="en-US" dirty="0"/>
-              <a:t> </a:t>
-            </a:r>
-            <a:r>
-              <a:rPr lang="en-US" dirty="0" err="1"/>
-              <a:t>viên</a:t>
-            </a:r>
+              <a:rPr lang="ja-JP" altLang="en-US" dirty="0"/>
+              <a:t>手打ちの時間がかかりすぎてミスも多かったです。</a:t>
+            </a:r>
+            <a:endParaRPr lang="en-US" altLang="ja-JP" dirty="0"/>
+          </a:p>
+          <a:p>
+            <a:r>
+              <a:rPr lang="ja-JP" altLang="en-US" dirty="0"/>
+              <a:t>そのため、新しい管理方法として、すべてを管理するウェッブサイトを作るのを提案します。</a:t>
+            </a:r>
+            <a:endParaRPr lang="en-US" altLang="ja-JP" dirty="0"/>
+          </a:p>
+          <a:p>
             <a:endParaRPr lang="en-US" dirty="0"/>
           </a:p>
           <a:p>
             <a:r>
-              <a:rPr lang="en-US" dirty="0" err="1"/>
-              <a:t>Usecase</a:t>
-            </a:r>
-            <a:r>
-              <a:rPr lang="en-US" dirty="0"/>
-              <a:t> </a:t>
-            </a:r>
-            <a:r>
-              <a:rPr lang="en-US" dirty="0" err="1"/>
-              <a:t>chính</a:t>
-            </a:r>
-            <a:r>
-              <a:rPr lang="en-US" dirty="0"/>
-              <a:t> </a:t>
-            </a:r>
-            <a:r>
-              <a:rPr lang="en-US" dirty="0" err="1"/>
-              <a:t>của</a:t>
-            </a:r>
-            <a:r>
-              <a:rPr lang="en-US" dirty="0"/>
-              <a:t> </a:t>
-            </a:r>
-            <a:r>
-              <a:rPr lang="en-US" dirty="0" err="1"/>
-              <a:t>hệ</a:t>
-            </a:r>
-            <a:r>
-              <a:rPr lang="en-US" dirty="0"/>
-              <a:t> </a:t>
-            </a:r>
-            <a:r>
-              <a:rPr lang="en-US" dirty="0" err="1"/>
-              <a:t>thống</a:t>
-            </a:r>
-            <a:r>
-              <a:rPr lang="en-US" dirty="0"/>
-              <a:t> </a:t>
-            </a:r>
-            <a:r>
-              <a:rPr lang="en-US" dirty="0" err="1"/>
-              <a:t>gồm</a:t>
-            </a:r>
-            <a:r>
-              <a:rPr lang="en-US" dirty="0"/>
-              <a:t> </a:t>
-            </a:r>
-            <a:r>
-              <a:rPr lang="en-US" dirty="0" err="1"/>
-              <a:t>có</a:t>
-            </a:r>
-            <a:r>
-              <a:rPr lang="en-US" dirty="0"/>
-              <a:t> </a:t>
-            </a:r>
-            <a:r>
-              <a:rPr lang="en-US" dirty="0" err="1"/>
-              <a:t>những</a:t>
-            </a:r>
-            <a:r>
-              <a:rPr lang="en-US" dirty="0"/>
-              <a:t> </a:t>
-            </a:r>
-            <a:r>
-              <a:rPr lang="en-US" dirty="0" err="1"/>
-              <a:t>chức</a:t>
-            </a:r>
-            <a:r>
-              <a:rPr lang="en-US" dirty="0"/>
-              <a:t> </a:t>
-            </a:r>
-            <a:r>
-              <a:rPr lang="en-US" dirty="0" err="1"/>
-              <a:t>năng</a:t>
-            </a:r>
-            <a:r>
-              <a:rPr lang="en-US" dirty="0"/>
-              <a:t> c</a:t>
-            </a:r>
-            <a:r>
-              <a:rPr lang="vi-VN" dirty="0"/>
-              <a:t>ơ</a:t>
-            </a:r>
-            <a:r>
-              <a:rPr lang="en-US" dirty="0"/>
-              <a:t> </a:t>
-            </a:r>
-            <a:r>
-              <a:rPr lang="en-US" dirty="0" err="1"/>
-              <a:t>bản</a:t>
-            </a:r>
-            <a:r>
-              <a:rPr lang="en-US" dirty="0"/>
-              <a:t> </a:t>
-            </a:r>
-            <a:r>
-              <a:rPr lang="en-US" dirty="0" err="1"/>
-              <a:t>nh</a:t>
-            </a:r>
-            <a:r>
-              <a:rPr lang="vi-VN" dirty="0"/>
-              <a:t>ư</a:t>
-            </a:r>
-            <a:r>
-              <a:rPr lang="en-US" dirty="0"/>
-              <a:t> </a:t>
-            </a:r>
-            <a:r>
-              <a:rPr lang="en-US" dirty="0" err="1"/>
-              <a:t>sau</a:t>
+              <a:rPr lang="en-US" dirty="0"/>
+              <a:t>Bài</a:t>
+            </a:r>
+            <a:r>
+              <a:rPr lang="en-US" baseline="0" dirty="0"/>
+              <a:t> mài làm chớ có phải đề xuất ý tưởng lên cấp trên mô mà đề suất?</a:t>
             </a:r>
             <a:endParaRPr lang="en-US" dirty="0"/>
           </a:p>
           <a:p>
-            <a:r>
-              <a:rPr lang="en-US" dirty="0" err="1"/>
-              <a:t>Nhân</a:t>
-            </a:r>
-            <a:r>
-              <a:rPr lang="en-US" dirty="0"/>
-              <a:t> </a:t>
-            </a:r>
-            <a:r>
-              <a:rPr lang="en-US" dirty="0" err="1"/>
-              <a:t>viên</a:t>
-            </a:r>
-            <a:r>
-              <a:rPr lang="en-US" dirty="0"/>
-              <a:t> </a:t>
-            </a:r>
-            <a:r>
-              <a:rPr lang="en-US" dirty="0" err="1"/>
-              <a:t>thì</a:t>
-            </a:r>
-            <a:r>
-              <a:rPr lang="en-US" dirty="0"/>
-              <a:t> </a:t>
-            </a:r>
-            <a:r>
-              <a:rPr lang="en-US" dirty="0" err="1"/>
-              <a:t>đăng</a:t>
-            </a:r>
-            <a:r>
-              <a:rPr lang="en-US" dirty="0"/>
-              <a:t> </a:t>
-            </a:r>
-            <a:r>
-              <a:rPr lang="en-US" dirty="0" err="1"/>
-              <a:t>nhập</a:t>
-            </a:r>
-            <a:r>
-              <a:rPr lang="en-US" dirty="0"/>
-              <a:t>, </a:t>
-            </a:r>
-            <a:r>
-              <a:rPr lang="en-US" dirty="0" err="1"/>
-              <a:t>quản</a:t>
-            </a:r>
-            <a:r>
-              <a:rPr lang="en-US" dirty="0"/>
-              <a:t> </a:t>
-            </a:r>
-            <a:r>
-              <a:rPr lang="en-US" dirty="0" err="1"/>
-              <a:t>lí</a:t>
-            </a:r>
-            <a:r>
-              <a:rPr lang="en-US" dirty="0"/>
-              <a:t> </a:t>
-            </a:r>
-            <a:r>
-              <a:rPr lang="en-US" dirty="0" err="1"/>
-              <a:t>sản</a:t>
-            </a:r>
-            <a:r>
-              <a:rPr lang="en-US" dirty="0"/>
-              <a:t> </a:t>
-            </a:r>
-            <a:r>
-              <a:rPr lang="en-US" dirty="0" err="1"/>
-              <a:t>phẩm</a:t>
-            </a:r>
-            <a:r>
-              <a:rPr lang="en-US" dirty="0"/>
-              <a:t>, đ</a:t>
-            </a:r>
-            <a:r>
-              <a:rPr lang="vi-VN" dirty="0"/>
-              <a:t>ơ</a:t>
-            </a:r>
-            <a:r>
-              <a:rPr lang="en-US" dirty="0"/>
-              <a:t>n </a:t>
-            </a:r>
-            <a:r>
-              <a:rPr lang="en-US" dirty="0" err="1"/>
-              <a:t>hàng</a:t>
-            </a:r>
-            <a:r>
-              <a:rPr lang="en-US" dirty="0"/>
-              <a:t>, chi </a:t>
-            </a:r>
-            <a:r>
-              <a:rPr lang="en-US" dirty="0" err="1"/>
-              <a:t>phí</a:t>
-            </a:r>
-            <a:r>
-              <a:rPr lang="en-US" dirty="0"/>
-              <a:t>, </a:t>
-            </a:r>
-            <a:r>
-              <a:rPr lang="en-US" dirty="0" err="1"/>
-              <a:t>khách</a:t>
-            </a:r>
-            <a:r>
-              <a:rPr lang="en-US" dirty="0"/>
-              <a:t> </a:t>
-            </a:r>
-            <a:r>
-              <a:rPr lang="en-US" dirty="0" err="1"/>
-              <a:t>hàng</a:t>
-            </a:r>
             <a:endParaRPr lang="en-US" dirty="0"/>
           </a:p>
           <a:p>
             <a:r>
-              <a:rPr lang="en-US" dirty="0" err="1"/>
-              <a:t>Quản</a:t>
-            </a:r>
-            <a:r>
-              <a:rPr lang="en-US" dirty="0"/>
-              <a:t> </a:t>
-            </a:r>
-            <a:r>
-              <a:rPr lang="en-US" dirty="0" err="1"/>
-              <a:t>lí</a:t>
-            </a:r>
-            <a:r>
-              <a:rPr lang="en-US" dirty="0"/>
-              <a:t> </a:t>
-            </a:r>
-            <a:r>
-              <a:rPr lang="en-US" dirty="0" err="1"/>
-              <a:t>thì</a:t>
-            </a:r>
-            <a:r>
-              <a:rPr lang="en-US" dirty="0"/>
-              <a:t> </a:t>
-            </a:r>
-            <a:r>
-              <a:rPr lang="en-US" dirty="0" err="1"/>
-              <a:t>giống</a:t>
-            </a:r>
-            <a:r>
-              <a:rPr lang="en-US" dirty="0"/>
-              <a:t> </a:t>
-            </a:r>
-            <a:r>
-              <a:rPr lang="en-US" dirty="0" err="1"/>
-              <a:t>nhân</a:t>
-            </a:r>
-            <a:r>
-              <a:rPr lang="en-US" dirty="0"/>
-              <a:t> </a:t>
-            </a:r>
-            <a:r>
-              <a:rPr lang="en-US" dirty="0" err="1"/>
-              <a:t>viên</a:t>
-            </a:r>
-            <a:r>
-              <a:rPr lang="en-US" dirty="0"/>
-              <a:t> </a:t>
-            </a:r>
-            <a:r>
-              <a:rPr lang="en-US" dirty="0" err="1"/>
-              <a:t>nh</a:t>
+              <a:rPr lang="en-US" dirty="0"/>
+              <a:t>Hiện tại thì ko có nhiều ph</a:t>
             </a:r>
             <a:r>
               <a:rPr lang="vi-VN" dirty="0"/>
               <a:t>ư</a:t>
             </a:r>
             <a:r>
-              <a:rPr lang="en-US" dirty="0"/>
-              <a:t>ng </a:t>
-            </a:r>
-            <a:r>
-              <a:rPr lang="en-US" dirty="0" err="1"/>
-              <a:t>có</a:t>
-            </a:r>
-            <a:r>
-              <a:rPr lang="en-US" dirty="0"/>
-              <a:t> them </a:t>
-            </a:r>
-            <a:r>
-              <a:rPr lang="en-US" dirty="0" err="1"/>
-              <a:t>chức</a:t>
-            </a:r>
-            <a:r>
-              <a:rPr lang="en-US" dirty="0"/>
-              <a:t> </a:t>
-            </a:r>
-            <a:r>
-              <a:rPr lang="en-US" dirty="0" err="1"/>
-              <a:t>năng</a:t>
-            </a:r>
-            <a:r>
-              <a:rPr lang="en-US" dirty="0"/>
-              <a:t> </a:t>
-            </a:r>
-            <a:r>
-              <a:rPr lang="en-US" dirty="0" err="1"/>
-              <a:t>xem</a:t>
-            </a:r>
-            <a:r>
-              <a:rPr lang="en-US" dirty="0"/>
-              <a:t> </a:t>
-            </a:r>
-            <a:r>
-              <a:rPr lang="en-US" dirty="0" err="1"/>
-              <a:t>trang</a:t>
-            </a:r>
-            <a:r>
-              <a:rPr lang="en-US" dirty="0"/>
-              <a:t> </a:t>
-            </a:r>
-            <a:r>
-              <a:rPr lang="en-US" dirty="0" err="1"/>
-              <a:t>thống</a:t>
-            </a:r>
-            <a:r>
-              <a:rPr lang="en-US" dirty="0"/>
-              <a:t> </a:t>
-            </a:r>
-            <a:r>
-              <a:rPr lang="en-US" dirty="0" err="1"/>
-              <a:t>kê</a:t>
-            </a:r>
-            <a:r>
-              <a:rPr lang="en-US" dirty="0"/>
-              <a:t>, </a:t>
+              <a:rPr lang="en-US" dirty="0" err="1"/>
+              <a:t>ơng</a:t>
+            </a:r>
+            <a:r>
+              <a:rPr lang="en-US" dirty="0"/>
+              <a:t> </a:t>
+            </a:r>
+            <a:r>
+              <a:rPr lang="en-US" dirty="0" err="1"/>
+              <a:t>pháp</a:t>
+            </a:r>
+            <a:r>
+              <a:rPr lang="en-US" dirty="0"/>
+              <a:t> </a:t>
+            </a:r>
+            <a:r>
+              <a:rPr lang="en-US" dirty="0" err="1"/>
+              <a:t>để</a:t>
+            </a:r>
+            <a:r>
+              <a:rPr lang="en-US" dirty="0"/>
+              <a:t> </a:t>
             </a:r>
             <a:r>
               <a:rPr lang="en-US" dirty="0" err="1"/>
@@ -1571,27 +1040,119 @@
             </a:r>
             <a:r>
               <a:rPr lang="en-US" dirty="0" err="1"/>
-              <a:t>lí</a:t>
-            </a:r>
-            <a:r>
-              <a:rPr lang="en-US" dirty="0"/>
-              <a:t> </a:t>
-            </a:r>
-            <a:r>
-              <a:rPr lang="en-US" dirty="0" err="1"/>
-              <a:t>nhân</a:t>
-            </a:r>
-            <a:r>
-              <a:rPr lang="en-US" dirty="0"/>
-              <a:t> </a:t>
-            </a:r>
-            <a:r>
-              <a:rPr lang="en-US" dirty="0" err="1"/>
-              <a:t>sự</a:t>
-            </a:r>
-            <a:r>
-              <a:rPr lang="en-US" dirty="0"/>
-              <a:t>, </a:t>
+              <a:t>lý</a:t>
+            </a:r>
+            <a:r>
+              <a:rPr lang="en-US" dirty="0"/>
+              <a:t> </a:t>
+            </a:r>
+            <a:r>
+              <a:rPr lang="en-US" dirty="0" err="1"/>
+              <a:t>bán</a:t>
+            </a:r>
+            <a:r>
+              <a:rPr lang="en-US" dirty="0"/>
+              <a:t> </a:t>
+            </a:r>
+            <a:r>
+              <a:rPr lang="en-US" dirty="0" err="1"/>
+              <a:t>hàng</a:t>
+            </a:r>
+            <a:r>
+              <a:rPr lang="en-US" dirty="0"/>
+              <a:t> </a:t>
+            </a:r>
+            <a:r>
+              <a:rPr lang="en-US" dirty="0" err="1"/>
+              <a:t>trên</a:t>
+            </a:r>
+            <a:r>
+              <a:rPr lang="en-US" dirty="0"/>
+              <a:t> </a:t>
+            </a:r>
+            <a:r>
+              <a:rPr lang="en-US" dirty="0" err="1"/>
+              <a:t>sàn</a:t>
+            </a:r>
+            <a:r>
+              <a:rPr lang="en-US" dirty="0"/>
+              <a:t> TMDT 1 </a:t>
+            </a:r>
+            <a:r>
+              <a:rPr lang="en-US" dirty="0" err="1"/>
+              <a:t>cách</a:t>
+            </a:r>
+            <a:r>
+              <a:rPr lang="en-US" dirty="0"/>
+              <a:t> </a:t>
+            </a:r>
+            <a:r>
+              <a:rPr lang="en-US" dirty="0" err="1"/>
+              <a:t>hiệu</a:t>
+            </a:r>
+            <a:r>
+              <a:rPr lang="en-US" dirty="0"/>
+              <a:t> </a:t>
+            </a:r>
+            <a:r>
+              <a:rPr lang="en-US" dirty="0" err="1"/>
+              <a:t>quả</a:t>
+            </a:r>
+            <a:r>
+              <a:rPr lang="en-US" dirty="0"/>
+              <a:t>. Nh</a:t>
+            </a:r>
+            <a:r>
+              <a:rPr lang="vi-VN" dirty="0"/>
+              <a:t>ư</a:t>
+            </a:r>
+            <a:r>
+              <a:rPr lang="en-US" dirty="0"/>
+              <a:t> </a:t>
+            </a:r>
+            <a:r>
+              <a:rPr lang="en-US" dirty="0" err="1"/>
+              <a:t>em</a:t>
+            </a:r>
+            <a:r>
+              <a:rPr lang="en-US" dirty="0"/>
+              <a:t> </a:t>
+            </a:r>
+            <a:r>
+              <a:rPr lang="en-US" dirty="0" err="1"/>
+              <a:t>thì</a:t>
+            </a:r>
+            <a:r>
+              <a:rPr lang="en-US" dirty="0"/>
+              <a:t> tr</a:t>
+            </a:r>
+            <a:r>
+              <a:rPr lang="vi-VN" dirty="0"/>
+              <a:t>ư</a:t>
+            </a:r>
+            <a:r>
+              <a:rPr lang="en-US" dirty="0" err="1"/>
+              <a:t>ớc</a:t>
+            </a:r>
+            <a:r>
+              <a:rPr lang="en-US" dirty="0"/>
+              <a:t> </a:t>
+            </a:r>
+            <a:r>
+              <a:rPr lang="en-US" dirty="0" err="1"/>
+              <a:t>đây</a:t>
+            </a:r>
+            <a:r>
+              <a:rPr lang="en-US" dirty="0"/>
+              <a:t> </a:t>
+            </a:r>
+            <a:r>
+              <a:rPr lang="en-US" dirty="0" err="1"/>
+              <a:t>em</a:t>
+            </a:r>
+            <a:r>
+              <a:rPr lang="en-US" dirty="0"/>
+              <a:t> dung file excel </a:t>
             </a:r>
             <a:r>
               <a:rPr lang="en-US" dirty="0" err="1"/>
@@ -1603,23 +1164,118 @@
             </a:r>
             <a:r>
               <a:rPr lang="en-US" dirty="0" err="1"/>
-              <a:t>lí</a:t>
-            </a:r>
-            <a:r>
-              <a:rPr lang="en-US" dirty="0"/>
-              <a:t> </a:t>
-            </a:r>
-            <a:r>
-              <a:rPr lang="en-US" dirty="0" err="1"/>
-              <a:t>cấu</a:t>
-            </a:r>
-            <a:r>
-              <a:rPr lang="en-US" dirty="0"/>
-              <a:t> </a:t>
-            </a:r>
-            <a:r>
-              <a:rPr lang="en-US" dirty="0" err="1"/>
-              <a:t>hình</a:t>
+              <a:t>lý</a:t>
+            </a:r>
+            <a:r>
+              <a:rPr lang="en-US" dirty="0"/>
+              <a:t> </a:t>
+            </a:r>
+            <a:r>
+              <a:rPr lang="en-US" dirty="0" err="1"/>
+              <a:t>thì</a:t>
+            </a:r>
+            <a:r>
+              <a:rPr lang="en-US" dirty="0"/>
+              <a:t> </a:t>
+            </a:r>
+            <a:r>
+              <a:rPr lang="en-US" dirty="0" err="1"/>
+              <a:t>mặc</a:t>
+            </a:r>
+            <a:r>
+              <a:rPr lang="en-US" dirty="0"/>
+              <a:t> </a:t>
+            </a:r>
+            <a:r>
+              <a:rPr lang="en-US" dirty="0" err="1"/>
+              <a:t>dù</a:t>
+            </a:r>
+            <a:r>
+              <a:rPr lang="en-US" dirty="0"/>
+              <a:t> </a:t>
+            </a:r>
+            <a:r>
+              <a:rPr lang="en-US" dirty="0" err="1"/>
+              <a:t>quản</a:t>
+            </a:r>
+            <a:r>
+              <a:rPr lang="en-US" dirty="0"/>
+              <a:t> </a:t>
+            </a:r>
+            <a:r>
+              <a:rPr lang="en-US" dirty="0" err="1"/>
+              <a:t>lý</a:t>
+            </a:r>
+            <a:r>
+              <a:rPr lang="en-US" dirty="0"/>
+              <a:t> </a:t>
+            </a:r>
+            <a:r>
+              <a:rPr lang="en-US" dirty="0" err="1"/>
+              <a:t>đc</a:t>
+            </a:r>
+            <a:endParaRPr lang="en-US" dirty="0"/>
+          </a:p>
+          <a:p>
+            <a:r>
+              <a:rPr lang="en-US" dirty="0" err="1"/>
+              <a:t>Nhưng</a:t>
+            </a:r>
+            <a:r>
+              <a:rPr lang="en-US" dirty="0"/>
+              <a:t> </a:t>
+            </a:r>
+            <a:r>
+              <a:rPr lang="en-US" dirty="0" err="1"/>
+              <a:t>phải</a:t>
+            </a:r>
+            <a:r>
+              <a:rPr lang="en-US" dirty="0"/>
+              <a:t> </a:t>
+            </a:r>
+            <a:r>
+              <a:rPr lang="en-US" dirty="0" err="1"/>
+              <a:t>nhập</a:t>
+            </a:r>
+            <a:r>
+              <a:rPr lang="en-US" dirty="0"/>
+              <a:t> </a:t>
+            </a:r>
+            <a:r>
+              <a:rPr lang="en-US" dirty="0" err="1"/>
+              <a:t>tay</a:t>
+            </a:r>
+            <a:r>
+              <a:rPr lang="en-US" dirty="0"/>
+              <a:t> </a:t>
+            </a:r>
+            <a:r>
+              <a:rPr lang="en-US" dirty="0" err="1"/>
+              <a:t>quá</a:t>
+            </a:r>
+            <a:r>
+              <a:rPr lang="en-US" dirty="0"/>
+              <a:t> </a:t>
+            </a:r>
+            <a:r>
+              <a:rPr lang="en-US" dirty="0" err="1"/>
+              <a:t>nhiều</a:t>
+            </a:r>
+            <a:r>
+              <a:rPr lang="en-US" dirty="0"/>
+              <a:t> =&gt; </a:t>
+            </a:r>
+            <a:r>
+              <a:rPr lang="en-US" dirty="0" err="1"/>
+              <a:t>mất</a:t>
+            </a:r>
+            <a:r>
+              <a:rPr lang="en-US" dirty="0"/>
+              <a:t> </a:t>
+            </a:r>
+            <a:r>
+              <a:rPr lang="en-US" dirty="0" err="1"/>
+              <a:t>thời</a:t>
             </a:r>
             <a:r>
               <a:rPr lang="en-US" dirty="0"/>
@@ -1631,11 +1287,265 @@
             </a:r>
             <a:r>
               <a:rPr lang="en-US" dirty="0"/>
-              <a:t> </a:t>
-            </a:r>
-            <a:r>
-              <a:rPr lang="en-US" dirty="0" err="1"/>
-              <a:t>hàng</a:t>
+              <a:t>. </a:t>
+            </a:r>
+            <a:r>
+              <a:rPr lang="en-US" dirty="0" err="1"/>
+              <a:t>Và</a:t>
+            </a:r>
+            <a:r>
+              <a:rPr lang="en-US" dirty="0"/>
+              <a:t> </a:t>
+            </a:r>
+            <a:r>
+              <a:rPr lang="en-US" dirty="0" err="1"/>
+              <a:t>độ</a:t>
+            </a:r>
+            <a:r>
+              <a:rPr lang="en-US" dirty="0"/>
+              <a:t> </a:t>
+            </a:r>
+            <a:r>
+              <a:rPr lang="en-US" dirty="0" err="1"/>
+              <a:t>chính</a:t>
+            </a:r>
+            <a:r>
+              <a:rPr lang="en-US" dirty="0"/>
+              <a:t> </a:t>
+            </a:r>
+            <a:r>
+              <a:rPr lang="en-US" dirty="0" err="1"/>
+              <a:t>xác</a:t>
+            </a:r>
+            <a:r>
+              <a:rPr lang="en-US" dirty="0"/>
+              <a:t> </a:t>
+            </a:r>
+            <a:r>
+              <a:rPr lang="en-US" dirty="0" err="1"/>
+              <a:t>cũng</a:t>
+            </a:r>
+            <a:r>
+              <a:rPr lang="en-US" dirty="0"/>
+              <a:t> ko </a:t>
+            </a:r>
+            <a:r>
+              <a:rPr lang="en-US" dirty="0" err="1"/>
+              <a:t>cao</a:t>
+            </a:r>
+            <a:r>
+              <a:rPr lang="en-US" dirty="0"/>
+              <a:t>. </a:t>
+            </a:r>
+            <a:r>
+              <a:rPr lang="en-US" dirty="0" err="1"/>
+              <a:t>Vì</a:t>
+            </a:r>
+            <a:r>
+              <a:rPr lang="en-US" dirty="0"/>
+              <a:t> </a:t>
+            </a:r>
+            <a:r>
+              <a:rPr lang="en-US" dirty="0" err="1"/>
+              <a:t>vậy</a:t>
+            </a:r>
+            <a:r>
+              <a:rPr lang="en-US" dirty="0"/>
+              <a:t> </a:t>
+            </a:r>
+            <a:r>
+              <a:rPr lang="en-US" dirty="0" err="1"/>
+              <a:t>em</a:t>
+            </a:r>
+            <a:r>
+              <a:rPr lang="en-US" dirty="0"/>
+              <a:t> </a:t>
+            </a:r>
+            <a:r>
+              <a:rPr lang="en-US" dirty="0" err="1"/>
+              <a:t>đề</a:t>
+            </a:r>
+            <a:r>
+              <a:rPr lang="en-US" dirty="0"/>
+              <a:t> </a:t>
+            </a:r>
+            <a:r>
+              <a:rPr lang="en-US" dirty="0" err="1"/>
+              <a:t>xuất</a:t>
+            </a:r>
+            <a:r>
+              <a:rPr lang="en-US" dirty="0"/>
+              <a:t> 1 </a:t>
+            </a:r>
+            <a:r>
+              <a:rPr lang="en-US" dirty="0" err="1"/>
+              <a:t>ph</a:t>
+            </a:r>
+            <a:r>
+              <a:rPr lang="vi-VN" dirty="0"/>
+              <a:t>ư</a:t>
+            </a:r>
+            <a:r>
+              <a:rPr lang="en-US" dirty="0" err="1"/>
+              <a:t>ơng</a:t>
+            </a:r>
+            <a:r>
+              <a:rPr lang="en-US" dirty="0"/>
+              <a:t> </a:t>
+            </a:r>
+            <a:r>
+              <a:rPr lang="en-US" dirty="0" err="1"/>
+              <a:t>pháp</a:t>
+            </a:r>
+            <a:r>
+              <a:rPr lang="en-US" dirty="0"/>
+              <a:t> </a:t>
+            </a:r>
+            <a:r>
+              <a:rPr lang="en-US" dirty="0" err="1"/>
+              <a:t>quản</a:t>
+            </a:r>
+            <a:r>
+              <a:rPr lang="en-US" dirty="0"/>
+              <a:t> </a:t>
+            </a:r>
+            <a:r>
+              <a:rPr lang="en-US" dirty="0" err="1"/>
+              <a:t>lý</a:t>
+            </a:r>
+            <a:r>
+              <a:rPr lang="en-US" dirty="0"/>
+              <a:t> </a:t>
+            </a:r>
+            <a:r>
+              <a:rPr lang="en-US" dirty="0" err="1"/>
+              <a:t>mới</a:t>
+            </a:r>
+            <a:r>
+              <a:rPr lang="en-US" dirty="0"/>
+              <a:t> </a:t>
+            </a:r>
+            <a:r>
+              <a:rPr lang="en-US" dirty="0" err="1"/>
+              <a:t>đó</a:t>
+            </a:r>
+            <a:r>
+              <a:rPr lang="en-US" dirty="0"/>
+              <a:t> </a:t>
+            </a:r>
+            <a:r>
+              <a:rPr lang="en-US" dirty="0" err="1"/>
+              <a:t>là</a:t>
+            </a:r>
+            <a:r>
+              <a:rPr lang="en-US" dirty="0"/>
+              <a:t> </a:t>
+            </a:r>
+            <a:r>
+              <a:rPr lang="en-US" dirty="0" err="1"/>
+              <a:t>xây</a:t>
+            </a:r>
+            <a:r>
+              <a:rPr lang="en-US" dirty="0"/>
+              <a:t> </a:t>
+            </a:r>
+            <a:r>
+              <a:rPr lang="en-US" dirty="0" err="1"/>
+              <a:t>dựng</a:t>
+            </a:r>
+            <a:r>
+              <a:rPr lang="en-US" dirty="0"/>
+              <a:t> 1 website </a:t>
+            </a:r>
+          </a:p>
+          <a:p>
+            <a:r>
+              <a:rPr lang="en-US" dirty="0" err="1"/>
+              <a:t>Quản</a:t>
+            </a:r>
+            <a:r>
+              <a:rPr lang="en-US" dirty="0"/>
+              <a:t> </a:t>
+            </a:r>
+            <a:r>
+              <a:rPr lang="en-US" dirty="0" err="1"/>
+              <a:t>lý</a:t>
+            </a:r>
+            <a:r>
+              <a:rPr lang="en-US" dirty="0"/>
+              <a:t> </a:t>
+            </a:r>
+            <a:r>
+              <a:rPr lang="en-US" dirty="0" err="1"/>
+              <a:t>tổng</a:t>
+            </a:r>
+            <a:r>
+              <a:rPr lang="en-US" dirty="0"/>
+              <a:t> </a:t>
+            </a:r>
+            <a:r>
+              <a:rPr lang="en-US" dirty="0" err="1"/>
+              <a:t>hợp</a:t>
+            </a:r>
+            <a:r>
+              <a:rPr lang="en-US" dirty="0"/>
+              <a:t> </a:t>
+            </a:r>
+            <a:r>
+              <a:rPr lang="en-US" dirty="0" err="1"/>
+              <a:t>với</a:t>
+            </a:r>
+            <a:r>
+              <a:rPr lang="en-US" dirty="0"/>
+              <a:t> c</a:t>
+            </a:r>
+            <a:r>
+              <a:rPr lang="vi-VN" dirty="0"/>
+              <a:t>ơ</a:t>
+            </a:r>
+            <a:r>
+              <a:rPr lang="en-US" dirty="0"/>
+              <a:t> </a:t>
+            </a:r>
+            <a:r>
+              <a:rPr lang="en-US" dirty="0" err="1"/>
+              <a:t>chế</a:t>
+            </a:r>
+            <a:r>
+              <a:rPr lang="en-US" dirty="0"/>
+              <a:t> </a:t>
+            </a:r>
+            <a:r>
+              <a:rPr lang="en-US" dirty="0" err="1"/>
+              <a:t>hoạt</a:t>
+            </a:r>
+            <a:r>
+              <a:rPr lang="en-US" dirty="0"/>
+              <a:t> </a:t>
+            </a:r>
+            <a:r>
+              <a:rPr lang="en-US" dirty="0" err="1"/>
+              <a:t>động</a:t>
+            </a:r>
+            <a:r>
+              <a:rPr lang="en-US" dirty="0"/>
+              <a:t> </a:t>
+            </a:r>
+            <a:r>
+              <a:rPr lang="en-US" dirty="0" err="1"/>
+              <a:t>nh</a:t>
+            </a:r>
+            <a:r>
+              <a:rPr lang="vi-VN" dirty="0"/>
+              <a:t>ư</a:t>
+            </a:r>
+            <a:r>
+              <a:rPr lang="en-US" dirty="0"/>
+              <a:t> </a:t>
+            </a:r>
+            <a:r>
+              <a:rPr lang="en-US" dirty="0" err="1"/>
+              <a:t>sau</a:t>
             </a:r>
             <a:endParaRPr lang="en-US" dirty="0"/>
           </a:p>
@@ -1658,7 +1568,7 @@
           <a:p>
             <a:fld id="{B820E160-F603-41F3-A192-DC95957721C3}" type="slidenum">
               <a:rPr lang="ko-KR" altLang="en-US" smtClean="0"/>
-              <a:t>12</a:t>
+              <a:t>10</a:t>
             </a:fld>
             <a:endParaRPr lang="ko-KR" altLang="en-US"/>
           </a:p>
@@ -1667,7 +1577,7 @@
     </p:spTree>
     <p:extLst>
       <p:ext uri="{BB962C8B-B14F-4D97-AF65-F5344CB8AC3E}">
-        <p14:creationId xmlns:p14="http://schemas.microsoft.com/office/powerpoint/2010/main" val="2291864581"/>
+        <p14:creationId xmlns:p14="http://schemas.microsoft.com/office/powerpoint/2010/main" val="447438153"/>
       </p:ext>
     </p:extLst>
   </p:cSld>
@@ -1723,38 +1633,482 @@
           <a:p>
             <a:r>
               <a:rPr lang="en-US" dirty="0"/>
-              <a:t>Giá trị cốt lõi của đề tài của em là tập trung quản lý 3 yếu tố quan trọng nhất mà nhà bán hàng quan tâm đó là</a:t>
+              <a:t>Thay vì phải nhập tay</a:t>
             </a:r>
             <a:r>
               <a:rPr lang="ja-JP" altLang="en-US" dirty="0"/>
-              <a:t>　</a:t>
-            </a:r>
-            <a:r>
-              <a:rPr lang="en-US" altLang="ja-JP" dirty="0"/>
-              <a:t>(đm</a:t>
-            </a:r>
-            <a:r>
-              <a:rPr lang="en-US" altLang="ja-JP" baseline="0" dirty="0"/>
-              <a:t> ghi kiểu ni thì cái quan trọng là việc quản lí hay 3 cái yếu tố?)</a:t>
+              <a:t>（手打ち）</a:t>
+            </a:r>
+            <a:r>
+              <a:rPr lang="en-US" dirty="0"/>
+              <a:t> dữ liệu</a:t>
+            </a:r>
+            <a:r>
+              <a:rPr lang="ja-JP" altLang="en-US" dirty="0"/>
+              <a:t>（データ）</a:t>
+            </a:r>
+            <a:r>
+              <a:rPr lang="en-US" dirty="0"/>
+              <a:t> của từng đ</a:t>
+            </a:r>
+            <a:r>
+              <a:rPr lang="vi-VN" dirty="0"/>
+              <a:t>ơ</a:t>
+            </a:r>
+            <a:r>
+              <a:rPr lang="en-US" dirty="0"/>
+              <a:t>n hàng</a:t>
+            </a:r>
+            <a:r>
+              <a:rPr lang="ja-JP" altLang="en-US" dirty="0"/>
+              <a:t>（注文）</a:t>
+            </a:r>
+            <a:r>
+              <a:rPr lang="en-US" dirty="0"/>
+              <a:t> thì nhà bán hàng chỉ cần t</a:t>
+            </a:r>
+            <a:r>
+              <a:rPr lang="vi-VN" dirty="0"/>
+              <a:t>ư</a:t>
+            </a:r>
+            <a:r>
+              <a:rPr lang="en-US" dirty="0" err="1"/>
+              <a:t>ơng</a:t>
+            </a:r>
+            <a:r>
+              <a:rPr lang="en-US" dirty="0"/>
+              <a:t> </a:t>
+            </a:r>
+            <a:r>
+              <a:rPr lang="en-US" dirty="0" err="1"/>
+              <a:t>tác</a:t>
+            </a:r>
+            <a:r>
+              <a:rPr lang="en-US" dirty="0"/>
+              <a:t> </a:t>
+            </a:r>
+            <a:r>
+              <a:rPr lang="en-US" dirty="0" err="1"/>
+              <a:t>trực</a:t>
+            </a:r>
+            <a:r>
+              <a:rPr lang="en-US" dirty="0"/>
+              <a:t> </a:t>
+            </a:r>
+            <a:r>
+              <a:rPr lang="en-US" dirty="0" err="1"/>
+              <a:t>tiếp</a:t>
+            </a:r>
+            <a:r>
+              <a:rPr lang="en-US" dirty="0"/>
+              <a:t> </a:t>
+            </a:r>
+            <a:r>
+              <a:rPr lang="en-US" dirty="0" err="1"/>
+              <a:t>với</a:t>
+            </a:r>
+            <a:r>
+              <a:rPr lang="en-US" dirty="0"/>
+              <a:t> website, website </a:t>
+            </a:r>
+            <a:r>
+              <a:rPr lang="en-US" dirty="0" err="1"/>
+              <a:t>sẽ</a:t>
+            </a:r>
+            <a:r>
+              <a:rPr lang="en-US" dirty="0"/>
+              <a:t> </a:t>
+            </a:r>
+            <a:r>
+              <a:rPr lang="en-US" dirty="0" err="1"/>
+              <a:t>gửi</a:t>
+            </a:r>
+            <a:r>
+              <a:rPr lang="en-US" dirty="0"/>
+              <a:t> request </a:t>
+            </a:r>
+            <a:r>
+              <a:rPr lang="en-US" dirty="0" err="1"/>
+              <a:t>đến</a:t>
+            </a:r>
+            <a:r>
+              <a:rPr lang="en-US" dirty="0"/>
+              <a:t> </a:t>
+            </a:r>
+            <a:r>
+              <a:rPr lang="en-US" dirty="0" err="1"/>
+              <a:t>cho</a:t>
+            </a:r>
+            <a:r>
+              <a:rPr lang="en-US" dirty="0"/>
+              <a:t> APPLICATION SERVER,</a:t>
+            </a:r>
+          </a:p>
+          <a:p>
+            <a:r>
+              <a:rPr lang="en-US" dirty="0"/>
+              <a:t>APPLICATION SERVER </a:t>
+            </a:r>
+            <a:r>
+              <a:rPr lang="en-US" dirty="0" err="1"/>
+              <a:t>tiếp</a:t>
+            </a:r>
+            <a:r>
+              <a:rPr lang="en-US" dirty="0"/>
+              <a:t> </a:t>
+            </a:r>
+            <a:r>
+              <a:rPr lang="en-US" dirty="0" err="1"/>
+              <a:t>tục</a:t>
+            </a:r>
+            <a:r>
+              <a:rPr lang="en-US" dirty="0"/>
+              <a:t> </a:t>
+            </a:r>
+            <a:r>
+              <a:rPr lang="en-US" dirty="0" err="1"/>
+              <a:t>gửi</a:t>
+            </a:r>
+            <a:r>
+              <a:rPr lang="en-US" dirty="0"/>
+              <a:t> request </a:t>
+            </a:r>
+            <a:r>
+              <a:rPr lang="en-US" dirty="0" err="1"/>
+              <a:t>đến</a:t>
+            </a:r>
+            <a:r>
+              <a:rPr lang="en-US" dirty="0"/>
+              <a:t> server </a:t>
+            </a:r>
+            <a:r>
+              <a:rPr lang="en-US" dirty="0" err="1"/>
+              <a:t>của</a:t>
+            </a:r>
+            <a:r>
+              <a:rPr lang="en-US" dirty="0"/>
+              <a:t> Sen </a:t>
+            </a:r>
+            <a:r>
+              <a:rPr lang="en-US" dirty="0" err="1"/>
+              <a:t>Đỏ</a:t>
+            </a:r>
+            <a:r>
+              <a:rPr lang="en-US" dirty="0"/>
+              <a:t>, </a:t>
+            </a:r>
+            <a:r>
+              <a:rPr lang="en-US" dirty="0" err="1"/>
+              <a:t>Shopee</a:t>
+            </a:r>
+            <a:r>
+              <a:rPr lang="en-US" dirty="0"/>
+              <a:t> </a:t>
+            </a:r>
+            <a:r>
+              <a:rPr lang="en-US" dirty="0" err="1"/>
+              <a:t>để</a:t>
+            </a:r>
+            <a:r>
+              <a:rPr lang="en-US" dirty="0"/>
+              <a:t> </a:t>
+            </a:r>
+            <a:r>
+              <a:rPr lang="en-US" dirty="0" err="1"/>
+              <a:t>lấy</a:t>
+            </a:r>
+            <a:r>
+              <a:rPr lang="en-US" dirty="0"/>
+              <a:t> </a:t>
+            </a:r>
+            <a:r>
+              <a:rPr lang="en-US" dirty="0" err="1"/>
+              <a:t>dữ</a:t>
+            </a:r>
+            <a:r>
+              <a:rPr lang="en-US" dirty="0"/>
+              <a:t> </a:t>
+            </a:r>
+            <a:r>
+              <a:rPr lang="en-US" dirty="0" err="1"/>
+              <a:t>liệu</a:t>
+            </a:r>
+            <a:r>
+              <a:rPr lang="en-US" dirty="0"/>
+              <a:t>. </a:t>
+            </a:r>
+            <a:r>
+              <a:rPr lang="en-US" dirty="0" err="1"/>
+              <a:t>Dữ</a:t>
+            </a:r>
+            <a:r>
+              <a:rPr lang="en-US" dirty="0"/>
+              <a:t> </a:t>
+            </a:r>
+            <a:r>
+              <a:rPr lang="en-US" dirty="0" err="1"/>
+              <a:t>liệu</a:t>
+            </a:r>
+            <a:r>
+              <a:rPr lang="en-US" dirty="0"/>
+              <a:t>  </a:t>
+            </a:r>
+            <a:r>
+              <a:rPr lang="en-US" dirty="0" err="1"/>
+              <a:t>trả</a:t>
+            </a:r>
+            <a:r>
+              <a:rPr lang="en-US" dirty="0"/>
+              <a:t> </a:t>
+            </a:r>
+            <a:r>
+              <a:rPr lang="en-US" dirty="0" err="1"/>
+              <a:t>về</a:t>
+            </a:r>
+            <a:r>
+              <a:rPr lang="en-US" dirty="0"/>
+              <a:t> </a:t>
+            </a:r>
+            <a:r>
+              <a:rPr lang="en-US" dirty="0" err="1"/>
+              <a:t>sẽ</a:t>
+            </a:r>
+            <a:r>
+              <a:rPr lang="en-US" dirty="0"/>
+              <a:t> đ</a:t>
+            </a:r>
+            <a:r>
+              <a:rPr lang="vi-VN" dirty="0"/>
+              <a:t>ư</a:t>
+            </a:r>
+            <a:r>
+              <a:rPr lang="en-US" dirty="0" err="1"/>
+              <a:t>ợc</a:t>
+            </a:r>
+            <a:r>
+              <a:rPr lang="en-US" dirty="0"/>
+              <a:t> </a:t>
+            </a:r>
+            <a:r>
+              <a:rPr lang="en-US" dirty="0" err="1"/>
+              <a:t>xử</a:t>
+            </a:r>
+            <a:r>
+              <a:rPr lang="en-US" dirty="0"/>
+              <a:t> </a:t>
+            </a:r>
+            <a:r>
+              <a:rPr lang="en-US" dirty="0" err="1"/>
+              <a:t>lí</a:t>
+            </a:r>
+            <a:r>
+              <a:rPr lang="en-US" dirty="0"/>
+              <a:t> </a:t>
+            </a:r>
+            <a:r>
+              <a:rPr lang="en-US" dirty="0" err="1"/>
+              <a:t>và</a:t>
+            </a:r>
+            <a:r>
+              <a:rPr lang="en-US" dirty="0"/>
+              <a:t> them </a:t>
+            </a:r>
+            <a:r>
+              <a:rPr lang="en-US" dirty="0" err="1"/>
+              <a:t>vào</a:t>
+            </a:r>
+            <a:r>
+              <a:rPr lang="en-US" dirty="0"/>
+              <a:t> database </a:t>
+            </a:r>
+            <a:r>
+              <a:rPr lang="en-US" dirty="0" err="1"/>
+              <a:t>và</a:t>
+            </a:r>
+            <a:r>
+              <a:rPr lang="en-US" dirty="0"/>
+              <a:t> </a:t>
+            </a:r>
+            <a:r>
+              <a:rPr lang="en-US" dirty="0" err="1"/>
+              <a:t>hiển</a:t>
+            </a:r>
+            <a:r>
+              <a:rPr lang="en-US" dirty="0"/>
+              <a:t> </a:t>
+            </a:r>
+            <a:r>
+              <a:rPr lang="en-US" dirty="0" err="1"/>
+              <a:t>thị</a:t>
+            </a:r>
+            <a:r>
+              <a:rPr lang="en-US" dirty="0"/>
+              <a:t> ra </a:t>
+            </a:r>
+            <a:r>
+              <a:rPr lang="en-US" dirty="0" err="1"/>
+              <a:t>ngoài</a:t>
             </a:r>
             <a:endParaRPr lang="en-US" dirty="0"/>
           </a:p>
           <a:p>
             <a:r>
-              <a:rPr lang="en-US" dirty="0" err="1"/>
-              <a:t>Sản</a:t>
-            </a:r>
-            <a:r>
-              <a:rPr lang="en-US" dirty="0"/>
-              <a:t> </a:t>
-            </a:r>
-            <a:r>
-              <a:rPr lang="en-US" dirty="0" err="1"/>
-              <a:t>phẩm</a:t>
-            </a:r>
-            <a:r>
-              <a:rPr lang="en-US" dirty="0"/>
-              <a:t>, đ</a:t>
+              <a:rPr lang="en-US" dirty="0"/>
+              <a:t>Website </a:t>
+            </a:r>
+            <a:r>
+              <a:rPr lang="en-US" dirty="0" err="1"/>
+              <a:t>lại</a:t>
+            </a:r>
+            <a:r>
+              <a:rPr lang="en-US" dirty="0"/>
+              <a:t> </a:t>
+            </a:r>
+            <a:r>
+              <a:rPr lang="en-US" dirty="0" err="1"/>
+              <a:t>cho</a:t>
+            </a:r>
+            <a:r>
+              <a:rPr lang="en-US" dirty="0"/>
+              <a:t> ng</a:t>
+            </a:r>
+            <a:r>
+              <a:rPr lang="vi-VN" dirty="0"/>
+              <a:t>ư</a:t>
+            </a:r>
+            <a:r>
+              <a:rPr lang="en-US" dirty="0"/>
+              <a:t>ời dung. </a:t>
+            </a:r>
+          </a:p>
+          <a:p>
+            <a:r>
+              <a:rPr lang="en-US" dirty="0"/>
+              <a:t>Nh</a:t>
+            </a:r>
+            <a:r>
+              <a:rPr lang="vi-VN" dirty="0"/>
+              <a:t>ư</a:t>
+            </a:r>
+            <a:r>
+              <a:rPr lang="en-US" dirty="0"/>
+              <a:t> </a:t>
+            </a:r>
+            <a:r>
+              <a:rPr lang="en-US" dirty="0" err="1"/>
+              <a:t>vậy</a:t>
+            </a:r>
+            <a:r>
+              <a:rPr lang="en-US" dirty="0"/>
+              <a:t> </a:t>
+            </a:r>
+            <a:r>
+              <a:rPr lang="en-US" dirty="0" err="1"/>
+              <a:t>mọi</a:t>
+            </a:r>
+            <a:r>
+              <a:rPr lang="en-US" dirty="0"/>
+              <a:t> </a:t>
+            </a:r>
+            <a:r>
+              <a:rPr lang="en-US" dirty="0" err="1"/>
+              <a:t>dữ</a:t>
+            </a:r>
+            <a:r>
+              <a:rPr lang="en-US" dirty="0"/>
+              <a:t> </a:t>
+            </a:r>
+            <a:r>
+              <a:rPr lang="en-US" dirty="0" err="1"/>
+              <a:t>liệu</a:t>
+            </a:r>
+            <a:r>
+              <a:rPr lang="en-US" dirty="0"/>
+              <a:t> </a:t>
+            </a:r>
+            <a:r>
+              <a:rPr lang="en-US" dirty="0" err="1"/>
+              <a:t>cần</a:t>
+            </a:r>
+            <a:r>
+              <a:rPr lang="en-US" dirty="0"/>
+              <a:t> </a:t>
+            </a:r>
+            <a:r>
+              <a:rPr lang="en-US" dirty="0" err="1"/>
+              <a:t>thiết</a:t>
+            </a:r>
+            <a:r>
+              <a:rPr lang="en-US" dirty="0"/>
+              <a:t> </a:t>
+            </a:r>
+            <a:r>
+              <a:rPr lang="en-US" dirty="0" err="1"/>
+              <a:t>sẽ</a:t>
+            </a:r>
+            <a:r>
+              <a:rPr lang="en-US" dirty="0"/>
+              <a:t> đ</a:t>
+            </a:r>
+            <a:r>
+              <a:rPr lang="vi-VN" dirty="0"/>
+              <a:t>ư</a:t>
+            </a:r>
+            <a:r>
+              <a:rPr lang="en-US" dirty="0" err="1"/>
+              <a:t>ợc</a:t>
+            </a:r>
+            <a:r>
+              <a:rPr lang="en-US" dirty="0"/>
+              <a:t> </a:t>
+            </a:r>
+            <a:r>
+              <a:rPr lang="en-US" dirty="0" err="1"/>
+              <a:t>tập</a:t>
+            </a:r>
+            <a:r>
+              <a:rPr lang="en-US" dirty="0"/>
+              <a:t> </a:t>
+            </a:r>
+            <a:r>
+              <a:rPr lang="en-US" dirty="0" err="1"/>
+              <a:t>trung</a:t>
+            </a:r>
+            <a:r>
+              <a:rPr lang="en-US" dirty="0"/>
+              <a:t> </a:t>
+            </a:r>
+            <a:r>
+              <a:rPr lang="en-US" dirty="0" err="1"/>
+              <a:t>về</a:t>
+            </a:r>
+            <a:r>
+              <a:rPr lang="en-US" dirty="0"/>
+              <a:t> 1 website </a:t>
+            </a:r>
+            <a:r>
+              <a:rPr lang="en-US" dirty="0" err="1"/>
+              <a:t>duy</a:t>
+            </a:r>
+            <a:r>
+              <a:rPr lang="en-US" dirty="0"/>
+              <a:t> </a:t>
+            </a:r>
+            <a:r>
+              <a:rPr lang="en-US" dirty="0" err="1"/>
+              <a:t>nhất</a:t>
+            </a:r>
+            <a:r>
+              <a:rPr lang="en-US" dirty="0"/>
+              <a:t>, ng</a:t>
+            </a:r>
+            <a:r>
+              <a:rPr lang="vi-VN" dirty="0"/>
+              <a:t>ư</a:t>
+            </a:r>
+            <a:r>
+              <a:rPr lang="en-US" dirty="0"/>
+              <a:t>ời dung ko cần phải truy cập vào từng website riêng lẻ để quản lý đ</a:t>
             </a:r>
             <a:r>
               <a:rPr lang="vi-VN" dirty="0"/>
@@ -1762,342 +2116,13 @@
             </a:r>
             <a:r>
               <a:rPr lang="en-US" dirty="0"/>
-              <a:t>n hàng ,và khách hàng</a:t>
+              <a:t>n hàng nữa !</a:t>
             </a:r>
           </a:p>
           <a:p>
             <a:endParaRPr lang="en-US" dirty="0"/>
           </a:p>
           <a:p>
-            <a:r>
-              <a:rPr lang="en-US" dirty="0" err="1"/>
-              <a:t>Về</a:t>
-            </a:r>
-            <a:r>
-              <a:rPr lang="en-US" dirty="0"/>
-              <a:t> </a:t>
-            </a:r>
-            <a:r>
-              <a:rPr lang="en-US" dirty="0" err="1"/>
-              <a:t>sản</a:t>
-            </a:r>
-            <a:r>
-              <a:rPr lang="en-US" dirty="0"/>
-              <a:t> </a:t>
-            </a:r>
-            <a:r>
-              <a:rPr lang="en-US" dirty="0" err="1"/>
-              <a:t>phẩm</a:t>
-            </a:r>
-            <a:r>
-              <a:rPr lang="en-US" dirty="0"/>
-              <a:t>: </a:t>
-            </a:r>
-            <a:r>
-              <a:rPr lang="en-US" dirty="0" err="1"/>
-              <a:t>sẽ</a:t>
-            </a:r>
-            <a:r>
-              <a:rPr lang="en-US" dirty="0"/>
-              <a:t> đ</a:t>
-            </a:r>
-            <a:r>
-              <a:rPr lang="vi-VN" dirty="0"/>
-              <a:t>ư</a:t>
-            </a:r>
-            <a:r>
-              <a:rPr lang="en-US" dirty="0"/>
-              <a:t>ợc đồng bộ</a:t>
-            </a:r>
-            <a:r>
-              <a:rPr lang="ja-JP" altLang="en-US" dirty="0"/>
-              <a:t>同期</a:t>
-            </a:r>
-            <a:r>
-              <a:rPr lang="en-US" dirty="0"/>
-              <a:t> từ sàn TMDT xuống, đồng bộ thông tin sản phẩm</a:t>
-            </a:r>
-            <a:r>
-              <a:rPr lang="ja-JP" altLang="en-US" dirty="0"/>
-              <a:t>商品の情報</a:t>
-            </a:r>
-            <a:r>
-              <a:rPr lang="en-US" dirty="0"/>
-              <a:t> cũng nh</a:t>
-            </a:r>
-            <a:r>
-              <a:rPr lang="vi-VN" dirty="0"/>
-              <a:t>ư</a:t>
-            </a:r>
-            <a:r>
-              <a:rPr lang="en-US" dirty="0"/>
-              <a:t> tồn kho</a:t>
-            </a:r>
-            <a:r>
-              <a:rPr lang="ja-JP" altLang="en-US" dirty="0"/>
-              <a:t>在庫</a:t>
-            </a:r>
-            <a:endParaRPr lang="en-US" dirty="0"/>
-          </a:p>
-          <a:p>
-            <a:r>
-              <a:rPr lang="en-US" dirty="0"/>
-              <a:t>Đ</a:t>
-            </a:r>
-            <a:r>
-              <a:rPr lang="vi-VN" dirty="0"/>
-              <a:t>ơ</a:t>
-            </a:r>
-            <a:r>
-              <a:rPr lang="en-US" dirty="0"/>
-              <a:t>n hàng</a:t>
-            </a:r>
-            <a:r>
-              <a:rPr lang="ja-JP" altLang="en-US" dirty="0"/>
-              <a:t>注文</a:t>
-            </a:r>
-            <a:r>
-              <a:rPr lang="en-US" dirty="0"/>
-              <a:t>: đ</a:t>
-            </a:r>
-            <a:r>
-              <a:rPr lang="vi-VN" dirty="0"/>
-              <a:t>ơ</a:t>
-            </a:r>
-            <a:r>
-              <a:rPr lang="en-US" dirty="0"/>
-              <a:t>n </a:t>
-            </a:r>
-            <a:r>
-              <a:rPr lang="en-US" dirty="0" err="1"/>
-              <a:t>hàng</a:t>
-            </a:r>
-            <a:r>
-              <a:rPr lang="en-US" dirty="0"/>
-              <a:t> </a:t>
-            </a:r>
-            <a:r>
-              <a:rPr lang="en-US" dirty="0" err="1"/>
-              <a:t>đc</a:t>
-            </a:r>
-            <a:r>
-              <a:rPr lang="en-US" dirty="0"/>
-              <a:t> </a:t>
-            </a:r>
-            <a:r>
-              <a:rPr lang="en-US" dirty="0" err="1"/>
-              <a:t>đồng</a:t>
-            </a:r>
-            <a:r>
-              <a:rPr lang="en-US" dirty="0"/>
-              <a:t> </a:t>
-            </a:r>
-            <a:r>
-              <a:rPr lang="en-US" dirty="0" err="1"/>
-              <a:t>bộ</a:t>
-            </a:r>
-            <a:r>
-              <a:rPr lang="en-US" dirty="0"/>
-              <a:t> </a:t>
-            </a:r>
-            <a:r>
-              <a:rPr lang="en-US" dirty="0" err="1"/>
-              <a:t>từ</a:t>
-            </a:r>
-            <a:r>
-              <a:rPr lang="en-US" dirty="0"/>
-              <a:t> </a:t>
-            </a:r>
-            <a:r>
-              <a:rPr lang="en-US" dirty="0" err="1"/>
-              <a:t>sàn</a:t>
-            </a:r>
-            <a:r>
-              <a:rPr lang="en-US" dirty="0"/>
-              <a:t> TMDT </a:t>
-            </a:r>
-            <a:r>
-              <a:rPr lang="en-US" dirty="0" err="1"/>
-              <a:t>xuống</a:t>
-            </a:r>
-            <a:r>
-              <a:rPr lang="en-US" dirty="0"/>
-              <a:t> </a:t>
-            </a:r>
-            <a:r>
-              <a:rPr lang="en-US" dirty="0" err="1"/>
-              <a:t>và</a:t>
-            </a:r>
-            <a:r>
-              <a:rPr lang="en-US" dirty="0"/>
-              <a:t> </a:t>
-            </a:r>
-            <a:r>
-              <a:rPr lang="en-US" dirty="0" err="1"/>
-              <a:t>nhà</a:t>
-            </a:r>
-            <a:r>
-              <a:rPr lang="en-US" dirty="0"/>
-              <a:t> </a:t>
-            </a:r>
-            <a:r>
-              <a:rPr lang="en-US" dirty="0" err="1"/>
-              <a:t>bán</a:t>
-            </a:r>
-            <a:r>
-              <a:rPr lang="en-US" dirty="0"/>
-              <a:t> </a:t>
-            </a:r>
-            <a:r>
-              <a:rPr lang="en-US" dirty="0" err="1"/>
-              <a:t>hàng</a:t>
-            </a:r>
-            <a:r>
-              <a:rPr lang="en-US" dirty="0"/>
-              <a:t> </a:t>
-            </a:r>
-            <a:r>
-              <a:rPr lang="en-US" dirty="0" err="1"/>
-              <a:t>có</a:t>
-            </a:r>
-            <a:r>
-              <a:rPr lang="en-US" dirty="0"/>
-              <a:t> </a:t>
-            </a:r>
-            <a:r>
-              <a:rPr lang="en-US" dirty="0" err="1"/>
-              <a:t>thể</a:t>
-            </a:r>
-            <a:r>
-              <a:rPr lang="en-US" dirty="0"/>
-              <a:t> t</a:t>
-            </a:r>
-            <a:r>
-              <a:rPr lang="vi-VN" dirty="0"/>
-              <a:t>ư</a:t>
-            </a:r>
-            <a:r>
-              <a:rPr lang="en-US" dirty="0"/>
-              <a:t>ơng tác trực tiếp</a:t>
-            </a:r>
-            <a:r>
-              <a:rPr lang="ja-JP" altLang="en-US" dirty="0"/>
-              <a:t>直接操作できる</a:t>
-            </a:r>
-            <a:r>
-              <a:rPr lang="en-US" dirty="0"/>
-              <a:t> với đ</a:t>
-            </a:r>
-            <a:r>
-              <a:rPr lang="vi-VN" dirty="0"/>
-              <a:t>ơ</a:t>
-            </a:r>
-            <a:r>
-              <a:rPr lang="en-US" dirty="0"/>
-              <a:t>n hàng ngay tại website chứ ko cần</a:t>
-            </a:r>
-            <a:r>
-              <a:rPr lang="ja-JP" altLang="en-US" dirty="0"/>
-              <a:t>必要ない</a:t>
-            </a:r>
-            <a:r>
-              <a:rPr lang="en-US" dirty="0"/>
-              <a:t> thông qua</a:t>
-            </a:r>
-            <a:r>
-              <a:rPr lang="ja-JP" altLang="en-US" dirty="0"/>
-              <a:t>通す</a:t>
-            </a:r>
-            <a:r>
-              <a:rPr lang="en-US" dirty="0"/>
-              <a:t> sàn TMDT</a:t>
-            </a:r>
-          </a:p>
-          <a:p>
-            <a:r>
-              <a:rPr lang="en-US" dirty="0" err="1"/>
-              <a:t>Khách</a:t>
-            </a:r>
-            <a:r>
-              <a:rPr lang="en-US" dirty="0"/>
-              <a:t> </a:t>
-            </a:r>
-            <a:r>
-              <a:rPr lang="en-US" dirty="0" err="1"/>
-              <a:t>hàng</a:t>
-            </a:r>
-            <a:r>
-              <a:rPr lang="en-US" dirty="0"/>
-              <a:t>: </a:t>
-            </a:r>
-            <a:r>
-              <a:rPr lang="en-US" dirty="0" err="1"/>
-              <a:t>Thông</a:t>
-            </a:r>
-            <a:r>
-              <a:rPr lang="en-US" dirty="0"/>
-              <a:t> tin </a:t>
-            </a:r>
-            <a:r>
-              <a:rPr lang="en-US" dirty="0" err="1"/>
-              <a:t>khách</a:t>
-            </a:r>
-            <a:r>
-              <a:rPr lang="en-US" dirty="0"/>
-              <a:t> </a:t>
-            </a:r>
-            <a:r>
-              <a:rPr lang="en-US" dirty="0" err="1"/>
-              <a:t>hàng</a:t>
-            </a:r>
-            <a:r>
-              <a:rPr lang="en-US" dirty="0"/>
-              <a:t> </a:t>
-            </a:r>
-            <a:r>
-              <a:rPr lang="en-US" dirty="0" err="1"/>
-              <a:t>sẽ</a:t>
-            </a:r>
-            <a:r>
-              <a:rPr lang="en-US" dirty="0"/>
-              <a:t> đ</a:t>
-            </a:r>
-            <a:r>
-              <a:rPr lang="vi-VN" dirty="0"/>
-              <a:t>ư</a:t>
-            </a:r>
-            <a:r>
-              <a:rPr lang="en-US" dirty="0"/>
-              <a:t>ợc lưu lại</a:t>
-            </a:r>
-            <a:r>
-              <a:rPr lang="ja-JP" altLang="en-US" dirty="0"/>
-              <a:t>保管される</a:t>
-            </a:r>
-            <a:r>
-              <a:rPr lang="en-US" dirty="0"/>
-              <a:t> theo từng đ</a:t>
-            </a:r>
-            <a:r>
-              <a:rPr lang="vi-VN" dirty="0"/>
-              <a:t>ơ</a:t>
-            </a:r>
-            <a:r>
-              <a:rPr lang="en-US" dirty="0"/>
-              <a:t>n hàng để làm dữ liệu cho nhà bán hàng sau này sử dụng để remarketing, hậu mãi … </a:t>
-            </a:r>
-            <a:r>
-              <a:rPr lang="ja-JP" altLang="en-US" dirty="0"/>
-              <a:t>　</a:t>
-            </a:r>
-            <a:r>
-              <a:rPr lang="en-US" altLang="ja-JP" dirty="0"/>
-              <a:t>cuối</a:t>
-            </a:r>
-            <a:r>
-              <a:rPr lang="en-US" altLang="ja-JP" baseline="0" dirty="0"/>
-              <a:t> câu ni tiếng việt kieur lòn j đây</a:t>
-            </a:r>
             <a:endParaRPr lang="en-US" dirty="0"/>
           </a:p>
         </p:txBody>
@@ -2119,7 +2144,7 @@
           <a:p>
             <a:fld id="{B820E160-F603-41F3-A192-DC95957721C3}" type="slidenum">
               <a:rPr lang="ko-KR" altLang="en-US" smtClean="0"/>
-              <a:t>13</a:t>
+              <a:t>11</a:t>
             </a:fld>
             <a:endParaRPr lang="ko-KR" altLang="en-US"/>
           </a:p>
@@ -2128,7 +2153,7 @@
     </p:spTree>
     <p:extLst>
       <p:ext uri="{BB962C8B-B14F-4D97-AF65-F5344CB8AC3E}">
-        <p14:creationId xmlns:p14="http://schemas.microsoft.com/office/powerpoint/2010/main" val="936310846"/>
+        <p14:creationId xmlns:p14="http://schemas.microsoft.com/office/powerpoint/2010/main" val="2276121798"/>
       </p:ext>
     </p:extLst>
   </p:cSld>
@@ -2184,6 +2209,1268 @@
           <a:p>
             <a:r>
               <a:rPr lang="en-US" dirty="0" err="1"/>
+              <a:t>Để</a:t>
+            </a:r>
+            <a:r>
+              <a:rPr lang="en-US" dirty="0"/>
+              <a:t> </a:t>
+            </a:r>
+            <a:r>
+              <a:rPr lang="en-US" dirty="0" err="1"/>
+              <a:t>làm</a:t>
+            </a:r>
+            <a:r>
+              <a:rPr lang="en-US" dirty="0"/>
+              <a:t> đ</a:t>
+            </a:r>
+            <a:r>
+              <a:rPr lang="vi-VN" dirty="0"/>
+              <a:t>ư</a:t>
+            </a:r>
+            <a:r>
+              <a:rPr lang="en-US" dirty="0" err="1"/>
+              <a:t>ợc</a:t>
+            </a:r>
+            <a:r>
+              <a:rPr lang="en-US" dirty="0"/>
+              <a:t> </a:t>
+            </a:r>
+            <a:r>
+              <a:rPr lang="en-US" dirty="0" err="1"/>
+              <a:t>điều</a:t>
+            </a:r>
+            <a:r>
+              <a:rPr lang="en-US" dirty="0"/>
+              <a:t> </a:t>
+            </a:r>
+            <a:r>
+              <a:rPr lang="en-US" dirty="0" err="1"/>
+              <a:t>này</a:t>
+            </a:r>
+            <a:r>
+              <a:rPr lang="en-US" dirty="0"/>
+              <a:t> </a:t>
+            </a:r>
+            <a:r>
+              <a:rPr lang="en-US" dirty="0" err="1"/>
+              <a:t>thì</a:t>
+            </a:r>
+            <a:r>
+              <a:rPr lang="en-US" dirty="0"/>
+              <a:t> website </a:t>
+            </a:r>
+            <a:r>
+              <a:rPr lang="en-US" dirty="0" err="1"/>
+              <a:t>của</a:t>
+            </a:r>
+            <a:r>
+              <a:rPr lang="en-US" dirty="0"/>
+              <a:t> </a:t>
+            </a:r>
+            <a:r>
+              <a:rPr lang="en-US" dirty="0" err="1"/>
+              <a:t>em</a:t>
+            </a:r>
+            <a:r>
+              <a:rPr lang="en-US" dirty="0"/>
+              <a:t> </a:t>
+            </a:r>
+            <a:r>
+              <a:rPr lang="en-US" dirty="0" err="1"/>
+              <a:t>sử</a:t>
+            </a:r>
+            <a:r>
+              <a:rPr lang="en-US" dirty="0"/>
+              <a:t> </a:t>
+            </a:r>
+            <a:r>
+              <a:rPr lang="en-US" dirty="0" err="1"/>
+              <a:t>dụng</a:t>
+            </a:r>
+            <a:r>
+              <a:rPr lang="en-US" dirty="0"/>
+              <a:t> PHP , </a:t>
+            </a:r>
+            <a:r>
+              <a:rPr lang="en-US" dirty="0" err="1"/>
+              <a:t>cụ</a:t>
+            </a:r>
+            <a:r>
+              <a:rPr lang="en-US" dirty="0"/>
+              <a:t> </a:t>
+            </a:r>
+            <a:r>
+              <a:rPr lang="en-US" dirty="0" err="1"/>
+              <a:t>thể</a:t>
+            </a:r>
+            <a:r>
+              <a:rPr lang="en-US" dirty="0"/>
+              <a:t> </a:t>
+            </a:r>
+            <a:r>
+              <a:rPr lang="en-US" dirty="0" err="1"/>
+              <a:t>là</a:t>
+            </a:r>
+            <a:r>
+              <a:rPr lang="en-US" dirty="0"/>
+              <a:t> framework Laravel </a:t>
+            </a:r>
+            <a:r>
+              <a:rPr lang="en-US" dirty="0" err="1"/>
+              <a:t>để</a:t>
+            </a:r>
+            <a:r>
+              <a:rPr lang="en-US" dirty="0"/>
+              <a:t> </a:t>
+            </a:r>
+            <a:r>
+              <a:rPr lang="en-US" dirty="0" err="1"/>
+              <a:t>viết</a:t>
+            </a:r>
+            <a:r>
+              <a:rPr lang="en-US" dirty="0"/>
+              <a:t> backend</a:t>
+            </a:r>
+          </a:p>
+          <a:p>
+            <a:r>
+              <a:rPr lang="en-US" dirty="0" err="1"/>
+              <a:t>Còn</a:t>
+            </a:r>
+            <a:r>
+              <a:rPr lang="en-US" dirty="0"/>
+              <a:t> front end </a:t>
+            </a:r>
+            <a:r>
+              <a:rPr lang="en-US" dirty="0" err="1"/>
+              <a:t>sử</a:t>
+            </a:r>
+            <a:r>
+              <a:rPr lang="en-US" dirty="0"/>
+              <a:t> </a:t>
+            </a:r>
+            <a:r>
+              <a:rPr lang="en-US" dirty="0" err="1"/>
+              <a:t>dụng</a:t>
+            </a:r>
+            <a:r>
+              <a:rPr lang="en-US" dirty="0"/>
+              <a:t> Angular JS </a:t>
+            </a:r>
+            <a:r>
+              <a:rPr lang="en-US" dirty="0" err="1"/>
+              <a:t>của</a:t>
+            </a:r>
+            <a:r>
+              <a:rPr lang="en-US" dirty="0"/>
+              <a:t> </a:t>
+            </a:r>
+            <a:r>
+              <a:rPr lang="en-US" dirty="0" err="1"/>
+              <a:t>javascript</a:t>
+            </a:r>
+            <a:r>
+              <a:rPr lang="en-US" dirty="0"/>
+              <a:t>.</a:t>
+            </a:r>
+          </a:p>
+          <a:p>
+            <a:r>
+              <a:rPr lang="en-US" dirty="0" err="1"/>
+              <a:t>Người</a:t>
+            </a:r>
+            <a:r>
+              <a:rPr lang="en-US" dirty="0"/>
+              <a:t> dung </a:t>
+            </a:r>
+            <a:r>
+              <a:rPr lang="en-US" dirty="0" err="1"/>
+              <a:t>chính</a:t>
+            </a:r>
+            <a:r>
+              <a:rPr lang="en-US" dirty="0"/>
+              <a:t> </a:t>
+            </a:r>
+            <a:r>
+              <a:rPr lang="en-US" dirty="0" err="1"/>
+              <a:t>của</a:t>
+            </a:r>
+            <a:r>
+              <a:rPr lang="en-US" dirty="0"/>
+              <a:t> website </a:t>
+            </a:r>
+            <a:r>
+              <a:rPr lang="en-US" dirty="0" err="1"/>
+              <a:t>là</a:t>
+            </a:r>
+            <a:r>
+              <a:rPr lang="en-US" dirty="0"/>
+              <a:t> </a:t>
+            </a:r>
+            <a:r>
+              <a:rPr lang="en-US" dirty="0" err="1"/>
+              <a:t>nhà</a:t>
+            </a:r>
+            <a:r>
+              <a:rPr lang="en-US" dirty="0"/>
+              <a:t> </a:t>
+            </a:r>
+            <a:r>
+              <a:rPr lang="en-US" dirty="0" err="1"/>
+              <a:t>bán</a:t>
+            </a:r>
+            <a:r>
+              <a:rPr lang="en-US" dirty="0"/>
+              <a:t> </a:t>
+            </a:r>
+            <a:r>
+              <a:rPr lang="en-US" dirty="0" err="1"/>
+              <a:t>hàng</a:t>
+            </a:r>
+            <a:r>
+              <a:rPr lang="en-US" dirty="0"/>
+              <a:t> đ</a:t>
+            </a:r>
+            <a:r>
+              <a:rPr lang="vi-VN" dirty="0"/>
+              <a:t>ư</a:t>
+            </a:r>
+            <a:r>
+              <a:rPr lang="en-US" dirty="0" err="1"/>
+              <a:t>ợc</a:t>
+            </a:r>
+            <a:r>
+              <a:rPr lang="en-US" dirty="0"/>
+              <a:t> chia </a:t>
+            </a:r>
+            <a:r>
+              <a:rPr lang="en-US" dirty="0" err="1"/>
+              <a:t>làm</a:t>
+            </a:r>
+            <a:r>
+              <a:rPr lang="en-US" dirty="0"/>
+              <a:t> 2 </a:t>
+            </a:r>
+            <a:r>
+              <a:rPr lang="en-US" dirty="0" err="1"/>
+              <a:t>cấp</a:t>
+            </a:r>
+            <a:r>
+              <a:rPr lang="en-US" dirty="0"/>
+              <a:t> </a:t>
+            </a:r>
+            <a:r>
+              <a:rPr lang="en-US" dirty="0" err="1"/>
+              <a:t>độ</a:t>
+            </a:r>
+            <a:r>
+              <a:rPr lang="en-US" dirty="0"/>
+              <a:t>: </a:t>
+            </a:r>
+            <a:r>
+              <a:rPr lang="en-US" dirty="0" err="1"/>
+              <a:t>quản</a:t>
+            </a:r>
+            <a:r>
+              <a:rPr lang="en-US" dirty="0"/>
+              <a:t> </a:t>
+            </a:r>
+            <a:r>
+              <a:rPr lang="en-US" dirty="0" err="1"/>
+              <a:t>lí</a:t>
+            </a:r>
+            <a:r>
+              <a:rPr lang="en-US" dirty="0"/>
+              <a:t> </a:t>
+            </a:r>
+            <a:r>
+              <a:rPr lang="en-US" dirty="0" err="1"/>
+              <a:t>và</a:t>
+            </a:r>
+            <a:r>
+              <a:rPr lang="en-US" dirty="0"/>
+              <a:t> </a:t>
+            </a:r>
+            <a:r>
+              <a:rPr lang="en-US" dirty="0" err="1"/>
+              <a:t>nhân</a:t>
+            </a:r>
+            <a:r>
+              <a:rPr lang="en-US" dirty="0"/>
+              <a:t> </a:t>
+            </a:r>
+            <a:r>
+              <a:rPr lang="en-US" dirty="0" err="1"/>
+              <a:t>viên</a:t>
+            </a:r>
+            <a:endParaRPr lang="en-US" dirty="0"/>
+          </a:p>
+          <a:p>
+            <a:r>
+              <a:rPr lang="en-US" dirty="0" err="1"/>
+              <a:t>Usecase</a:t>
+            </a:r>
+            <a:r>
+              <a:rPr lang="en-US" dirty="0"/>
+              <a:t> </a:t>
+            </a:r>
+            <a:r>
+              <a:rPr lang="en-US" dirty="0" err="1"/>
+              <a:t>chính</a:t>
+            </a:r>
+            <a:r>
+              <a:rPr lang="en-US" dirty="0"/>
+              <a:t> </a:t>
+            </a:r>
+            <a:r>
+              <a:rPr lang="en-US" dirty="0" err="1"/>
+              <a:t>của</a:t>
+            </a:r>
+            <a:r>
+              <a:rPr lang="en-US" dirty="0"/>
+              <a:t> </a:t>
+            </a:r>
+            <a:r>
+              <a:rPr lang="en-US" dirty="0" err="1"/>
+              <a:t>hệ</a:t>
+            </a:r>
+            <a:r>
+              <a:rPr lang="en-US" dirty="0"/>
+              <a:t> </a:t>
+            </a:r>
+            <a:r>
+              <a:rPr lang="en-US" dirty="0" err="1"/>
+              <a:t>thống</a:t>
+            </a:r>
+            <a:r>
+              <a:rPr lang="en-US" dirty="0"/>
+              <a:t> </a:t>
+            </a:r>
+            <a:r>
+              <a:rPr lang="en-US" dirty="0" err="1"/>
+              <a:t>gồm</a:t>
+            </a:r>
+            <a:r>
+              <a:rPr lang="en-US" dirty="0"/>
+              <a:t> </a:t>
+            </a:r>
+            <a:r>
+              <a:rPr lang="en-US" dirty="0" err="1"/>
+              <a:t>có</a:t>
+            </a:r>
+            <a:r>
+              <a:rPr lang="en-US" dirty="0"/>
+              <a:t> </a:t>
+            </a:r>
+            <a:r>
+              <a:rPr lang="en-US" dirty="0" err="1"/>
+              <a:t>những</a:t>
+            </a:r>
+            <a:r>
+              <a:rPr lang="en-US" dirty="0"/>
+              <a:t> </a:t>
+            </a:r>
+            <a:r>
+              <a:rPr lang="en-US" dirty="0" err="1"/>
+              <a:t>chức</a:t>
+            </a:r>
+            <a:r>
+              <a:rPr lang="en-US" dirty="0"/>
+              <a:t> </a:t>
+            </a:r>
+            <a:r>
+              <a:rPr lang="en-US" dirty="0" err="1"/>
+              <a:t>năng</a:t>
+            </a:r>
+            <a:r>
+              <a:rPr lang="en-US" dirty="0"/>
+              <a:t> c</a:t>
+            </a:r>
+            <a:r>
+              <a:rPr lang="vi-VN" dirty="0"/>
+              <a:t>ơ</a:t>
+            </a:r>
+            <a:r>
+              <a:rPr lang="en-US" dirty="0"/>
+              <a:t> </a:t>
+            </a:r>
+            <a:r>
+              <a:rPr lang="en-US" dirty="0" err="1"/>
+              <a:t>bản</a:t>
+            </a:r>
+            <a:r>
+              <a:rPr lang="en-US" dirty="0"/>
+              <a:t> </a:t>
+            </a:r>
+            <a:r>
+              <a:rPr lang="en-US" dirty="0" err="1"/>
+              <a:t>nh</a:t>
+            </a:r>
+            <a:r>
+              <a:rPr lang="vi-VN" dirty="0"/>
+              <a:t>ư</a:t>
+            </a:r>
+            <a:r>
+              <a:rPr lang="en-US" dirty="0"/>
+              <a:t> </a:t>
+            </a:r>
+            <a:r>
+              <a:rPr lang="en-US" dirty="0" err="1"/>
+              <a:t>sau</a:t>
+            </a:r>
+            <a:endParaRPr lang="en-US" dirty="0"/>
+          </a:p>
+          <a:p>
+            <a:r>
+              <a:rPr lang="en-US" dirty="0" err="1"/>
+              <a:t>Nhân</a:t>
+            </a:r>
+            <a:r>
+              <a:rPr lang="en-US" dirty="0"/>
+              <a:t> </a:t>
+            </a:r>
+            <a:r>
+              <a:rPr lang="en-US" dirty="0" err="1"/>
+              <a:t>viên</a:t>
+            </a:r>
+            <a:r>
+              <a:rPr lang="en-US" dirty="0"/>
+              <a:t> </a:t>
+            </a:r>
+            <a:r>
+              <a:rPr lang="en-US" dirty="0" err="1"/>
+              <a:t>thì</a:t>
+            </a:r>
+            <a:r>
+              <a:rPr lang="en-US" dirty="0"/>
+              <a:t> </a:t>
+            </a:r>
+            <a:r>
+              <a:rPr lang="en-US" dirty="0" err="1"/>
+              <a:t>đăng</a:t>
+            </a:r>
+            <a:r>
+              <a:rPr lang="en-US" dirty="0"/>
+              <a:t> </a:t>
+            </a:r>
+            <a:r>
+              <a:rPr lang="en-US" dirty="0" err="1"/>
+              <a:t>nhập</a:t>
+            </a:r>
+            <a:r>
+              <a:rPr lang="en-US" dirty="0"/>
+              <a:t>, </a:t>
+            </a:r>
+            <a:r>
+              <a:rPr lang="en-US" dirty="0" err="1"/>
+              <a:t>quản</a:t>
+            </a:r>
+            <a:r>
+              <a:rPr lang="en-US" dirty="0"/>
+              <a:t> </a:t>
+            </a:r>
+            <a:r>
+              <a:rPr lang="en-US" dirty="0" err="1"/>
+              <a:t>lí</a:t>
+            </a:r>
+            <a:r>
+              <a:rPr lang="en-US" dirty="0"/>
+              <a:t> </a:t>
+            </a:r>
+            <a:r>
+              <a:rPr lang="en-US" dirty="0" err="1"/>
+              <a:t>sản</a:t>
+            </a:r>
+            <a:r>
+              <a:rPr lang="en-US" dirty="0"/>
+              <a:t> </a:t>
+            </a:r>
+            <a:r>
+              <a:rPr lang="en-US" dirty="0" err="1"/>
+              <a:t>phẩm</a:t>
+            </a:r>
+            <a:r>
+              <a:rPr lang="en-US" dirty="0"/>
+              <a:t>, đ</a:t>
+            </a:r>
+            <a:r>
+              <a:rPr lang="vi-VN" dirty="0"/>
+              <a:t>ơ</a:t>
+            </a:r>
+            <a:r>
+              <a:rPr lang="en-US" dirty="0"/>
+              <a:t>n </a:t>
+            </a:r>
+            <a:r>
+              <a:rPr lang="en-US" dirty="0" err="1"/>
+              <a:t>hàng</a:t>
+            </a:r>
+            <a:r>
+              <a:rPr lang="en-US" dirty="0"/>
+              <a:t>, chi </a:t>
+            </a:r>
+            <a:r>
+              <a:rPr lang="en-US" dirty="0" err="1"/>
+              <a:t>phí</a:t>
+            </a:r>
+            <a:r>
+              <a:rPr lang="en-US" dirty="0"/>
+              <a:t>, </a:t>
+            </a:r>
+            <a:r>
+              <a:rPr lang="en-US" dirty="0" err="1"/>
+              <a:t>khách</a:t>
+            </a:r>
+            <a:r>
+              <a:rPr lang="en-US" dirty="0"/>
+              <a:t> </a:t>
+            </a:r>
+            <a:r>
+              <a:rPr lang="en-US" dirty="0" err="1"/>
+              <a:t>hàng</a:t>
+            </a:r>
+            <a:endParaRPr lang="en-US" dirty="0"/>
+          </a:p>
+          <a:p>
+            <a:r>
+              <a:rPr lang="en-US" dirty="0" err="1"/>
+              <a:t>Quản</a:t>
+            </a:r>
+            <a:r>
+              <a:rPr lang="en-US" dirty="0"/>
+              <a:t> </a:t>
+            </a:r>
+            <a:r>
+              <a:rPr lang="en-US" dirty="0" err="1"/>
+              <a:t>lí</a:t>
+            </a:r>
+            <a:r>
+              <a:rPr lang="en-US" dirty="0"/>
+              <a:t> </a:t>
+            </a:r>
+            <a:r>
+              <a:rPr lang="en-US" dirty="0" err="1"/>
+              <a:t>thì</a:t>
+            </a:r>
+            <a:r>
+              <a:rPr lang="en-US" dirty="0"/>
+              <a:t> </a:t>
+            </a:r>
+            <a:r>
+              <a:rPr lang="en-US" dirty="0" err="1"/>
+              <a:t>giống</a:t>
+            </a:r>
+            <a:r>
+              <a:rPr lang="en-US" dirty="0"/>
+              <a:t> </a:t>
+            </a:r>
+            <a:r>
+              <a:rPr lang="en-US" dirty="0" err="1"/>
+              <a:t>nhân</a:t>
+            </a:r>
+            <a:r>
+              <a:rPr lang="en-US" dirty="0"/>
+              <a:t> </a:t>
+            </a:r>
+            <a:r>
+              <a:rPr lang="en-US" dirty="0" err="1"/>
+              <a:t>viên</a:t>
+            </a:r>
+            <a:r>
+              <a:rPr lang="en-US" dirty="0"/>
+              <a:t> </a:t>
+            </a:r>
+            <a:r>
+              <a:rPr lang="en-US" dirty="0" err="1"/>
+              <a:t>nh</a:t>
+            </a:r>
+            <a:r>
+              <a:rPr lang="vi-VN" dirty="0"/>
+              <a:t>ư</a:t>
+            </a:r>
+            <a:r>
+              <a:rPr lang="en-US" dirty="0"/>
+              <a:t>ng </a:t>
+            </a:r>
+            <a:r>
+              <a:rPr lang="en-US" dirty="0" err="1"/>
+              <a:t>có</a:t>
+            </a:r>
+            <a:r>
+              <a:rPr lang="en-US" dirty="0"/>
+              <a:t> them </a:t>
+            </a:r>
+            <a:r>
+              <a:rPr lang="en-US" dirty="0" err="1"/>
+              <a:t>chức</a:t>
+            </a:r>
+            <a:r>
+              <a:rPr lang="en-US" dirty="0"/>
+              <a:t> </a:t>
+            </a:r>
+            <a:r>
+              <a:rPr lang="en-US" dirty="0" err="1"/>
+              <a:t>năng</a:t>
+            </a:r>
+            <a:r>
+              <a:rPr lang="en-US" dirty="0"/>
+              <a:t> </a:t>
+            </a:r>
+            <a:r>
+              <a:rPr lang="en-US" dirty="0" err="1"/>
+              <a:t>xem</a:t>
+            </a:r>
+            <a:r>
+              <a:rPr lang="en-US" dirty="0"/>
+              <a:t> </a:t>
+            </a:r>
+            <a:r>
+              <a:rPr lang="en-US" dirty="0" err="1"/>
+              <a:t>trang</a:t>
+            </a:r>
+            <a:r>
+              <a:rPr lang="en-US" dirty="0"/>
+              <a:t> </a:t>
+            </a:r>
+            <a:r>
+              <a:rPr lang="en-US" dirty="0" err="1"/>
+              <a:t>thống</a:t>
+            </a:r>
+            <a:r>
+              <a:rPr lang="en-US" dirty="0"/>
+              <a:t> </a:t>
+            </a:r>
+            <a:r>
+              <a:rPr lang="en-US" dirty="0" err="1"/>
+              <a:t>kê</a:t>
+            </a:r>
+            <a:r>
+              <a:rPr lang="en-US" dirty="0"/>
+              <a:t>, </a:t>
+            </a:r>
+            <a:r>
+              <a:rPr lang="en-US" dirty="0" err="1"/>
+              <a:t>quản</a:t>
+            </a:r>
+            <a:r>
+              <a:rPr lang="en-US" dirty="0"/>
+              <a:t> </a:t>
+            </a:r>
+            <a:r>
+              <a:rPr lang="en-US" dirty="0" err="1"/>
+              <a:t>lí</a:t>
+            </a:r>
+            <a:r>
+              <a:rPr lang="en-US" dirty="0"/>
+              <a:t> </a:t>
+            </a:r>
+            <a:r>
+              <a:rPr lang="en-US" dirty="0" err="1"/>
+              <a:t>nhân</a:t>
+            </a:r>
+            <a:r>
+              <a:rPr lang="en-US" dirty="0"/>
+              <a:t> </a:t>
+            </a:r>
+            <a:r>
+              <a:rPr lang="en-US" dirty="0" err="1"/>
+              <a:t>sự</a:t>
+            </a:r>
+            <a:r>
+              <a:rPr lang="en-US" dirty="0"/>
+              <a:t>, </a:t>
+            </a:r>
+            <a:r>
+              <a:rPr lang="en-US" dirty="0" err="1"/>
+              <a:t>quản</a:t>
+            </a:r>
+            <a:r>
+              <a:rPr lang="en-US" dirty="0"/>
+              <a:t> </a:t>
+            </a:r>
+            <a:r>
+              <a:rPr lang="en-US" dirty="0" err="1"/>
+              <a:t>lí</a:t>
+            </a:r>
+            <a:r>
+              <a:rPr lang="en-US" dirty="0"/>
+              <a:t> </a:t>
+            </a:r>
+            <a:r>
+              <a:rPr lang="en-US" dirty="0" err="1"/>
+              <a:t>cấu</a:t>
+            </a:r>
+            <a:r>
+              <a:rPr lang="en-US" dirty="0"/>
+              <a:t> </a:t>
+            </a:r>
+            <a:r>
+              <a:rPr lang="en-US" dirty="0" err="1"/>
+              <a:t>hình</a:t>
+            </a:r>
+            <a:r>
+              <a:rPr lang="en-US" dirty="0"/>
+              <a:t> </a:t>
+            </a:r>
+            <a:r>
+              <a:rPr lang="en-US" dirty="0" err="1"/>
+              <a:t>gian</a:t>
+            </a:r>
+            <a:r>
+              <a:rPr lang="en-US" dirty="0"/>
+              <a:t> </a:t>
+            </a:r>
+            <a:r>
+              <a:rPr lang="en-US" dirty="0" err="1"/>
+              <a:t>hàng</a:t>
+            </a:r>
+            <a:endParaRPr lang="en-US" dirty="0"/>
+          </a:p>
+        </p:txBody>
+      </p:sp>
+      <p:sp>
+        <p:nvSpPr>
+          <p:cNvPr id="4" name="Slide Number Placeholder 3"/>
+          <p:cNvSpPr>
+            <a:spLocks noGrp="1"/>
+          </p:cNvSpPr>
+          <p:nvPr>
+            <p:ph type="sldNum" sz="quarter" idx="5"/>
+          </p:nvPr>
+        </p:nvSpPr>
+        <p:spPr/>
+        <p:txBody>
+          <a:bodyPr/>
+          <a:lstStyle/>
+          <a:p>
+            <a:fld id="{B820E160-F603-41F3-A192-DC95957721C3}" type="slidenum">
+              <a:rPr lang="ko-KR" altLang="en-US" smtClean="0"/>
+              <a:t>12</a:t>
+            </a:fld>
+            <a:endParaRPr lang="ko-KR" altLang="en-US"/>
+          </a:p>
+        </p:txBody>
+      </p:sp>
+    </p:spTree>
+    <p:extLst>
+      <p:ext uri="{BB962C8B-B14F-4D97-AF65-F5344CB8AC3E}">
+        <p14:creationId xmlns:p14="http://schemas.microsoft.com/office/powerpoint/2010/main" val="2291864581"/>
+      </p:ext>
+    </p:extLst>
+  </p:cSld>
+  <p:clrMapOvr>
+    <a:masterClrMapping/>
+  </p:clrMapOvr>
+</p:notes>
+</file>
+
+<file path=ppt/notesSlides/notesSlide13.xml><?xml version="1.0" encoding="utf-8"?>
+<p:notes xmlns:a="http://schemas.openxmlformats.org/drawingml/2006/main" xmlns:r="http://schemas.openxmlformats.org/officeDocument/2006/relationships" xmlns:p="http://schemas.openxmlformats.org/presentationml/2006/main">
+  <p:cSld>
+    <p:spTree>
+      <p:nvGrpSpPr>
+        <p:cNvPr id="1" name=""/>
+        <p:cNvGrpSpPr/>
+        <p:nvPr/>
+      </p:nvGrpSpPr>
+      <p:grpSpPr>
+        <a:xfrm>
+          <a:off x="0" y="0"/>
+          <a:ext cx="0" cy="0"/>
+          <a:chOff x="0" y="0"/>
+          <a:chExt cx="0" cy="0"/>
+        </a:xfrm>
+      </p:grpSpPr>
+      <p:sp>
+        <p:nvSpPr>
+          <p:cNvPr id="2" name="Slide Image Placeholder 1"/>
+          <p:cNvSpPr>
+            <a:spLocks noGrp="1" noRot="1" noChangeAspect="1"/>
+          </p:cNvSpPr>
+          <p:nvPr>
+            <p:ph type="sldImg"/>
+          </p:nvPr>
+        </p:nvSpPr>
+        <p:spPr/>
+      </p:sp>
+      <p:sp>
+        <p:nvSpPr>
+          <p:cNvPr id="3" name="Notes Placeholder 2"/>
+          <p:cNvSpPr>
+            <a:spLocks noGrp="1"/>
+          </p:cNvSpPr>
+          <p:nvPr>
+            <p:ph type="body" idx="1"/>
+          </p:nvPr>
+        </p:nvSpPr>
+        <p:spPr/>
+        <p:txBody>
+          <a:bodyPr/>
+          <a:lstStyle/>
+          <a:p>
+            <a:r>
+              <a:rPr lang="en-US" dirty="0"/>
+              <a:t>Giá trị cốt lõi của đề tài của em là tập trung quản lý 3 yếu tố quan trọng nhất mà nhà bán hàng quan tâm đó là</a:t>
+            </a:r>
+            <a:r>
+              <a:rPr lang="ja-JP" altLang="en-US" dirty="0"/>
+              <a:t>　</a:t>
+            </a:r>
+            <a:r>
+              <a:rPr lang="en-US" altLang="ja-JP" dirty="0"/>
+              <a:t>(đm</a:t>
+            </a:r>
+            <a:r>
+              <a:rPr lang="en-US" altLang="ja-JP" baseline="0" dirty="0"/>
+              <a:t> ghi kiểu ni thì cái quan trọng là việc quản lí hay 3 cái yếu tố?)</a:t>
+            </a:r>
+            <a:endParaRPr lang="en-US" dirty="0"/>
+          </a:p>
+          <a:p>
+            <a:r>
+              <a:rPr lang="en-US" dirty="0" err="1"/>
+              <a:t>Sản</a:t>
+            </a:r>
+            <a:r>
+              <a:rPr lang="en-US" dirty="0"/>
+              <a:t> </a:t>
+            </a:r>
+            <a:r>
+              <a:rPr lang="en-US" dirty="0" err="1"/>
+              <a:t>phẩm</a:t>
+            </a:r>
+            <a:r>
+              <a:rPr lang="en-US" dirty="0"/>
+              <a:t>, đ</a:t>
+            </a:r>
+            <a:r>
+              <a:rPr lang="vi-VN" dirty="0"/>
+              <a:t>ơ</a:t>
+            </a:r>
+            <a:r>
+              <a:rPr lang="en-US" dirty="0"/>
+              <a:t>n hàng ,và khách hàng</a:t>
+            </a:r>
+          </a:p>
+          <a:p>
+            <a:endParaRPr lang="en-US" dirty="0"/>
+          </a:p>
+          <a:p>
+            <a:r>
+              <a:rPr lang="en-US" dirty="0" err="1"/>
+              <a:t>Về</a:t>
+            </a:r>
+            <a:r>
+              <a:rPr lang="en-US" dirty="0"/>
+              <a:t> </a:t>
+            </a:r>
+            <a:r>
+              <a:rPr lang="en-US" dirty="0" err="1"/>
+              <a:t>sản</a:t>
+            </a:r>
+            <a:r>
+              <a:rPr lang="en-US" dirty="0"/>
+              <a:t> </a:t>
+            </a:r>
+            <a:r>
+              <a:rPr lang="en-US" dirty="0" err="1"/>
+              <a:t>phẩm</a:t>
+            </a:r>
+            <a:r>
+              <a:rPr lang="en-US" dirty="0"/>
+              <a:t>: </a:t>
+            </a:r>
+            <a:r>
+              <a:rPr lang="en-US" dirty="0" err="1"/>
+              <a:t>sẽ</a:t>
+            </a:r>
+            <a:r>
+              <a:rPr lang="en-US" dirty="0"/>
+              <a:t> đ</a:t>
+            </a:r>
+            <a:r>
+              <a:rPr lang="vi-VN" dirty="0"/>
+              <a:t>ư</a:t>
+            </a:r>
+            <a:r>
+              <a:rPr lang="en-US" dirty="0"/>
+              <a:t>ợc đồng bộ</a:t>
+            </a:r>
+            <a:r>
+              <a:rPr lang="ja-JP" altLang="en-US" dirty="0"/>
+              <a:t>同期</a:t>
+            </a:r>
+            <a:r>
+              <a:rPr lang="en-US" dirty="0"/>
+              <a:t> từ sàn TMDT xuống, đồng bộ thông tin sản phẩm</a:t>
+            </a:r>
+            <a:r>
+              <a:rPr lang="ja-JP" altLang="en-US" dirty="0"/>
+              <a:t>商品の情報</a:t>
+            </a:r>
+            <a:r>
+              <a:rPr lang="en-US" dirty="0"/>
+              <a:t> cũng nh</a:t>
+            </a:r>
+            <a:r>
+              <a:rPr lang="vi-VN" dirty="0"/>
+              <a:t>ư</a:t>
+            </a:r>
+            <a:r>
+              <a:rPr lang="en-US" dirty="0"/>
+              <a:t> tồn kho</a:t>
+            </a:r>
+            <a:r>
+              <a:rPr lang="ja-JP" altLang="en-US" dirty="0"/>
+              <a:t>在庫</a:t>
+            </a:r>
+            <a:endParaRPr lang="en-US" dirty="0"/>
+          </a:p>
+          <a:p>
+            <a:r>
+              <a:rPr lang="en-US" dirty="0"/>
+              <a:t>Đ</a:t>
+            </a:r>
+            <a:r>
+              <a:rPr lang="vi-VN" dirty="0"/>
+              <a:t>ơ</a:t>
+            </a:r>
+            <a:r>
+              <a:rPr lang="en-US" dirty="0"/>
+              <a:t>n hàng</a:t>
+            </a:r>
+            <a:r>
+              <a:rPr lang="ja-JP" altLang="en-US" dirty="0"/>
+              <a:t>注文</a:t>
+            </a:r>
+            <a:r>
+              <a:rPr lang="en-US" dirty="0"/>
+              <a:t>: đ</a:t>
+            </a:r>
+            <a:r>
+              <a:rPr lang="vi-VN" dirty="0"/>
+              <a:t>ơ</a:t>
+            </a:r>
+            <a:r>
+              <a:rPr lang="en-US" dirty="0"/>
+              <a:t>n </a:t>
+            </a:r>
+            <a:r>
+              <a:rPr lang="en-US" dirty="0" err="1"/>
+              <a:t>hàng</a:t>
+            </a:r>
+            <a:r>
+              <a:rPr lang="en-US" dirty="0"/>
+              <a:t> </a:t>
+            </a:r>
+            <a:r>
+              <a:rPr lang="en-US" dirty="0" err="1"/>
+              <a:t>đc</a:t>
+            </a:r>
+            <a:r>
+              <a:rPr lang="en-US" dirty="0"/>
+              <a:t> </a:t>
+            </a:r>
+            <a:r>
+              <a:rPr lang="en-US" dirty="0" err="1"/>
+              <a:t>đồng</a:t>
+            </a:r>
+            <a:r>
+              <a:rPr lang="en-US" dirty="0"/>
+              <a:t> </a:t>
+            </a:r>
+            <a:r>
+              <a:rPr lang="en-US" dirty="0" err="1"/>
+              <a:t>bộ</a:t>
+            </a:r>
+            <a:r>
+              <a:rPr lang="en-US" dirty="0"/>
+              <a:t> </a:t>
+            </a:r>
+            <a:r>
+              <a:rPr lang="en-US" dirty="0" err="1"/>
+              <a:t>từ</a:t>
+            </a:r>
+            <a:r>
+              <a:rPr lang="en-US" dirty="0"/>
+              <a:t> </a:t>
+            </a:r>
+            <a:r>
+              <a:rPr lang="en-US" dirty="0" err="1"/>
+              <a:t>sàn</a:t>
+            </a:r>
+            <a:r>
+              <a:rPr lang="en-US" dirty="0"/>
+              <a:t> TMDT </a:t>
+            </a:r>
+            <a:r>
+              <a:rPr lang="en-US" dirty="0" err="1"/>
+              <a:t>xuống</a:t>
+            </a:r>
+            <a:r>
+              <a:rPr lang="en-US" dirty="0"/>
+              <a:t> </a:t>
+            </a:r>
+            <a:r>
+              <a:rPr lang="en-US" dirty="0" err="1"/>
+              <a:t>và</a:t>
+            </a:r>
+            <a:r>
+              <a:rPr lang="en-US" dirty="0"/>
+              <a:t> </a:t>
+            </a:r>
+            <a:r>
+              <a:rPr lang="en-US" dirty="0" err="1"/>
+              <a:t>nhà</a:t>
+            </a:r>
+            <a:r>
+              <a:rPr lang="en-US" dirty="0"/>
+              <a:t> </a:t>
+            </a:r>
+            <a:r>
+              <a:rPr lang="en-US" dirty="0" err="1"/>
+              <a:t>bán</a:t>
+            </a:r>
+            <a:r>
+              <a:rPr lang="en-US" dirty="0"/>
+              <a:t> </a:t>
+            </a:r>
+            <a:r>
+              <a:rPr lang="en-US" dirty="0" err="1"/>
+              <a:t>hàng</a:t>
+            </a:r>
+            <a:r>
+              <a:rPr lang="en-US" dirty="0"/>
+              <a:t> </a:t>
+            </a:r>
+            <a:r>
+              <a:rPr lang="en-US" dirty="0" err="1"/>
+              <a:t>có</a:t>
+            </a:r>
+            <a:r>
+              <a:rPr lang="en-US" dirty="0"/>
+              <a:t> </a:t>
+            </a:r>
+            <a:r>
+              <a:rPr lang="en-US" dirty="0" err="1"/>
+              <a:t>thể</a:t>
+            </a:r>
+            <a:r>
+              <a:rPr lang="en-US" dirty="0"/>
+              <a:t> t</a:t>
+            </a:r>
+            <a:r>
+              <a:rPr lang="vi-VN" dirty="0"/>
+              <a:t>ư</a:t>
+            </a:r>
+            <a:r>
+              <a:rPr lang="en-US" dirty="0"/>
+              <a:t>ơng tác trực tiếp</a:t>
+            </a:r>
+            <a:r>
+              <a:rPr lang="ja-JP" altLang="en-US" dirty="0"/>
+              <a:t>直接操作できる</a:t>
+            </a:r>
+            <a:r>
+              <a:rPr lang="en-US" dirty="0"/>
+              <a:t> với đ</a:t>
+            </a:r>
+            <a:r>
+              <a:rPr lang="vi-VN" dirty="0"/>
+              <a:t>ơ</a:t>
+            </a:r>
+            <a:r>
+              <a:rPr lang="en-US" dirty="0"/>
+              <a:t>n hàng ngay tại website chứ ko cần</a:t>
+            </a:r>
+            <a:r>
+              <a:rPr lang="ja-JP" altLang="en-US" dirty="0"/>
+              <a:t>必要ない</a:t>
+            </a:r>
+            <a:r>
+              <a:rPr lang="en-US" dirty="0"/>
+              <a:t> thông qua</a:t>
+            </a:r>
+            <a:r>
+              <a:rPr lang="ja-JP" altLang="en-US" dirty="0"/>
+              <a:t>通す</a:t>
+            </a:r>
+            <a:r>
+              <a:rPr lang="en-US" dirty="0"/>
+              <a:t> sàn TMDT</a:t>
+            </a:r>
+          </a:p>
+          <a:p>
+            <a:r>
+              <a:rPr lang="en-US" dirty="0" err="1"/>
+              <a:t>Khách</a:t>
+            </a:r>
+            <a:r>
+              <a:rPr lang="en-US" dirty="0"/>
+              <a:t> </a:t>
+            </a:r>
+            <a:r>
+              <a:rPr lang="en-US" dirty="0" err="1"/>
+              <a:t>hàng</a:t>
+            </a:r>
+            <a:r>
+              <a:rPr lang="en-US" dirty="0"/>
+              <a:t>: </a:t>
+            </a:r>
+            <a:r>
+              <a:rPr lang="en-US" dirty="0" err="1"/>
+              <a:t>Thông</a:t>
+            </a:r>
+            <a:r>
+              <a:rPr lang="en-US" dirty="0"/>
+              <a:t> tin </a:t>
+            </a:r>
+            <a:r>
+              <a:rPr lang="en-US" dirty="0" err="1"/>
+              <a:t>khách</a:t>
+            </a:r>
+            <a:r>
+              <a:rPr lang="en-US" dirty="0"/>
+              <a:t> </a:t>
+            </a:r>
+            <a:r>
+              <a:rPr lang="en-US" dirty="0" err="1"/>
+              <a:t>hàng</a:t>
+            </a:r>
+            <a:r>
+              <a:rPr lang="en-US" dirty="0"/>
+              <a:t> </a:t>
+            </a:r>
+            <a:r>
+              <a:rPr lang="en-US" dirty="0" err="1"/>
+              <a:t>sẽ</a:t>
+            </a:r>
+            <a:r>
+              <a:rPr lang="en-US" dirty="0"/>
+              <a:t> đ</a:t>
+            </a:r>
+            <a:r>
+              <a:rPr lang="vi-VN" dirty="0"/>
+              <a:t>ư</a:t>
+            </a:r>
+            <a:r>
+              <a:rPr lang="en-US" dirty="0"/>
+              <a:t>ợc lưu lại</a:t>
+            </a:r>
+            <a:r>
+              <a:rPr lang="ja-JP" altLang="en-US" dirty="0"/>
+              <a:t>保管される</a:t>
+            </a:r>
+            <a:r>
+              <a:rPr lang="en-US" dirty="0"/>
+              <a:t> theo từng đ</a:t>
+            </a:r>
+            <a:r>
+              <a:rPr lang="vi-VN" dirty="0"/>
+              <a:t>ơ</a:t>
+            </a:r>
+            <a:r>
+              <a:rPr lang="en-US" dirty="0"/>
+              <a:t>n hàng để làm dữ liệu cho nhà bán hàng sau này sử dụng để remarketing, hậu mãi … </a:t>
+            </a:r>
+            <a:r>
+              <a:rPr lang="ja-JP" altLang="en-US" dirty="0"/>
+              <a:t>　</a:t>
+            </a:r>
+            <a:r>
+              <a:rPr lang="en-US" altLang="ja-JP" dirty="0"/>
+              <a:t>cuối</a:t>
+            </a:r>
+            <a:r>
+              <a:rPr lang="en-US" altLang="ja-JP" baseline="0" dirty="0"/>
+              <a:t> câu ni tiếng việt kieur lòn j đây</a:t>
+            </a:r>
+            <a:endParaRPr lang="en-US" dirty="0"/>
+          </a:p>
+        </p:txBody>
+      </p:sp>
+      <p:sp>
+        <p:nvSpPr>
+          <p:cNvPr id="4" name="Slide Number Placeholder 3"/>
+          <p:cNvSpPr>
+            <a:spLocks noGrp="1"/>
+          </p:cNvSpPr>
+          <p:nvPr>
+            <p:ph type="sldNum" sz="quarter" idx="5"/>
+          </p:nvPr>
+        </p:nvSpPr>
+        <p:spPr/>
+        <p:txBody>
+          <a:bodyPr/>
+          <a:lstStyle/>
+          <a:p>
+            <a:fld id="{B820E160-F603-41F3-A192-DC95957721C3}" type="slidenum">
+              <a:rPr lang="ko-KR" altLang="en-US" smtClean="0"/>
+              <a:t>13</a:t>
+            </a:fld>
+            <a:endParaRPr lang="ko-KR" altLang="en-US"/>
+          </a:p>
+        </p:txBody>
+      </p:sp>
+    </p:spTree>
+    <p:extLst>
+      <p:ext uri="{BB962C8B-B14F-4D97-AF65-F5344CB8AC3E}">
+        <p14:creationId xmlns:p14="http://schemas.microsoft.com/office/powerpoint/2010/main" val="936310846"/>
+      </p:ext>
+    </p:extLst>
+  </p:cSld>
+  <p:clrMapOvr>
+    <a:masterClrMapping/>
+  </p:clrMapOvr>
+</p:notes>
+</file>
+
+<file path=ppt/notesSlides/notesSlide14.xml><?xml version="1.0" encoding="utf-8"?>
+<p:notes xmlns:a="http://schemas.openxmlformats.org/drawingml/2006/main" xmlns:r="http://schemas.openxmlformats.org/officeDocument/2006/relationships" xmlns:p="http://schemas.openxmlformats.org/presentationml/2006/main">
+  <p:cSld>
+    <p:spTree>
+      <p:nvGrpSpPr>
+        <p:cNvPr id="1" name=""/>
+        <p:cNvGrpSpPr/>
+        <p:nvPr/>
+      </p:nvGrpSpPr>
+      <p:grpSpPr>
+        <a:xfrm>
+          <a:off x="0" y="0"/>
+          <a:ext cx="0" cy="0"/>
+          <a:chOff x="0" y="0"/>
+          <a:chExt cx="0" cy="0"/>
+        </a:xfrm>
+      </p:grpSpPr>
+      <p:sp>
+        <p:nvSpPr>
+          <p:cNvPr id="2" name="Slide Image Placeholder 1"/>
+          <p:cNvSpPr>
+            <a:spLocks noGrp="1" noRot="1" noChangeAspect="1"/>
+          </p:cNvSpPr>
+          <p:nvPr>
+            <p:ph type="sldImg"/>
+          </p:nvPr>
+        </p:nvSpPr>
+        <p:spPr/>
+      </p:sp>
+      <p:sp>
+        <p:nvSpPr>
+          <p:cNvPr id="3" name="Notes Placeholder 2"/>
+          <p:cNvSpPr>
+            <a:spLocks noGrp="1"/>
+          </p:cNvSpPr>
+          <p:nvPr>
+            <p:ph type="body" idx="1"/>
+          </p:nvPr>
+        </p:nvSpPr>
+        <p:spPr/>
+        <p:txBody>
+          <a:bodyPr/>
+          <a:lstStyle/>
+          <a:p>
+            <a:r>
+              <a:rPr lang="en-US" dirty="0" err="1"/>
               <a:t>Ví</a:t>
             </a:r>
             <a:r>
@@ -2326,7 +3613,7 @@
 </p:notes>
 </file>
 
-<file path=ppt/notesSlides/notesSlide13.xml><?xml version="1.0" encoding="utf-8"?>
+<file path=ppt/notesSlides/notesSlide15.xml><?xml version="1.0" encoding="utf-8"?>
 <p:notes xmlns:a="http://schemas.openxmlformats.org/drawingml/2006/main" xmlns:r="http://schemas.openxmlformats.org/officeDocument/2006/relationships" xmlns:p="http://schemas.openxmlformats.org/presentationml/2006/main">
   <p:cSld>
     <p:spTree>
@@ -2636,7 +3923,7 @@
 </p:notes>
 </file>
 
-<file path=ppt/notesSlides/notesSlide14.xml><?xml version="1.0" encoding="utf-8"?>
+<file path=ppt/notesSlides/notesSlide16.xml><?xml version="1.0" encoding="utf-8"?>
 <p:notes xmlns:a="http://schemas.openxmlformats.org/drawingml/2006/main" xmlns:r="http://schemas.openxmlformats.org/officeDocument/2006/relationships" xmlns:p="http://schemas.openxmlformats.org/presentationml/2006/main">
   <p:cSld>
     <p:spTree>
@@ -3433,7 +4720,7 @@
 </p:notes>
 </file>
 
-<file path=ppt/notesSlides/notesSlide15.xml><?xml version="1.0" encoding="utf-8"?>
+<file path=ppt/notesSlides/notesSlide17.xml><?xml version="1.0" encoding="utf-8"?>
 <p:notes xmlns:a="http://schemas.openxmlformats.org/drawingml/2006/main" xmlns:r="http://schemas.openxmlformats.org/officeDocument/2006/relationships" xmlns:p="http://schemas.openxmlformats.org/presentationml/2006/main">
   <p:cSld>
     <p:spTree>
@@ -3517,7 +4804,7 @@
 </p:notes>
 </file>
 
-<file path=ppt/notesSlides/notesSlide16.xml><?xml version="1.0" encoding="utf-8"?>
+<file path=ppt/notesSlides/notesSlide18.xml><?xml version="1.0" encoding="utf-8"?>
 <p:notes xmlns:a="http://schemas.openxmlformats.org/drawingml/2006/main" xmlns:r="http://schemas.openxmlformats.org/officeDocument/2006/relationships" xmlns:p="http://schemas.openxmlformats.org/presentationml/2006/main">
   <p:cSld>
     <p:spTree>
@@ -3601,7 +4888,7 @@
 </p:notes>
 </file>
 
-<file path=ppt/notesSlides/notesSlide17.xml><?xml version="1.0" encoding="utf-8"?>
+<file path=ppt/notesSlides/notesSlide19.xml><?xml version="1.0" encoding="utf-8"?>
 <p:notes xmlns:a="http://schemas.openxmlformats.org/drawingml/2006/main" xmlns:r="http://schemas.openxmlformats.org/officeDocument/2006/relationships" xmlns:p="http://schemas.openxmlformats.org/presentationml/2006/main">
   <p:cSld>
     <p:spTree>
@@ -3760,52 +5047,95 @@
           <a:p>
             <a:r>
               <a:rPr lang="ja-JP" altLang="en-US" dirty="0"/>
-              <a:t>はじめに、どうして、何のためにこのテーマを選んだか</a:t>
-            </a:r>
-            <a:endParaRPr lang="en-US" altLang="ja-JP" dirty="0"/>
-          </a:p>
-          <a:p>
-            <a:r>
-              <a:rPr lang="ja-JP" altLang="en-US" dirty="0"/>
-              <a:t>システム分析、</a:t>
-            </a:r>
-            <a:r>
-              <a:rPr lang="en-US" altLang="ja-JP" dirty="0"/>
-              <a:t>thuyết</a:t>
-            </a:r>
-            <a:r>
-              <a:rPr lang="en-US" altLang="ja-JP" baseline="0" dirty="0"/>
-              <a:t> trình bằng tiếng nhật thì phải giải thích sơ qua mỗi phần sẽ nói về cái j như ta vd ở dòng trên. Vì là giải thích nên cố gắng không dùng từ có trong power point mà dùng từ dễ hiểu để giải thích</a:t>
-            </a:r>
-            <a:endParaRPr lang="en-US" altLang="ja-JP" dirty="0"/>
-          </a:p>
-          <a:p>
-            <a:r>
-              <a:rPr lang="ja-JP" altLang="en-US" dirty="0"/>
-              <a:t>結果、</a:t>
-            </a:r>
-            <a:endParaRPr lang="en-US" altLang="ja-JP" dirty="0"/>
-          </a:p>
-          <a:p>
-            <a:r>
-              <a:rPr lang="ja-JP" altLang="en-US" dirty="0"/>
-              <a:t>と最後は結論です。</a:t>
-            </a:r>
-            <a:endParaRPr lang="en-US" altLang="ja-JP" dirty="0"/>
-          </a:p>
-          <a:p>
-            <a:r>
-              <a:rPr lang="en-US" dirty="0"/>
-              <a:t>Với thật</a:t>
-            </a:r>
-            <a:r>
-              <a:rPr lang="en-US" baseline="0" dirty="0"/>
-              <a:t> ra kết luận với hướng đi sau này là 2 phần riêng biệt đéo liên quan nhau</a:t>
+              <a:t>はじめに</a:t>
             </a:r>
             <a:endParaRPr lang="en-US" dirty="0"/>
           </a:p>
           <a:p>
-            <a:endParaRPr lang="en-US" dirty="0"/>
+            <a:pPr marL="0" marR="0" lvl="0" indent="0" algn="l" defTabSz="914400" rtl="0" eaLnBrk="1" fontAlgn="auto" latinLnBrk="1" hangingPunct="1">
+              <a:lnSpc>
+                <a:spcPct val="100000"/>
+              </a:lnSpc>
+              <a:spcBef>
+                <a:spcPts val="0"/>
+              </a:spcBef>
+              <a:spcAft>
+                <a:spcPts val="0"/>
+              </a:spcAft>
+              <a:buClrTx/>
+              <a:buSzTx/>
+              <a:buFontTx/>
+              <a:buNone/>
+              <a:tabLst/>
+              <a:defRPr/>
+            </a:pPr>
+            <a:r>
+              <a:rPr lang="ja-JP" altLang="en-US" sz="1200" b="1" dirty="0">
+                <a:solidFill>
+                  <a:schemeClr val="tx1">
+                    <a:lumMod val="75000"/>
+                    <a:lumOff val="25000"/>
+                  </a:schemeClr>
+                </a:solidFill>
+                <a:cs typeface="Arial" pitchFamily="34" charset="0"/>
+              </a:rPr>
+              <a:t>システム分析</a:t>
+            </a:r>
+            <a:endParaRPr lang="en-US" altLang="ko-KR" sz="1200" b="1" dirty="0">
+              <a:solidFill>
+                <a:schemeClr val="tx1">
+                  <a:lumMod val="75000"/>
+                  <a:lumOff val="25000"/>
+                </a:schemeClr>
+              </a:solidFill>
+              <a:cs typeface="Arial" pitchFamily="34" charset="0"/>
+            </a:endParaRPr>
+          </a:p>
+          <a:p>
+            <a:r>
+              <a:rPr lang="ja-JP" altLang="en-US" dirty="0"/>
+              <a:t>結果</a:t>
+            </a:r>
+          </a:p>
+          <a:p>
+            <a:pPr marL="0" marR="0" lvl="0" indent="0" algn="l" defTabSz="914400" rtl="0" eaLnBrk="1" fontAlgn="auto" latinLnBrk="1" hangingPunct="1">
+              <a:lnSpc>
+                <a:spcPct val="100000"/>
+              </a:lnSpc>
+              <a:spcBef>
+                <a:spcPts val="0"/>
+              </a:spcBef>
+              <a:spcAft>
+                <a:spcPts val="0"/>
+              </a:spcAft>
+              <a:buClrTx/>
+              <a:buSzTx/>
+              <a:buFontTx/>
+              <a:buNone/>
+              <a:tabLst/>
+              <a:defRPr/>
+            </a:pPr>
+            <a:r>
+              <a:rPr lang="ja-JP" altLang="en-US" sz="1200" b="1" dirty="0">
+                <a:solidFill>
+                  <a:schemeClr val="tx1">
+                    <a:lumMod val="75000"/>
+                    <a:lumOff val="25000"/>
+                  </a:schemeClr>
+                </a:solidFill>
+                <a:cs typeface="Arial" pitchFamily="34" charset="0"/>
+              </a:rPr>
+              <a:t>結論</a:t>
+            </a:r>
+            <a:endParaRPr lang="en-US" altLang="ko-KR" sz="1200" b="1" dirty="0">
+              <a:solidFill>
+                <a:schemeClr val="tx1">
+                  <a:lumMod val="75000"/>
+                  <a:lumOff val="25000"/>
+                </a:schemeClr>
+              </a:solidFill>
+              <a:cs typeface="Arial" pitchFamily="34" charset="0"/>
+            </a:endParaRPr>
           </a:p>
           <a:p>
             <a:endParaRPr lang="en-US" dirty="0"/>
@@ -4186,32 +5516,22 @@
           <a:lstStyle/>
           <a:p>
             <a:r>
+              <a:rPr lang="en-US" altLang="ja-JP" dirty="0">
+                <a:ea typeface="맑은 고딕" pitchFamily="50" charset="-127"/>
+              </a:rPr>
+              <a:t>e</a:t>
+            </a:r>
+            <a:r>
+              <a:rPr lang="ja-JP" altLang="en-US" dirty="0">
+                <a:ea typeface="맑은 고딕" pitchFamily="50" charset="-127"/>
+              </a:rPr>
+              <a:t>コマースウェブサイト</a:t>
+            </a:r>
+            <a:r>
               <a:rPr lang="ja-JP" altLang="en-US" dirty="0"/>
-              <a:t>オンラインショッピングの現状について説明します。</a:t>
+              <a:t>について説明します。</a:t>
             </a:r>
             <a:endParaRPr lang="en-US" dirty="0"/>
-          </a:p>
-          <a:p>
-            <a:r>
-              <a:rPr lang="en-US" dirty="0"/>
-              <a:t>Đầu tiên em xin trình bày về hiện trạng bán hàng </a:t>
-            </a:r>
-            <a:r>
-              <a:rPr lang="en-US" dirty="0" err="1"/>
-              <a:t>trên</a:t>
-            </a:r>
-            <a:r>
-              <a:rPr lang="en-US" dirty="0"/>
-              <a:t> </a:t>
-            </a:r>
-            <a:r>
-              <a:rPr lang="en-US" dirty="0" err="1"/>
-              <a:t>trang</a:t>
-            </a:r>
-            <a:r>
-              <a:rPr lang="en-US" dirty="0"/>
-              <a:t> TMDT hiện nay</a:t>
-            </a:r>
           </a:p>
           <a:p>
             <a:endParaRPr lang="en-US" dirty="0"/>
@@ -5018,1142 +6338,18 @@
           <a:bodyPr/>
           <a:lstStyle/>
           <a:p>
-            <a:pPr marL="285750" indent="-285750">
-              <a:buFont typeface="Arial" panose="020B0604020202020204" pitchFamily="34" charset="0"/>
-              <a:buChar char="•"/>
-            </a:pPr>
-            <a:r>
-              <a:rPr lang="en-US" altLang="ko-KR" sz="1200" dirty="0" err="1">
-                <a:solidFill>
-                  <a:schemeClr val="tx1">
-                    <a:lumMod val="75000"/>
-                    <a:lumOff val="25000"/>
-                  </a:schemeClr>
-                </a:solidFill>
-                <a:cs typeface="Arial" pitchFamily="34" charset="0"/>
-              </a:rPr>
-              <a:t>Vì</a:t>
-            </a:r>
-            <a:r>
-              <a:rPr lang="en-US" altLang="ko-KR" sz="1200" dirty="0">
-                <a:solidFill>
-                  <a:schemeClr val="tx1">
-                    <a:lumMod val="75000"/>
-                    <a:lumOff val="25000"/>
-                  </a:schemeClr>
-                </a:solidFill>
-                <a:cs typeface="Arial" pitchFamily="34" charset="0"/>
-              </a:rPr>
-              <a:t> </a:t>
-            </a:r>
-            <a:r>
-              <a:rPr lang="en-US" altLang="ko-KR" sz="1200" dirty="0" err="1">
-                <a:solidFill>
-                  <a:schemeClr val="tx1">
-                    <a:lumMod val="75000"/>
-                    <a:lumOff val="25000"/>
-                  </a:schemeClr>
-                </a:solidFill>
-                <a:cs typeface="Arial" pitchFamily="34" charset="0"/>
-              </a:rPr>
-              <a:t>vậy</a:t>
-            </a:r>
-            <a:r>
-              <a:rPr lang="en-US" altLang="ko-KR" sz="1200" dirty="0">
-                <a:solidFill>
-                  <a:schemeClr val="tx1">
-                    <a:lumMod val="75000"/>
-                    <a:lumOff val="25000"/>
-                  </a:schemeClr>
-                </a:solidFill>
-                <a:cs typeface="Arial" pitchFamily="34" charset="0"/>
-              </a:rPr>
-              <a:t> </a:t>
-            </a:r>
-            <a:r>
-              <a:rPr lang="en-US" altLang="ko-KR" sz="1200" dirty="0" err="1">
-                <a:solidFill>
-                  <a:schemeClr val="tx1">
-                    <a:lumMod val="75000"/>
-                    <a:lumOff val="25000"/>
-                  </a:schemeClr>
-                </a:solidFill>
-                <a:cs typeface="Arial" pitchFamily="34" charset="0"/>
-              </a:rPr>
-              <a:t>em</a:t>
-            </a:r>
-            <a:r>
-              <a:rPr lang="en-US" altLang="ko-KR" sz="1200" dirty="0">
-                <a:solidFill>
-                  <a:schemeClr val="tx1">
-                    <a:lumMod val="75000"/>
-                    <a:lumOff val="25000"/>
-                  </a:schemeClr>
-                </a:solidFill>
-                <a:cs typeface="Arial" pitchFamily="34" charset="0"/>
-              </a:rPr>
-              <a:t> </a:t>
-            </a:r>
-            <a:r>
-              <a:rPr lang="en-US" altLang="ko-KR" sz="1200" dirty="0" err="1">
-                <a:solidFill>
-                  <a:schemeClr val="tx1">
-                    <a:lumMod val="75000"/>
-                    <a:lumOff val="25000"/>
-                  </a:schemeClr>
-                </a:solidFill>
-                <a:cs typeface="Arial" pitchFamily="34" charset="0"/>
-              </a:rPr>
-              <a:t>làm</a:t>
-            </a:r>
-            <a:r>
-              <a:rPr lang="en-US" altLang="ko-KR" sz="1200" dirty="0">
-                <a:solidFill>
-                  <a:schemeClr val="tx1">
-                    <a:lumMod val="75000"/>
-                    <a:lumOff val="25000"/>
-                  </a:schemeClr>
-                </a:solidFill>
-                <a:cs typeface="Arial" pitchFamily="34" charset="0"/>
-              </a:rPr>
-              <a:t> website </a:t>
-            </a:r>
-            <a:r>
-              <a:rPr lang="en-US" altLang="ko-KR" sz="1200" dirty="0" err="1">
-                <a:solidFill>
-                  <a:schemeClr val="tx1">
-                    <a:lumMod val="75000"/>
-                    <a:lumOff val="25000"/>
-                  </a:schemeClr>
-                </a:solidFill>
-                <a:cs typeface="Arial" pitchFamily="34" charset="0"/>
-              </a:rPr>
-              <a:t>này</a:t>
-            </a:r>
-            <a:r>
-              <a:rPr lang="en-US" altLang="ko-KR" sz="1200" dirty="0">
-                <a:solidFill>
-                  <a:schemeClr val="tx1">
-                    <a:lumMod val="75000"/>
-                    <a:lumOff val="25000"/>
-                  </a:schemeClr>
-                </a:solidFill>
-                <a:cs typeface="Arial" pitchFamily="34" charset="0"/>
-              </a:rPr>
-              <a:t> </a:t>
-            </a:r>
-            <a:r>
-              <a:rPr lang="en-US" altLang="ko-KR" sz="1200" dirty="0" err="1">
-                <a:solidFill>
-                  <a:schemeClr val="tx1">
-                    <a:lumMod val="75000"/>
-                    <a:lumOff val="25000"/>
-                  </a:schemeClr>
-                </a:solidFill>
-                <a:cs typeface="Arial" pitchFamily="34" charset="0"/>
-              </a:rPr>
-              <a:t>mục</a:t>
-            </a:r>
-            <a:r>
-              <a:rPr lang="en-US" altLang="ko-KR" sz="1200" dirty="0">
-                <a:solidFill>
-                  <a:schemeClr val="tx1">
-                    <a:lumMod val="75000"/>
-                    <a:lumOff val="25000"/>
-                  </a:schemeClr>
-                </a:solidFill>
-                <a:cs typeface="Arial" pitchFamily="34" charset="0"/>
-              </a:rPr>
-              <a:t> </a:t>
-            </a:r>
-            <a:r>
-              <a:rPr lang="en-US" altLang="ko-KR" sz="1200" dirty="0" err="1">
-                <a:solidFill>
-                  <a:schemeClr val="tx1">
-                    <a:lumMod val="75000"/>
-                    <a:lumOff val="25000"/>
-                  </a:schemeClr>
-                </a:solidFill>
-                <a:cs typeface="Arial" pitchFamily="34" charset="0"/>
-              </a:rPr>
-              <a:t>tiêu</a:t>
-            </a:r>
-            <a:r>
-              <a:rPr lang="en-US" altLang="ko-KR" sz="1200" dirty="0">
-                <a:solidFill>
-                  <a:schemeClr val="tx1">
-                    <a:lumMod val="75000"/>
-                    <a:lumOff val="25000"/>
-                  </a:schemeClr>
-                </a:solidFill>
-                <a:cs typeface="Arial" pitchFamily="34" charset="0"/>
-              </a:rPr>
-              <a:t> </a:t>
-            </a:r>
-            <a:r>
-              <a:rPr lang="en-US" altLang="ko-KR" sz="1200" dirty="0" err="1">
-                <a:solidFill>
-                  <a:schemeClr val="tx1">
-                    <a:lumMod val="75000"/>
-                    <a:lumOff val="25000"/>
-                  </a:schemeClr>
-                </a:solidFill>
-                <a:cs typeface="Arial" pitchFamily="34" charset="0"/>
-              </a:rPr>
-              <a:t>là</a:t>
-            </a:r>
-            <a:r>
-              <a:rPr lang="en-US" altLang="ko-KR" sz="1200" dirty="0">
-                <a:solidFill>
-                  <a:schemeClr val="tx1">
-                    <a:lumMod val="75000"/>
-                    <a:lumOff val="25000"/>
-                  </a:schemeClr>
-                </a:solidFill>
-                <a:cs typeface="Arial" pitchFamily="34" charset="0"/>
-              </a:rPr>
-              <a:t> </a:t>
-            </a:r>
-            <a:r>
-              <a:rPr lang="en-US" altLang="ko-KR" sz="1200" dirty="0" err="1">
-                <a:solidFill>
-                  <a:schemeClr val="tx1">
-                    <a:lumMod val="75000"/>
-                    <a:lumOff val="25000"/>
-                  </a:schemeClr>
-                </a:solidFill>
-                <a:cs typeface="Arial" pitchFamily="34" charset="0"/>
-              </a:rPr>
-              <a:t>để</a:t>
-            </a:r>
-            <a:r>
-              <a:rPr lang="en-US" altLang="ko-KR" sz="1200" dirty="0">
-                <a:solidFill>
-                  <a:schemeClr val="tx1">
-                    <a:lumMod val="75000"/>
-                    <a:lumOff val="25000"/>
-                  </a:schemeClr>
-                </a:solidFill>
-                <a:cs typeface="Arial" pitchFamily="34" charset="0"/>
-              </a:rPr>
-              <a:t> </a:t>
-            </a:r>
-            <a:r>
-              <a:rPr lang="en-US" altLang="ko-KR" sz="1200" dirty="0" err="1">
-                <a:solidFill>
-                  <a:schemeClr val="tx1">
-                    <a:lumMod val="75000"/>
-                    <a:lumOff val="25000"/>
-                  </a:schemeClr>
-                </a:solidFill>
-                <a:cs typeface="Arial" pitchFamily="34" charset="0"/>
-              </a:rPr>
-              <a:t>giúp</a:t>
-            </a:r>
-            <a:r>
-              <a:rPr lang="en-US" altLang="ko-KR" sz="1200" dirty="0">
-                <a:solidFill>
-                  <a:schemeClr val="tx1">
-                    <a:lumMod val="75000"/>
-                    <a:lumOff val="25000"/>
-                  </a:schemeClr>
-                </a:solidFill>
-                <a:cs typeface="Arial" pitchFamily="34" charset="0"/>
-              </a:rPr>
-              <a:t> </a:t>
-            </a:r>
-            <a:r>
-              <a:rPr lang="en-US" altLang="ko-KR" sz="1200" dirty="0" err="1">
-                <a:solidFill>
-                  <a:schemeClr val="tx1">
-                    <a:lumMod val="75000"/>
-                    <a:lumOff val="25000"/>
-                  </a:schemeClr>
-                </a:solidFill>
-                <a:cs typeface="Arial" pitchFamily="34" charset="0"/>
-              </a:rPr>
-              <a:t>nhà</a:t>
-            </a:r>
-            <a:r>
-              <a:rPr lang="en-US" altLang="ko-KR" sz="1200" dirty="0">
-                <a:solidFill>
-                  <a:schemeClr val="tx1">
-                    <a:lumMod val="75000"/>
-                    <a:lumOff val="25000"/>
-                  </a:schemeClr>
-                </a:solidFill>
-                <a:cs typeface="Arial" pitchFamily="34" charset="0"/>
-              </a:rPr>
-              <a:t> </a:t>
-            </a:r>
-            <a:r>
-              <a:rPr lang="en-US" altLang="ko-KR" sz="1200" dirty="0" err="1">
-                <a:solidFill>
-                  <a:schemeClr val="tx1">
-                    <a:lumMod val="75000"/>
-                    <a:lumOff val="25000"/>
-                  </a:schemeClr>
-                </a:solidFill>
-                <a:cs typeface="Arial" pitchFamily="34" charset="0"/>
-              </a:rPr>
-              <a:t>bán</a:t>
-            </a:r>
-            <a:r>
-              <a:rPr lang="en-US" altLang="ko-KR" sz="1200" dirty="0">
-                <a:solidFill>
-                  <a:schemeClr val="tx1">
-                    <a:lumMod val="75000"/>
-                    <a:lumOff val="25000"/>
-                  </a:schemeClr>
-                </a:solidFill>
-                <a:cs typeface="Arial" pitchFamily="34" charset="0"/>
-              </a:rPr>
-              <a:t> </a:t>
-            </a:r>
-            <a:r>
-              <a:rPr lang="en-US" altLang="ko-KR" sz="1200" dirty="0" err="1">
-                <a:solidFill>
-                  <a:schemeClr val="tx1">
-                    <a:lumMod val="75000"/>
-                    <a:lumOff val="25000"/>
-                  </a:schemeClr>
-                </a:solidFill>
-                <a:cs typeface="Arial" pitchFamily="34" charset="0"/>
-              </a:rPr>
-              <a:t>hàng</a:t>
-            </a:r>
-            <a:endParaRPr lang="en-US" altLang="ko-KR" sz="1200" dirty="0">
-              <a:solidFill>
-                <a:schemeClr val="tx1">
-                  <a:lumMod val="75000"/>
-                  <a:lumOff val="25000"/>
-                </a:schemeClr>
-              </a:solidFill>
-              <a:cs typeface="Arial" pitchFamily="34" charset="0"/>
-            </a:endParaRPr>
-          </a:p>
-          <a:p>
-            <a:pPr marL="285750" marR="0" lvl="0" indent="-285750" algn="l" defTabSz="914400" rtl="0" eaLnBrk="1" fontAlgn="auto" latinLnBrk="1" hangingPunct="1">
-              <a:lnSpc>
-                <a:spcPct val="100000"/>
-              </a:lnSpc>
-              <a:spcBef>
-                <a:spcPts val="0"/>
-              </a:spcBef>
-              <a:spcAft>
-                <a:spcPts val="0"/>
-              </a:spcAft>
-              <a:buClrTx/>
-              <a:buSzTx/>
-              <a:buFont typeface="Arial" panose="020B0604020202020204" pitchFamily="34" charset="0"/>
-              <a:buChar char="•"/>
-              <a:tabLst/>
-              <a:defRPr/>
-            </a:pPr>
-            <a:r>
-              <a:rPr lang="en-US" altLang="ko-KR" sz="1200" dirty="0" err="1">
-                <a:solidFill>
-                  <a:schemeClr val="tx1">
-                    <a:lumMod val="75000"/>
-                    <a:lumOff val="25000"/>
-                  </a:schemeClr>
-                </a:solidFill>
-                <a:cs typeface="Arial" pitchFamily="34" charset="0"/>
-              </a:rPr>
-              <a:t>Dễ</a:t>
-            </a:r>
-            <a:r>
-              <a:rPr lang="en-US" altLang="ko-KR" sz="1200" dirty="0">
-                <a:solidFill>
-                  <a:schemeClr val="tx1">
-                    <a:lumMod val="75000"/>
-                    <a:lumOff val="25000"/>
-                  </a:schemeClr>
-                </a:solidFill>
-                <a:cs typeface="Arial" pitchFamily="34" charset="0"/>
-              </a:rPr>
-              <a:t> </a:t>
-            </a:r>
-            <a:r>
-              <a:rPr lang="en-US" altLang="ko-KR" sz="1200" dirty="0" err="1">
-                <a:solidFill>
-                  <a:schemeClr val="tx1">
-                    <a:lumMod val="75000"/>
-                    <a:lumOff val="25000"/>
-                  </a:schemeClr>
-                </a:solidFill>
-                <a:cs typeface="Arial" pitchFamily="34" charset="0"/>
-              </a:rPr>
-              <a:t>dàng</a:t>
-            </a:r>
-            <a:r>
-              <a:rPr lang="en-US" altLang="ko-KR" sz="1200" dirty="0">
-                <a:solidFill>
-                  <a:schemeClr val="tx1">
-                    <a:lumMod val="75000"/>
-                    <a:lumOff val="25000"/>
-                  </a:schemeClr>
-                </a:solidFill>
-                <a:cs typeface="Arial" pitchFamily="34" charset="0"/>
-              </a:rPr>
-              <a:t> </a:t>
-            </a:r>
-            <a:r>
-              <a:rPr lang="en-US" altLang="ko-KR" sz="1200" dirty="0" err="1">
-                <a:solidFill>
-                  <a:schemeClr val="tx1">
-                    <a:lumMod val="75000"/>
-                    <a:lumOff val="25000"/>
-                  </a:schemeClr>
-                </a:solidFill>
-                <a:cs typeface="Arial" pitchFamily="34" charset="0"/>
-              </a:rPr>
-              <a:t>quản</a:t>
-            </a:r>
-            <a:r>
-              <a:rPr lang="en-US" altLang="ko-KR" sz="1200" dirty="0">
-                <a:solidFill>
-                  <a:schemeClr val="tx1">
-                    <a:lumMod val="75000"/>
-                    <a:lumOff val="25000"/>
-                  </a:schemeClr>
-                </a:solidFill>
-                <a:cs typeface="Arial" pitchFamily="34" charset="0"/>
-              </a:rPr>
-              <a:t> </a:t>
-            </a:r>
-            <a:r>
-              <a:rPr lang="en-US" altLang="ko-KR" sz="1200" dirty="0" err="1">
-                <a:solidFill>
-                  <a:schemeClr val="tx1">
-                    <a:lumMod val="75000"/>
-                    <a:lumOff val="25000"/>
-                  </a:schemeClr>
-                </a:solidFill>
-                <a:cs typeface="Arial" pitchFamily="34" charset="0"/>
-              </a:rPr>
-              <a:t>lí</a:t>
-            </a:r>
-            <a:r>
-              <a:rPr lang="en-US" altLang="ko-KR" sz="1200" dirty="0">
-                <a:solidFill>
-                  <a:schemeClr val="tx1">
-                    <a:lumMod val="75000"/>
-                    <a:lumOff val="25000"/>
-                  </a:schemeClr>
-                </a:solidFill>
-                <a:cs typeface="Arial" pitchFamily="34" charset="0"/>
-              </a:rPr>
-              <a:t> </a:t>
-            </a:r>
-            <a:r>
-              <a:rPr lang="en-US" altLang="ko-KR" sz="1200" dirty="0" err="1">
-                <a:solidFill>
-                  <a:schemeClr val="tx1">
-                    <a:lumMod val="75000"/>
-                    <a:lumOff val="25000"/>
-                  </a:schemeClr>
-                </a:solidFill>
-                <a:cs typeface="Arial" pitchFamily="34" charset="0"/>
-              </a:rPr>
-              <a:t>nhiều</a:t>
-            </a:r>
-            <a:r>
-              <a:rPr lang="en-US" altLang="ko-KR" sz="1200" dirty="0">
-                <a:solidFill>
-                  <a:schemeClr val="tx1">
-                    <a:lumMod val="75000"/>
-                    <a:lumOff val="25000"/>
-                  </a:schemeClr>
-                </a:solidFill>
-                <a:cs typeface="Arial" pitchFamily="34" charset="0"/>
-              </a:rPr>
-              <a:t> </a:t>
-            </a:r>
-            <a:r>
-              <a:rPr lang="en-US" altLang="ko-KR" sz="1200" dirty="0" err="1">
-                <a:solidFill>
-                  <a:schemeClr val="tx1">
-                    <a:lumMod val="75000"/>
-                    <a:lumOff val="25000"/>
-                  </a:schemeClr>
-                </a:solidFill>
-                <a:cs typeface="Arial" pitchFamily="34" charset="0"/>
-              </a:rPr>
-              <a:t>gian</a:t>
-            </a:r>
-            <a:r>
-              <a:rPr lang="en-US" altLang="ko-KR" sz="1200" dirty="0">
-                <a:solidFill>
-                  <a:schemeClr val="tx1">
-                    <a:lumMod val="75000"/>
-                    <a:lumOff val="25000"/>
-                  </a:schemeClr>
-                </a:solidFill>
-                <a:cs typeface="Arial" pitchFamily="34" charset="0"/>
-              </a:rPr>
-              <a:t> </a:t>
-            </a:r>
-            <a:r>
-              <a:rPr lang="en-US" altLang="ko-KR" sz="1200" dirty="0" err="1">
-                <a:solidFill>
-                  <a:schemeClr val="tx1">
-                    <a:lumMod val="75000"/>
-                    <a:lumOff val="25000"/>
-                  </a:schemeClr>
-                </a:solidFill>
-                <a:cs typeface="Arial" pitchFamily="34" charset="0"/>
-              </a:rPr>
-              <a:t>hàng</a:t>
-            </a:r>
-            <a:r>
-              <a:rPr lang="en-US" altLang="ko-KR" sz="1200" dirty="0">
-                <a:solidFill>
-                  <a:schemeClr val="tx1">
-                    <a:lumMod val="75000"/>
-                    <a:lumOff val="25000"/>
-                  </a:schemeClr>
-                </a:solidFill>
-                <a:cs typeface="Arial" pitchFamily="34" charset="0"/>
-              </a:rPr>
-              <a:t> </a:t>
-            </a:r>
-            <a:r>
-              <a:rPr lang="en-US" altLang="ko-KR" sz="1200" dirty="0" err="1">
-                <a:solidFill>
-                  <a:schemeClr val="tx1">
-                    <a:lumMod val="75000"/>
-                    <a:lumOff val="25000"/>
-                  </a:schemeClr>
-                </a:solidFill>
-                <a:cs typeface="Arial" pitchFamily="34" charset="0"/>
-              </a:rPr>
-              <a:t>trên</a:t>
-            </a:r>
-            <a:r>
-              <a:rPr lang="en-US" altLang="ko-KR" sz="1200" dirty="0">
-                <a:solidFill>
-                  <a:schemeClr val="tx1">
-                    <a:lumMod val="75000"/>
-                    <a:lumOff val="25000"/>
-                  </a:schemeClr>
-                </a:solidFill>
-                <a:cs typeface="Arial" pitchFamily="34" charset="0"/>
-              </a:rPr>
-              <a:t> </a:t>
-            </a:r>
-            <a:r>
-              <a:rPr lang="en-US" altLang="ko-KR" sz="1200" dirty="0" err="1">
-                <a:solidFill>
-                  <a:schemeClr val="tx1">
-                    <a:lumMod val="75000"/>
-                    <a:lumOff val="25000"/>
-                  </a:schemeClr>
-                </a:solidFill>
-                <a:cs typeface="Arial" pitchFamily="34" charset="0"/>
-              </a:rPr>
-              <a:t>nhiều</a:t>
-            </a:r>
-            <a:r>
-              <a:rPr lang="en-US" altLang="ko-KR" sz="1200" dirty="0">
-                <a:solidFill>
-                  <a:schemeClr val="tx1">
-                    <a:lumMod val="75000"/>
-                    <a:lumOff val="25000"/>
-                  </a:schemeClr>
-                </a:solidFill>
-                <a:cs typeface="Arial" pitchFamily="34" charset="0"/>
-              </a:rPr>
-              <a:t> </a:t>
-            </a:r>
-            <a:r>
-              <a:rPr lang="en-US" altLang="ko-KR" sz="1200" dirty="0" err="1">
-                <a:solidFill>
-                  <a:schemeClr val="tx1">
-                    <a:lumMod val="75000"/>
-                    <a:lumOff val="25000"/>
-                  </a:schemeClr>
-                </a:solidFill>
-                <a:cs typeface="Arial" pitchFamily="34" charset="0"/>
-              </a:rPr>
-              <a:t>sàn</a:t>
-            </a:r>
-            <a:r>
-              <a:rPr lang="en-US" altLang="ko-KR" sz="1200" dirty="0">
-                <a:solidFill>
-                  <a:schemeClr val="tx1">
-                    <a:lumMod val="75000"/>
-                    <a:lumOff val="25000"/>
-                  </a:schemeClr>
-                </a:solidFill>
-                <a:cs typeface="Arial" pitchFamily="34" charset="0"/>
-              </a:rPr>
-              <a:t> TMDT</a:t>
-            </a:r>
-          </a:p>
-          <a:p>
-            <a:pPr marL="285750" indent="-285750">
-              <a:buFont typeface="Arial" panose="020B0604020202020204" pitchFamily="34" charset="0"/>
-              <a:buChar char="•"/>
-            </a:pPr>
-            <a:endParaRPr lang="en-US" altLang="ko-KR" sz="1200" dirty="0">
-              <a:solidFill>
-                <a:schemeClr val="tx1">
-                  <a:lumMod val="75000"/>
-                  <a:lumOff val="25000"/>
-                </a:schemeClr>
-              </a:solidFill>
-              <a:cs typeface="Arial" pitchFamily="34" charset="0"/>
-            </a:endParaRPr>
-          </a:p>
-          <a:p>
-            <a:pPr marL="285750" indent="-285750">
-              <a:buFont typeface="Arial" panose="020B0604020202020204" pitchFamily="34" charset="0"/>
-              <a:buChar char="•"/>
-            </a:pPr>
-            <a:r>
-              <a:rPr lang="en-US" altLang="ko-KR" sz="1200" dirty="0" err="1">
-                <a:solidFill>
-                  <a:schemeClr val="tx1">
-                    <a:lumMod val="75000"/>
-                    <a:lumOff val="25000"/>
-                  </a:schemeClr>
-                </a:solidFill>
-                <a:cs typeface="Arial" pitchFamily="34" charset="0"/>
-              </a:rPr>
-              <a:t>Mở</a:t>
-            </a:r>
-            <a:r>
-              <a:rPr lang="en-US" altLang="ko-KR" sz="1200" dirty="0">
-                <a:solidFill>
-                  <a:schemeClr val="tx1">
-                    <a:lumMod val="75000"/>
-                    <a:lumOff val="25000"/>
-                  </a:schemeClr>
-                </a:solidFill>
-                <a:cs typeface="Arial" pitchFamily="34" charset="0"/>
-              </a:rPr>
-              <a:t> </a:t>
-            </a:r>
-            <a:r>
-              <a:rPr lang="en-US" altLang="ko-KR" sz="1200" dirty="0" err="1">
-                <a:solidFill>
-                  <a:schemeClr val="tx1">
-                    <a:lumMod val="75000"/>
-                    <a:lumOff val="25000"/>
-                  </a:schemeClr>
-                </a:solidFill>
-                <a:cs typeface="Arial" pitchFamily="34" charset="0"/>
-              </a:rPr>
-              <a:t>rộng</a:t>
-            </a:r>
-            <a:r>
-              <a:rPr lang="en-US" altLang="ko-KR" sz="1200" dirty="0">
-                <a:solidFill>
-                  <a:schemeClr val="tx1">
-                    <a:lumMod val="75000"/>
-                    <a:lumOff val="25000"/>
-                  </a:schemeClr>
-                </a:solidFill>
-                <a:cs typeface="Arial" pitchFamily="34" charset="0"/>
-              </a:rPr>
-              <a:t> </a:t>
-            </a:r>
-            <a:r>
-              <a:rPr lang="en-US" altLang="ko-KR" sz="1200" dirty="0" err="1">
-                <a:solidFill>
-                  <a:schemeClr val="tx1">
-                    <a:lumMod val="75000"/>
-                    <a:lumOff val="25000"/>
-                  </a:schemeClr>
-                </a:solidFill>
-                <a:cs typeface="Arial" pitchFamily="34" charset="0"/>
-              </a:rPr>
-              <a:t>kênh</a:t>
-            </a:r>
-            <a:r>
-              <a:rPr lang="en-US" altLang="ko-KR" sz="1200" dirty="0">
-                <a:solidFill>
-                  <a:schemeClr val="tx1">
-                    <a:lumMod val="75000"/>
-                    <a:lumOff val="25000"/>
-                  </a:schemeClr>
-                </a:solidFill>
-                <a:cs typeface="Arial" pitchFamily="34" charset="0"/>
-              </a:rPr>
-              <a:t> </a:t>
-            </a:r>
-            <a:r>
-              <a:rPr lang="en-US" altLang="ko-KR" sz="1200" dirty="0" err="1">
-                <a:solidFill>
-                  <a:schemeClr val="tx1">
-                    <a:lumMod val="75000"/>
-                    <a:lumOff val="25000"/>
-                  </a:schemeClr>
-                </a:solidFill>
-                <a:cs typeface="Arial" pitchFamily="34" charset="0"/>
-              </a:rPr>
-              <a:t>bán</a:t>
-            </a:r>
-            <a:r>
-              <a:rPr lang="en-US" altLang="ko-KR" sz="1200" dirty="0">
-                <a:solidFill>
-                  <a:schemeClr val="tx1">
-                    <a:lumMod val="75000"/>
-                    <a:lumOff val="25000"/>
-                  </a:schemeClr>
-                </a:solidFill>
-                <a:cs typeface="Arial" pitchFamily="34" charset="0"/>
-              </a:rPr>
-              <a:t> </a:t>
-            </a:r>
-            <a:r>
-              <a:rPr lang="en-US" altLang="ko-KR" sz="1200" dirty="0" err="1">
-                <a:solidFill>
-                  <a:schemeClr val="tx1">
-                    <a:lumMod val="75000"/>
-                    <a:lumOff val="25000"/>
-                  </a:schemeClr>
-                </a:solidFill>
-                <a:cs typeface="Arial" pitchFamily="34" charset="0"/>
-              </a:rPr>
-              <a:t>hàng,tận</a:t>
-            </a:r>
-            <a:r>
-              <a:rPr lang="en-US" altLang="ko-KR" sz="1200" dirty="0">
-                <a:solidFill>
-                  <a:schemeClr val="tx1">
-                    <a:lumMod val="75000"/>
-                    <a:lumOff val="25000"/>
-                  </a:schemeClr>
-                </a:solidFill>
-                <a:cs typeface="Arial" pitchFamily="34" charset="0"/>
-              </a:rPr>
-              <a:t> </a:t>
-            </a:r>
-            <a:r>
-              <a:rPr lang="en-US" altLang="ko-KR" sz="1200" dirty="0" err="1">
-                <a:solidFill>
-                  <a:schemeClr val="tx1">
-                    <a:lumMod val="75000"/>
-                    <a:lumOff val="25000"/>
-                  </a:schemeClr>
-                </a:solidFill>
-                <a:cs typeface="Arial" pitchFamily="34" charset="0"/>
-              </a:rPr>
-              <a:t>dụng</a:t>
-            </a:r>
-            <a:r>
-              <a:rPr lang="en-US" altLang="ko-KR" sz="1200" dirty="0">
-                <a:solidFill>
-                  <a:schemeClr val="tx1">
-                    <a:lumMod val="75000"/>
-                    <a:lumOff val="25000"/>
-                  </a:schemeClr>
-                </a:solidFill>
-                <a:cs typeface="Arial" pitchFamily="34" charset="0"/>
-              </a:rPr>
-              <a:t> </a:t>
-            </a:r>
-            <a:r>
-              <a:rPr lang="en-US" altLang="ko-KR" sz="1200" dirty="0" err="1">
-                <a:solidFill>
-                  <a:schemeClr val="tx1">
-                    <a:lumMod val="75000"/>
-                    <a:lumOff val="25000"/>
-                  </a:schemeClr>
-                </a:solidFill>
-                <a:cs typeface="Arial" pitchFamily="34" charset="0"/>
-              </a:rPr>
-              <a:t>tối</a:t>
-            </a:r>
-            <a:r>
-              <a:rPr lang="en-US" altLang="ko-KR" sz="1200" dirty="0">
-                <a:solidFill>
-                  <a:schemeClr val="tx1">
-                    <a:lumMod val="75000"/>
-                    <a:lumOff val="25000"/>
-                  </a:schemeClr>
-                </a:solidFill>
-                <a:cs typeface="Arial" pitchFamily="34" charset="0"/>
-              </a:rPr>
-              <a:t> </a:t>
-            </a:r>
-            <a:r>
-              <a:rPr lang="en-US" altLang="ko-KR" sz="1200" dirty="0" err="1">
-                <a:solidFill>
-                  <a:schemeClr val="tx1">
-                    <a:lumMod val="75000"/>
-                    <a:lumOff val="25000"/>
-                  </a:schemeClr>
-                </a:solidFill>
-                <a:cs typeface="Arial" pitchFamily="34" charset="0"/>
-              </a:rPr>
-              <a:t>đa</a:t>
-            </a:r>
-            <a:r>
-              <a:rPr lang="en-US" altLang="ko-KR" sz="1200" dirty="0">
-                <a:solidFill>
-                  <a:schemeClr val="tx1">
-                    <a:lumMod val="75000"/>
-                    <a:lumOff val="25000"/>
-                  </a:schemeClr>
-                </a:solidFill>
-                <a:cs typeface="Arial" pitchFamily="34" charset="0"/>
-              </a:rPr>
-              <a:t> </a:t>
-            </a:r>
-            <a:r>
-              <a:rPr lang="en-US" altLang="ko-KR" sz="1200" dirty="0" err="1">
-                <a:solidFill>
-                  <a:schemeClr val="tx1">
-                    <a:lumMod val="75000"/>
-                    <a:lumOff val="25000"/>
-                  </a:schemeClr>
-                </a:solidFill>
-                <a:cs typeface="Arial" pitchFamily="34" charset="0"/>
-              </a:rPr>
-              <a:t>tiềm</a:t>
-            </a:r>
-            <a:r>
-              <a:rPr lang="en-US" altLang="ko-KR" sz="1200" dirty="0">
-                <a:solidFill>
-                  <a:schemeClr val="tx1">
-                    <a:lumMod val="75000"/>
-                    <a:lumOff val="25000"/>
-                  </a:schemeClr>
-                </a:solidFill>
-                <a:cs typeface="Arial" pitchFamily="34" charset="0"/>
-              </a:rPr>
-              <a:t> </a:t>
-            </a:r>
-            <a:r>
-              <a:rPr lang="en-US" altLang="ko-KR" sz="1200" dirty="0" err="1">
-                <a:solidFill>
-                  <a:schemeClr val="tx1">
-                    <a:lumMod val="75000"/>
-                    <a:lumOff val="25000"/>
-                  </a:schemeClr>
-                </a:solidFill>
-                <a:cs typeface="Arial" pitchFamily="34" charset="0"/>
-              </a:rPr>
-              <a:t>năng</a:t>
-            </a:r>
-            <a:r>
-              <a:rPr lang="en-US" altLang="ko-KR" sz="1200" dirty="0">
-                <a:solidFill>
-                  <a:schemeClr val="tx1">
-                    <a:lumMod val="75000"/>
-                    <a:lumOff val="25000"/>
-                  </a:schemeClr>
-                </a:solidFill>
-                <a:cs typeface="Arial" pitchFamily="34" charset="0"/>
-              </a:rPr>
-              <a:t> </a:t>
-            </a:r>
-            <a:r>
-              <a:rPr lang="en-US" altLang="ko-KR" sz="1200" dirty="0" err="1">
-                <a:solidFill>
-                  <a:schemeClr val="tx1">
-                    <a:lumMod val="75000"/>
-                    <a:lumOff val="25000"/>
-                  </a:schemeClr>
-                </a:solidFill>
-                <a:cs typeface="Arial" pitchFamily="34" charset="0"/>
-              </a:rPr>
-              <a:t>của</a:t>
-            </a:r>
-            <a:r>
-              <a:rPr lang="en-US" altLang="ko-KR" sz="1200" dirty="0">
-                <a:solidFill>
-                  <a:schemeClr val="tx1">
-                    <a:lumMod val="75000"/>
-                    <a:lumOff val="25000"/>
-                  </a:schemeClr>
-                </a:solidFill>
-                <a:cs typeface="Arial" pitchFamily="34" charset="0"/>
-              </a:rPr>
-              <a:t> </a:t>
-            </a:r>
-            <a:r>
-              <a:rPr lang="en-US" altLang="ko-KR" sz="1200" dirty="0" err="1">
-                <a:solidFill>
-                  <a:schemeClr val="tx1">
-                    <a:lumMod val="75000"/>
-                    <a:lumOff val="25000"/>
-                  </a:schemeClr>
-                </a:solidFill>
-                <a:cs typeface="Arial" pitchFamily="34" charset="0"/>
-              </a:rPr>
-              <a:t>sàn</a:t>
-            </a:r>
-            <a:r>
-              <a:rPr lang="en-US" altLang="ko-KR" sz="1200" dirty="0">
-                <a:solidFill>
-                  <a:schemeClr val="tx1">
-                    <a:lumMod val="75000"/>
-                    <a:lumOff val="25000"/>
-                  </a:schemeClr>
-                </a:solidFill>
-                <a:cs typeface="Arial" pitchFamily="34" charset="0"/>
-              </a:rPr>
-              <a:t> TMDT</a:t>
-            </a:r>
-          </a:p>
-          <a:p>
-            <a:endParaRPr lang="en-US" altLang="ko-KR" sz="1200" dirty="0">
-              <a:solidFill>
-                <a:schemeClr val="tx1">
-                  <a:lumMod val="75000"/>
-                  <a:lumOff val="25000"/>
-                </a:schemeClr>
-              </a:solidFill>
-              <a:cs typeface="Arial" pitchFamily="34" charset="0"/>
-            </a:endParaRPr>
-          </a:p>
-          <a:p>
-            <a:endParaRPr lang="en-US" altLang="ko-KR" sz="1200" dirty="0">
-              <a:solidFill>
-                <a:schemeClr val="tx1">
-                  <a:lumMod val="75000"/>
-                  <a:lumOff val="25000"/>
-                </a:schemeClr>
-              </a:solidFill>
-              <a:cs typeface="Arial" pitchFamily="34" charset="0"/>
-            </a:endParaRPr>
-          </a:p>
-          <a:p>
-            <a:pPr marL="285750" indent="-285750">
-              <a:buFont typeface="Arial" panose="020B0604020202020204" pitchFamily="34" charset="0"/>
-              <a:buChar char="•"/>
-            </a:pPr>
-            <a:r>
-              <a:rPr lang="en-US" altLang="ko-KR" sz="1200" dirty="0" err="1">
-                <a:solidFill>
-                  <a:schemeClr val="tx1">
-                    <a:lumMod val="75000"/>
-                    <a:lumOff val="25000"/>
-                  </a:schemeClr>
-                </a:solidFill>
-                <a:cs typeface="Arial" pitchFamily="34" charset="0"/>
-              </a:rPr>
-              <a:t>Thống</a:t>
-            </a:r>
-            <a:r>
-              <a:rPr lang="en-US" altLang="ko-KR" sz="1200" dirty="0">
-                <a:solidFill>
-                  <a:schemeClr val="tx1">
-                    <a:lumMod val="75000"/>
-                    <a:lumOff val="25000"/>
-                  </a:schemeClr>
-                </a:solidFill>
-                <a:cs typeface="Arial" pitchFamily="34" charset="0"/>
-              </a:rPr>
-              <a:t> </a:t>
-            </a:r>
-            <a:r>
-              <a:rPr lang="en-US" altLang="ko-KR" sz="1200" dirty="0" err="1">
-                <a:solidFill>
-                  <a:schemeClr val="tx1">
-                    <a:lumMod val="75000"/>
-                    <a:lumOff val="25000"/>
-                  </a:schemeClr>
-                </a:solidFill>
-                <a:cs typeface="Arial" pitchFamily="34" charset="0"/>
-              </a:rPr>
-              <a:t>kê</a:t>
-            </a:r>
-            <a:r>
-              <a:rPr lang="en-US" altLang="ko-KR" sz="1200" dirty="0">
-                <a:solidFill>
-                  <a:schemeClr val="tx1">
-                    <a:lumMod val="75000"/>
-                    <a:lumOff val="25000"/>
-                  </a:schemeClr>
-                </a:solidFill>
-                <a:cs typeface="Arial" pitchFamily="34" charset="0"/>
-              </a:rPr>
-              <a:t> </a:t>
-            </a:r>
-            <a:r>
-              <a:rPr lang="en-US" altLang="ko-KR" sz="1200" dirty="0" err="1">
-                <a:solidFill>
-                  <a:schemeClr val="tx1">
-                    <a:lumMod val="75000"/>
-                    <a:lumOff val="25000"/>
-                  </a:schemeClr>
-                </a:solidFill>
-                <a:cs typeface="Arial" pitchFamily="34" charset="0"/>
-              </a:rPr>
-              <a:t>và</a:t>
-            </a:r>
-            <a:r>
-              <a:rPr lang="en-US" altLang="ko-KR" sz="1200" dirty="0">
-                <a:solidFill>
-                  <a:schemeClr val="tx1">
-                    <a:lumMod val="75000"/>
-                    <a:lumOff val="25000"/>
-                  </a:schemeClr>
-                </a:solidFill>
-                <a:cs typeface="Arial" pitchFamily="34" charset="0"/>
-              </a:rPr>
-              <a:t> </a:t>
-            </a:r>
-            <a:r>
-              <a:rPr lang="en-US" altLang="ko-KR" sz="1200" dirty="0" err="1">
-                <a:solidFill>
-                  <a:schemeClr val="tx1">
-                    <a:lumMod val="75000"/>
-                    <a:lumOff val="25000"/>
-                  </a:schemeClr>
-                </a:solidFill>
-                <a:cs typeface="Arial" pitchFamily="34" charset="0"/>
-              </a:rPr>
-              <a:t>đo</a:t>
-            </a:r>
-            <a:r>
-              <a:rPr lang="en-US" altLang="ko-KR" sz="1200" dirty="0">
-                <a:solidFill>
-                  <a:schemeClr val="tx1">
-                    <a:lumMod val="75000"/>
-                    <a:lumOff val="25000"/>
-                  </a:schemeClr>
-                </a:solidFill>
-                <a:cs typeface="Arial" pitchFamily="34" charset="0"/>
-              </a:rPr>
-              <a:t> l</a:t>
-            </a:r>
-            <a:r>
-              <a:rPr lang="vi-VN" altLang="ko-KR" sz="1200" dirty="0">
-                <a:solidFill>
-                  <a:schemeClr val="tx1">
-                    <a:lumMod val="75000"/>
-                    <a:lumOff val="25000"/>
-                  </a:schemeClr>
-                </a:solidFill>
-                <a:cs typeface="Arial" pitchFamily="34" charset="0"/>
-              </a:rPr>
-              <a:t>ư</a:t>
-            </a:r>
-            <a:r>
-              <a:rPr lang="en-US" altLang="ko-KR" sz="1200" dirty="0" err="1">
-                <a:solidFill>
-                  <a:schemeClr val="tx1">
-                    <a:lumMod val="75000"/>
-                    <a:lumOff val="25000"/>
-                  </a:schemeClr>
-                </a:solidFill>
-                <a:cs typeface="Arial" pitchFamily="34" charset="0"/>
-              </a:rPr>
-              <a:t>ờng</a:t>
-            </a:r>
-            <a:r>
-              <a:rPr lang="en-US" altLang="ko-KR" sz="1200" dirty="0">
-                <a:solidFill>
-                  <a:schemeClr val="tx1">
-                    <a:lumMod val="75000"/>
-                    <a:lumOff val="25000"/>
-                  </a:schemeClr>
-                </a:solidFill>
-                <a:cs typeface="Arial" pitchFamily="34" charset="0"/>
-              </a:rPr>
-              <a:t> </a:t>
-            </a:r>
-            <a:r>
-              <a:rPr lang="en-US" altLang="ko-KR" sz="1200" dirty="0" err="1">
-                <a:solidFill>
-                  <a:schemeClr val="tx1">
-                    <a:lumMod val="75000"/>
-                    <a:lumOff val="25000"/>
-                  </a:schemeClr>
-                </a:solidFill>
-                <a:cs typeface="Arial" pitchFamily="34" charset="0"/>
-              </a:rPr>
-              <a:t>hiệu</a:t>
-            </a:r>
-            <a:r>
-              <a:rPr lang="en-US" altLang="ko-KR" sz="1200" dirty="0">
-                <a:solidFill>
-                  <a:schemeClr val="tx1">
-                    <a:lumMod val="75000"/>
-                    <a:lumOff val="25000"/>
-                  </a:schemeClr>
-                </a:solidFill>
-                <a:cs typeface="Arial" pitchFamily="34" charset="0"/>
-              </a:rPr>
-              <a:t> </a:t>
-            </a:r>
-            <a:r>
-              <a:rPr lang="en-US" altLang="ko-KR" sz="1200" dirty="0" err="1">
-                <a:solidFill>
-                  <a:schemeClr val="tx1">
-                    <a:lumMod val="75000"/>
-                    <a:lumOff val="25000"/>
-                  </a:schemeClr>
-                </a:solidFill>
-                <a:cs typeface="Arial" pitchFamily="34" charset="0"/>
-              </a:rPr>
-              <a:t>quả</a:t>
-            </a:r>
-            <a:r>
-              <a:rPr lang="en-US" altLang="ko-KR" sz="1200" dirty="0">
-                <a:solidFill>
-                  <a:schemeClr val="tx1">
-                    <a:lumMod val="75000"/>
-                    <a:lumOff val="25000"/>
-                  </a:schemeClr>
-                </a:solidFill>
-                <a:cs typeface="Arial" pitchFamily="34" charset="0"/>
-              </a:rPr>
-              <a:t> </a:t>
-            </a:r>
-            <a:r>
-              <a:rPr lang="en-US" altLang="ko-KR" sz="1200" dirty="0" err="1">
-                <a:solidFill>
-                  <a:schemeClr val="tx1">
-                    <a:lumMod val="75000"/>
-                    <a:lumOff val="25000"/>
-                  </a:schemeClr>
-                </a:solidFill>
-                <a:cs typeface="Arial" pitchFamily="34" charset="0"/>
-              </a:rPr>
-              <a:t>kinh</a:t>
-            </a:r>
-            <a:r>
-              <a:rPr lang="en-US" altLang="ko-KR" sz="1200" dirty="0">
-                <a:solidFill>
-                  <a:schemeClr val="tx1">
-                    <a:lumMod val="75000"/>
-                    <a:lumOff val="25000"/>
-                  </a:schemeClr>
-                </a:solidFill>
-                <a:cs typeface="Arial" pitchFamily="34" charset="0"/>
-              </a:rPr>
-              <a:t> </a:t>
-            </a:r>
-            <a:r>
-              <a:rPr lang="en-US" altLang="ko-KR" sz="1200" dirty="0" err="1">
-                <a:solidFill>
-                  <a:schemeClr val="tx1">
-                    <a:lumMod val="75000"/>
-                    <a:lumOff val="25000"/>
-                  </a:schemeClr>
-                </a:solidFill>
-                <a:cs typeface="Arial" pitchFamily="34" charset="0"/>
-              </a:rPr>
-              <a:t>doanh</a:t>
-            </a:r>
-            <a:endParaRPr lang="en-US" altLang="ko-KR" sz="1200" dirty="0">
-              <a:solidFill>
-                <a:schemeClr val="tx1">
-                  <a:lumMod val="75000"/>
-                  <a:lumOff val="25000"/>
-                </a:schemeClr>
-              </a:solidFill>
-              <a:cs typeface="Arial" pitchFamily="34" charset="0"/>
-            </a:endParaRPr>
-          </a:p>
-          <a:p>
+            <a:r>
+              <a:rPr lang="ja-JP" altLang="en-US" dirty="0"/>
+              <a:t>これは</a:t>
+            </a:r>
+            <a:r>
+              <a:rPr lang="en-US" altLang="ja-JP" dirty="0"/>
+              <a:t>SHOPEE</a:t>
+            </a:r>
+            <a:r>
+              <a:rPr lang="ja-JP" altLang="en-US" dirty="0"/>
+              <a:t>のインターフェースです。</a:t>
+            </a:r>
             <a:endParaRPr lang="en-US" dirty="0"/>
           </a:p>
         </p:txBody>
@@ -6175,7 +6371,7 @@
           <a:p>
             <a:fld id="{B820E160-F603-41F3-A192-DC95957721C3}" type="slidenum">
               <a:rPr lang="ko-KR" altLang="en-US" smtClean="0"/>
-              <a:t>8</a:t>
+              <a:t>6</a:t>
             </a:fld>
             <a:endParaRPr lang="ko-KR" altLang="en-US"/>
           </a:p>
@@ -6184,7 +6380,7 @@
     </p:spTree>
     <p:extLst>
       <p:ext uri="{BB962C8B-B14F-4D97-AF65-F5344CB8AC3E}">
-        <p14:creationId xmlns:p14="http://schemas.microsoft.com/office/powerpoint/2010/main" val="3449240919"/>
+        <p14:creationId xmlns:p14="http://schemas.microsoft.com/office/powerpoint/2010/main" val="3791478589"/>
       </p:ext>
     </p:extLst>
   </p:cSld>
@@ -6238,38 +6434,38 @@
           <a:bodyPr/>
           <a:lstStyle/>
           <a:p>
-            <a:r>
-              <a:rPr lang="en-US" dirty="0"/>
-              <a:t>Ch</a:t>
-            </a:r>
-            <a:r>
-              <a:rPr lang="vi-VN" dirty="0"/>
-              <a:t>ư</a:t>
-            </a:r>
-            <a:r>
-              <a:rPr lang="en-US" dirty="0"/>
-              <a:t>ơng II là phân tích hệ thống. </a:t>
-            </a:r>
+            <a:pPr marL="0" marR="0" lvl="0" indent="0" algn="l" defTabSz="914400" rtl="0" eaLnBrk="1" fontAlgn="auto" latinLnBrk="1" hangingPunct="1">
+              <a:lnSpc>
+                <a:spcPct val="100000"/>
+              </a:lnSpc>
+              <a:spcBef>
+                <a:spcPts val="0"/>
+              </a:spcBef>
+              <a:spcAft>
+                <a:spcPts val="0"/>
+              </a:spcAft>
+              <a:buClrTx/>
+              <a:buSzTx/>
+              <a:buFontTx/>
+              <a:buNone/>
+              <a:tabLst/>
+              <a:defRPr/>
+            </a:pPr>
+            <a:r>
+              <a:rPr lang="ja-JP" altLang="en-US" dirty="0"/>
+              <a:t>これは</a:t>
+            </a:r>
+            <a:r>
+              <a:rPr lang="en-US" altLang="ja-JP" dirty="0"/>
+              <a:t>LAZADA</a:t>
+            </a:r>
+            <a:r>
+              <a:rPr lang="ja-JP" altLang="en-US" dirty="0"/>
+              <a:t>のインターフェースです。</a:t>
+            </a:r>
+            <a:endParaRPr lang="en-US" dirty="0"/>
           </a:p>
           <a:p>
-            <a:r>
-              <a:rPr lang="en-US" dirty="0"/>
-              <a:t>Tr</a:t>
-            </a:r>
-            <a:r>
-              <a:rPr lang="vi-VN" dirty="0"/>
-              <a:t>ư</a:t>
-            </a:r>
-            <a:r>
-              <a:rPr lang="en-US" dirty="0"/>
-              <a:t>ớc khi đi vào phân tích hệ thống thì Đầu tiên chúng ta sẽ tìm hiểu về bài toán hiện tại</a:t>
-            </a:r>
-          </a:p>
-          <a:p>
-            <a:r>
-              <a:rPr lang="ja-JP" altLang="en-US" dirty="0"/>
-              <a:t>システムの分析の前に、現在の課題について話します。</a:t>
-            </a:r>
             <a:endParaRPr lang="en-US" dirty="0"/>
           </a:p>
         </p:txBody>
@@ -6291,7 +6487,7 @@
           <a:p>
             <a:fld id="{B820E160-F603-41F3-A192-DC95957721C3}" type="slidenum">
               <a:rPr lang="ko-KR" altLang="en-US" smtClean="0"/>
-              <a:t>9</a:t>
+              <a:t>7</a:t>
             </a:fld>
             <a:endParaRPr lang="ko-KR" altLang="en-US"/>
           </a:p>
@@ -6300,7 +6496,7 @@
     </p:spTree>
     <p:extLst>
       <p:ext uri="{BB962C8B-B14F-4D97-AF65-F5344CB8AC3E}">
-        <p14:creationId xmlns:p14="http://schemas.microsoft.com/office/powerpoint/2010/main" val="3555528355"/>
+        <p14:creationId xmlns:p14="http://schemas.microsoft.com/office/powerpoint/2010/main" val="2123502521"/>
       </p:ext>
     </p:extLst>
   </p:cSld>
@@ -6354,600 +6550,1070 @@
           <a:bodyPr/>
           <a:lstStyle/>
           <a:p>
-            <a:r>
-              <a:rPr lang="ja-JP" altLang="en-US" dirty="0"/>
-              <a:t>現在いい管理方法があまり多くないです。</a:t>
-            </a:r>
-            <a:endParaRPr lang="en-US" altLang="ja-JP" dirty="0"/>
+            <a:pPr marL="285750" indent="-285750">
+              <a:buFont typeface="Arial" panose="020B0604020202020204" pitchFamily="34" charset="0"/>
+              <a:buChar char="•"/>
+            </a:pPr>
+            <a:r>
+              <a:rPr lang="en-US" altLang="ko-KR" sz="1200" dirty="0" err="1">
+                <a:solidFill>
+                  <a:schemeClr val="tx1">
+                    <a:lumMod val="75000"/>
+                    <a:lumOff val="25000"/>
+                  </a:schemeClr>
+                </a:solidFill>
+                <a:cs typeface="Arial" pitchFamily="34" charset="0"/>
+              </a:rPr>
+              <a:t>Mục</a:t>
+            </a:r>
+            <a:r>
+              <a:rPr lang="en-US" altLang="ko-KR" sz="1200" dirty="0">
+                <a:solidFill>
+                  <a:schemeClr val="tx1">
+                    <a:lumMod val="75000"/>
+                    <a:lumOff val="25000"/>
+                  </a:schemeClr>
+                </a:solidFill>
+                <a:cs typeface="Arial" pitchFamily="34" charset="0"/>
+              </a:rPr>
+              <a:t> </a:t>
+            </a:r>
+            <a:r>
+              <a:rPr lang="en-US" altLang="ko-KR" sz="1200" dirty="0" err="1">
+                <a:solidFill>
+                  <a:schemeClr val="tx1">
+                    <a:lumMod val="75000"/>
+                    <a:lumOff val="25000"/>
+                  </a:schemeClr>
+                </a:solidFill>
+                <a:cs typeface="Arial" pitchFamily="34" charset="0"/>
+              </a:rPr>
+              <a:t>tiêu</a:t>
+            </a:r>
+            <a:r>
+              <a:rPr lang="en-US" altLang="ko-KR" sz="1200" dirty="0">
+                <a:solidFill>
+                  <a:schemeClr val="tx1">
+                    <a:lumMod val="75000"/>
+                    <a:lumOff val="25000"/>
+                  </a:schemeClr>
+                </a:solidFill>
+                <a:cs typeface="Arial" pitchFamily="34" charset="0"/>
+              </a:rPr>
+              <a:t> </a:t>
+            </a:r>
+            <a:r>
+              <a:rPr lang="en-US" altLang="ko-KR" sz="1200" dirty="0" err="1">
+                <a:solidFill>
+                  <a:schemeClr val="tx1">
+                    <a:lumMod val="75000"/>
+                    <a:lumOff val="25000"/>
+                  </a:schemeClr>
+                </a:solidFill>
+                <a:cs typeface="Arial" pitchFamily="34" charset="0"/>
+              </a:rPr>
+              <a:t>của</a:t>
+            </a:r>
+            <a:r>
+              <a:rPr lang="en-US" altLang="ko-KR" sz="1200" dirty="0">
+                <a:solidFill>
+                  <a:schemeClr val="tx1">
+                    <a:lumMod val="75000"/>
+                    <a:lumOff val="25000"/>
+                  </a:schemeClr>
+                </a:solidFill>
+                <a:cs typeface="Arial" pitchFamily="34" charset="0"/>
+              </a:rPr>
+              <a:t> website </a:t>
+            </a:r>
+            <a:r>
+              <a:rPr lang="en-US" altLang="ko-KR" sz="1200" dirty="0" err="1">
+                <a:solidFill>
+                  <a:schemeClr val="tx1">
+                    <a:lumMod val="75000"/>
+                    <a:lumOff val="25000"/>
+                  </a:schemeClr>
+                </a:solidFill>
+                <a:cs typeface="Arial" pitchFamily="34" charset="0"/>
+              </a:rPr>
+              <a:t>là</a:t>
+            </a:r>
+            <a:r>
+              <a:rPr lang="en-US" altLang="ko-KR" sz="1200" dirty="0">
+                <a:solidFill>
+                  <a:schemeClr val="tx1">
+                    <a:lumMod val="75000"/>
+                    <a:lumOff val="25000"/>
+                  </a:schemeClr>
+                </a:solidFill>
+                <a:cs typeface="Arial" pitchFamily="34" charset="0"/>
+              </a:rPr>
+              <a:t> </a:t>
+            </a:r>
+            <a:r>
+              <a:rPr lang="en-US" altLang="ko-KR" sz="1200" dirty="0" err="1">
+                <a:solidFill>
+                  <a:schemeClr val="tx1">
+                    <a:lumMod val="75000"/>
+                    <a:lumOff val="25000"/>
+                  </a:schemeClr>
+                </a:solidFill>
+                <a:cs typeface="Arial" pitchFamily="34" charset="0"/>
+              </a:rPr>
+              <a:t>giúp</a:t>
+            </a:r>
+            <a:r>
+              <a:rPr lang="en-US" altLang="ko-KR" sz="1200" dirty="0">
+                <a:solidFill>
+                  <a:schemeClr val="tx1">
+                    <a:lumMod val="75000"/>
+                    <a:lumOff val="25000"/>
+                  </a:schemeClr>
+                </a:solidFill>
+                <a:cs typeface="Arial" pitchFamily="34" charset="0"/>
+              </a:rPr>
+              <a:t> </a:t>
+            </a:r>
+            <a:r>
+              <a:rPr lang="en-US" altLang="ko-KR" sz="1200" dirty="0" err="1">
+                <a:solidFill>
+                  <a:schemeClr val="tx1">
+                    <a:lumMod val="75000"/>
+                    <a:lumOff val="25000"/>
+                  </a:schemeClr>
+                </a:solidFill>
+                <a:cs typeface="Arial" pitchFamily="34" charset="0"/>
+              </a:rPr>
+              <a:t>nhà</a:t>
+            </a:r>
+            <a:r>
+              <a:rPr lang="en-US" altLang="ko-KR" sz="1200" dirty="0">
+                <a:solidFill>
+                  <a:schemeClr val="tx1">
+                    <a:lumMod val="75000"/>
+                    <a:lumOff val="25000"/>
+                  </a:schemeClr>
+                </a:solidFill>
+                <a:cs typeface="Arial" pitchFamily="34" charset="0"/>
+              </a:rPr>
+              <a:t> </a:t>
+            </a:r>
+            <a:r>
+              <a:rPr lang="en-US" altLang="ko-KR" sz="1200" dirty="0" err="1">
+                <a:solidFill>
+                  <a:schemeClr val="tx1">
+                    <a:lumMod val="75000"/>
+                    <a:lumOff val="25000"/>
+                  </a:schemeClr>
+                </a:solidFill>
+                <a:cs typeface="Arial" pitchFamily="34" charset="0"/>
+              </a:rPr>
+              <a:t>bán</a:t>
+            </a:r>
+            <a:r>
+              <a:rPr lang="en-US" altLang="ko-KR" sz="1200" dirty="0">
+                <a:solidFill>
+                  <a:schemeClr val="tx1">
+                    <a:lumMod val="75000"/>
+                    <a:lumOff val="25000"/>
+                  </a:schemeClr>
+                </a:solidFill>
+                <a:cs typeface="Arial" pitchFamily="34" charset="0"/>
+              </a:rPr>
+              <a:t> </a:t>
+            </a:r>
+            <a:r>
+              <a:rPr lang="en-US" altLang="ko-KR" sz="1200" dirty="0" err="1">
+                <a:solidFill>
+                  <a:schemeClr val="tx1">
+                    <a:lumMod val="75000"/>
+                    <a:lumOff val="25000"/>
+                  </a:schemeClr>
+                </a:solidFill>
+                <a:cs typeface="Arial" pitchFamily="34" charset="0"/>
+              </a:rPr>
+              <a:t>hàng</a:t>
+            </a:r>
+            <a:r>
+              <a:rPr lang="en-US" altLang="ko-KR" sz="1200" dirty="0">
+                <a:solidFill>
+                  <a:schemeClr val="tx1">
+                    <a:lumMod val="75000"/>
+                    <a:lumOff val="25000"/>
+                  </a:schemeClr>
+                </a:solidFill>
+                <a:cs typeface="Arial" pitchFamily="34" charset="0"/>
+              </a:rPr>
+              <a:t> </a:t>
+            </a:r>
+            <a:r>
+              <a:rPr lang="en-US" altLang="ko-KR" sz="1200" dirty="0" err="1">
+                <a:solidFill>
+                  <a:schemeClr val="tx1">
+                    <a:lumMod val="75000"/>
+                    <a:lumOff val="25000"/>
+                  </a:schemeClr>
+                </a:solidFill>
+                <a:cs typeface="Arial" pitchFamily="34" charset="0"/>
+              </a:rPr>
+              <a:t>có</a:t>
+            </a:r>
+            <a:r>
+              <a:rPr lang="en-US" altLang="ko-KR" sz="1200" dirty="0">
+                <a:solidFill>
+                  <a:schemeClr val="tx1">
+                    <a:lumMod val="75000"/>
+                    <a:lumOff val="25000"/>
+                  </a:schemeClr>
+                </a:solidFill>
+                <a:cs typeface="Arial" pitchFamily="34" charset="0"/>
+              </a:rPr>
+              <a:t> </a:t>
+            </a:r>
+            <a:r>
+              <a:rPr lang="en-US" altLang="ko-KR" sz="1200" dirty="0" err="1">
+                <a:solidFill>
+                  <a:schemeClr val="tx1">
+                    <a:lumMod val="75000"/>
+                    <a:lumOff val="25000"/>
+                  </a:schemeClr>
+                </a:solidFill>
+                <a:cs typeface="Arial" pitchFamily="34" charset="0"/>
+              </a:rPr>
+              <a:t>thể</a:t>
+            </a:r>
+            <a:endParaRPr lang="en-US" altLang="ko-KR" sz="1200" dirty="0">
+              <a:solidFill>
+                <a:schemeClr val="tx1">
+                  <a:lumMod val="75000"/>
+                  <a:lumOff val="25000"/>
+                </a:schemeClr>
+              </a:solidFill>
+              <a:cs typeface="Arial" pitchFamily="34" charset="0"/>
+            </a:endParaRPr>
           </a:p>
           <a:p>
-            <a:r>
-              <a:rPr lang="ja-JP" altLang="en-US" dirty="0"/>
-              <a:t>私の場合はエクセルを使って管理できましたが、</a:t>
-            </a:r>
-            <a:endParaRPr lang="en-US" altLang="ja-JP" dirty="0"/>
+            <a:pPr marL="285750" marR="0" lvl="0" indent="-285750" algn="l" defTabSz="914400" rtl="0" eaLnBrk="1" fontAlgn="auto" latinLnBrk="1" hangingPunct="1">
+              <a:lnSpc>
+                <a:spcPct val="100000"/>
+              </a:lnSpc>
+              <a:spcBef>
+                <a:spcPts val="0"/>
+              </a:spcBef>
+              <a:spcAft>
+                <a:spcPts val="0"/>
+              </a:spcAft>
+              <a:buClrTx/>
+              <a:buSzTx/>
+              <a:buFont typeface="Arial" panose="020B0604020202020204" pitchFamily="34" charset="0"/>
+              <a:buChar char="•"/>
+              <a:tabLst/>
+              <a:defRPr/>
+            </a:pPr>
+            <a:r>
+              <a:rPr lang="en-US" altLang="ko-KR" sz="1200" dirty="0" err="1">
+                <a:solidFill>
+                  <a:schemeClr val="tx1">
+                    <a:lumMod val="75000"/>
+                    <a:lumOff val="25000"/>
+                  </a:schemeClr>
+                </a:solidFill>
+                <a:cs typeface="Arial" pitchFamily="34" charset="0"/>
+              </a:rPr>
+              <a:t>Dễ</a:t>
+            </a:r>
+            <a:r>
+              <a:rPr lang="en-US" altLang="ko-KR" sz="1200" dirty="0">
+                <a:solidFill>
+                  <a:schemeClr val="tx1">
+                    <a:lumMod val="75000"/>
+                    <a:lumOff val="25000"/>
+                  </a:schemeClr>
+                </a:solidFill>
+                <a:cs typeface="Arial" pitchFamily="34" charset="0"/>
+              </a:rPr>
+              <a:t> </a:t>
+            </a:r>
+            <a:r>
+              <a:rPr lang="en-US" altLang="ko-KR" sz="1200" dirty="0" err="1">
+                <a:solidFill>
+                  <a:schemeClr val="tx1">
+                    <a:lumMod val="75000"/>
+                    <a:lumOff val="25000"/>
+                  </a:schemeClr>
+                </a:solidFill>
+                <a:cs typeface="Arial" pitchFamily="34" charset="0"/>
+              </a:rPr>
+              <a:t>dàng</a:t>
+            </a:r>
+            <a:r>
+              <a:rPr lang="en-US" altLang="ko-KR" sz="1200" dirty="0">
+                <a:solidFill>
+                  <a:schemeClr val="tx1">
+                    <a:lumMod val="75000"/>
+                    <a:lumOff val="25000"/>
+                  </a:schemeClr>
+                </a:solidFill>
+                <a:cs typeface="Arial" pitchFamily="34" charset="0"/>
+              </a:rPr>
+              <a:t> </a:t>
+            </a:r>
+            <a:r>
+              <a:rPr lang="en-US" altLang="ko-KR" sz="1200" dirty="0" err="1">
+                <a:solidFill>
+                  <a:schemeClr val="tx1">
+                    <a:lumMod val="75000"/>
+                    <a:lumOff val="25000"/>
+                  </a:schemeClr>
+                </a:solidFill>
+                <a:cs typeface="Arial" pitchFamily="34" charset="0"/>
+              </a:rPr>
+              <a:t>quản</a:t>
+            </a:r>
+            <a:r>
+              <a:rPr lang="en-US" altLang="ko-KR" sz="1200" dirty="0">
+                <a:solidFill>
+                  <a:schemeClr val="tx1">
+                    <a:lumMod val="75000"/>
+                    <a:lumOff val="25000"/>
+                  </a:schemeClr>
+                </a:solidFill>
+                <a:cs typeface="Arial" pitchFamily="34" charset="0"/>
+              </a:rPr>
+              <a:t> </a:t>
+            </a:r>
+            <a:r>
+              <a:rPr lang="en-US" altLang="ko-KR" sz="1200" dirty="0" err="1">
+                <a:solidFill>
+                  <a:schemeClr val="tx1">
+                    <a:lumMod val="75000"/>
+                    <a:lumOff val="25000"/>
+                  </a:schemeClr>
+                </a:solidFill>
+                <a:cs typeface="Arial" pitchFamily="34" charset="0"/>
+              </a:rPr>
+              <a:t>lí</a:t>
+            </a:r>
+            <a:r>
+              <a:rPr lang="en-US" altLang="ko-KR" sz="1200" dirty="0">
+                <a:solidFill>
+                  <a:schemeClr val="tx1">
+                    <a:lumMod val="75000"/>
+                    <a:lumOff val="25000"/>
+                  </a:schemeClr>
+                </a:solidFill>
+                <a:cs typeface="Arial" pitchFamily="34" charset="0"/>
+              </a:rPr>
+              <a:t> </a:t>
+            </a:r>
+            <a:r>
+              <a:rPr lang="en-US" altLang="ko-KR" sz="1200" dirty="0" err="1">
+                <a:solidFill>
+                  <a:schemeClr val="tx1">
+                    <a:lumMod val="75000"/>
+                    <a:lumOff val="25000"/>
+                  </a:schemeClr>
+                </a:solidFill>
+                <a:cs typeface="Arial" pitchFamily="34" charset="0"/>
+              </a:rPr>
+              <a:t>nhiều</a:t>
+            </a:r>
+            <a:r>
+              <a:rPr lang="en-US" altLang="ko-KR" sz="1200" dirty="0">
+                <a:solidFill>
+                  <a:schemeClr val="tx1">
+                    <a:lumMod val="75000"/>
+                    <a:lumOff val="25000"/>
+                  </a:schemeClr>
+                </a:solidFill>
+                <a:cs typeface="Arial" pitchFamily="34" charset="0"/>
+              </a:rPr>
+              <a:t> </a:t>
+            </a:r>
+            <a:r>
+              <a:rPr lang="en-US" altLang="ko-KR" sz="1200" dirty="0" err="1">
+                <a:solidFill>
+                  <a:schemeClr val="tx1">
+                    <a:lumMod val="75000"/>
+                    <a:lumOff val="25000"/>
+                  </a:schemeClr>
+                </a:solidFill>
+                <a:cs typeface="Arial" pitchFamily="34" charset="0"/>
+              </a:rPr>
+              <a:t>gian</a:t>
+            </a:r>
+            <a:r>
+              <a:rPr lang="en-US" altLang="ko-KR" sz="1200" dirty="0">
+                <a:solidFill>
+                  <a:schemeClr val="tx1">
+                    <a:lumMod val="75000"/>
+                    <a:lumOff val="25000"/>
+                  </a:schemeClr>
+                </a:solidFill>
+                <a:cs typeface="Arial" pitchFamily="34" charset="0"/>
+              </a:rPr>
+              <a:t> </a:t>
+            </a:r>
+            <a:r>
+              <a:rPr lang="en-US" altLang="ko-KR" sz="1200" dirty="0" err="1">
+                <a:solidFill>
+                  <a:schemeClr val="tx1">
+                    <a:lumMod val="75000"/>
+                    <a:lumOff val="25000"/>
+                  </a:schemeClr>
+                </a:solidFill>
+                <a:cs typeface="Arial" pitchFamily="34" charset="0"/>
+              </a:rPr>
+              <a:t>hàng</a:t>
+            </a:r>
+            <a:r>
+              <a:rPr lang="en-US" altLang="ko-KR" sz="1200" dirty="0">
+                <a:solidFill>
+                  <a:schemeClr val="tx1">
+                    <a:lumMod val="75000"/>
+                    <a:lumOff val="25000"/>
+                  </a:schemeClr>
+                </a:solidFill>
+                <a:cs typeface="Arial" pitchFamily="34" charset="0"/>
+              </a:rPr>
+              <a:t> </a:t>
+            </a:r>
+            <a:r>
+              <a:rPr lang="en-US" altLang="ko-KR" sz="1200" dirty="0" err="1">
+                <a:solidFill>
+                  <a:schemeClr val="tx1">
+                    <a:lumMod val="75000"/>
+                    <a:lumOff val="25000"/>
+                  </a:schemeClr>
+                </a:solidFill>
+                <a:cs typeface="Arial" pitchFamily="34" charset="0"/>
+              </a:rPr>
+              <a:t>trên</a:t>
+            </a:r>
+            <a:r>
+              <a:rPr lang="en-US" altLang="ko-KR" sz="1200" dirty="0">
+                <a:solidFill>
+                  <a:schemeClr val="tx1">
+                    <a:lumMod val="75000"/>
+                    <a:lumOff val="25000"/>
+                  </a:schemeClr>
+                </a:solidFill>
+                <a:cs typeface="Arial" pitchFamily="34" charset="0"/>
+              </a:rPr>
+              <a:t> </a:t>
+            </a:r>
+            <a:r>
+              <a:rPr lang="en-US" altLang="ko-KR" sz="1200" dirty="0" err="1">
+                <a:solidFill>
+                  <a:schemeClr val="tx1">
+                    <a:lumMod val="75000"/>
+                    <a:lumOff val="25000"/>
+                  </a:schemeClr>
+                </a:solidFill>
+                <a:cs typeface="Arial" pitchFamily="34" charset="0"/>
+              </a:rPr>
+              <a:t>nhiều</a:t>
+            </a:r>
+            <a:r>
+              <a:rPr lang="en-US" altLang="ko-KR" sz="1200" dirty="0">
+                <a:solidFill>
+                  <a:schemeClr val="tx1">
+                    <a:lumMod val="75000"/>
+                    <a:lumOff val="25000"/>
+                  </a:schemeClr>
+                </a:solidFill>
+                <a:cs typeface="Arial" pitchFamily="34" charset="0"/>
+              </a:rPr>
+              <a:t> </a:t>
+            </a:r>
+            <a:r>
+              <a:rPr lang="en-US" altLang="ko-KR" sz="1200" dirty="0" err="1">
+                <a:solidFill>
+                  <a:schemeClr val="tx1">
+                    <a:lumMod val="75000"/>
+                    <a:lumOff val="25000"/>
+                  </a:schemeClr>
+                </a:solidFill>
+                <a:cs typeface="Arial" pitchFamily="34" charset="0"/>
+              </a:rPr>
+              <a:t>sàn</a:t>
+            </a:r>
+            <a:r>
+              <a:rPr lang="en-US" altLang="ko-KR" sz="1200" dirty="0">
+                <a:solidFill>
+                  <a:schemeClr val="tx1">
+                    <a:lumMod val="75000"/>
+                    <a:lumOff val="25000"/>
+                  </a:schemeClr>
+                </a:solidFill>
+                <a:cs typeface="Arial" pitchFamily="34" charset="0"/>
+              </a:rPr>
+              <a:t> TMDT</a:t>
+            </a:r>
           </a:p>
           <a:p>
-            <a:r>
-              <a:rPr lang="ja-JP" altLang="en-US" dirty="0"/>
-              <a:t>手打ちの時間がかかりすぎてミスも多かったです。</a:t>
-            </a:r>
-            <a:endParaRPr lang="en-US" altLang="ja-JP" dirty="0"/>
+            <a:pPr marL="285750" indent="-285750">
+              <a:buFont typeface="Arial" panose="020B0604020202020204" pitchFamily="34" charset="0"/>
+              <a:buChar char="•"/>
+            </a:pPr>
+            <a:endParaRPr lang="en-US" altLang="ko-KR" sz="1200" dirty="0">
+              <a:solidFill>
+                <a:schemeClr val="tx1">
+                  <a:lumMod val="75000"/>
+                  <a:lumOff val="25000"/>
+                </a:schemeClr>
+              </a:solidFill>
+              <a:cs typeface="Arial" pitchFamily="34" charset="0"/>
+            </a:endParaRPr>
           </a:p>
           <a:p>
-            <a:r>
-              <a:rPr lang="ja-JP" altLang="en-US" dirty="0"/>
-              <a:t>そのため、新しい管理方法として、すべてを管理するウェッブサイトを作るのを提案します。</a:t>
-            </a:r>
-            <a:endParaRPr lang="en-US" altLang="ja-JP" dirty="0"/>
+            <a:pPr marL="285750" indent="-285750">
+              <a:buFont typeface="Arial" panose="020B0604020202020204" pitchFamily="34" charset="0"/>
+              <a:buChar char="•"/>
+            </a:pPr>
+            <a:r>
+              <a:rPr lang="en-US" altLang="ko-KR" sz="1200" dirty="0" err="1">
+                <a:solidFill>
+                  <a:schemeClr val="tx1">
+                    <a:lumMod val="75000"/>
+                    <a:lumOff val="25000"/>
+                  </a:schemeClr>
+                </a:solidFill>
+                <a:cs typeface="Arial" pitchFamily="34" charset="0"/>
+              </a:rPr>
+              <a:t>Mở</a:t>
+            </a:r>
+            <a:r>
+              <a:rPr lang="en-US" altLang="ko-KR" sz="1200" dirty="0">
+                <a:solidFill>
+                  <a:schemeClr val="tx1">
+                    <a:lumMod val="75000"/>
+                    <a:lumOff val="25000"/>
+                  </a:schemeClr>
+                </a:solidFill>
+                <a:cs typeface="Arial" pitchFamily="34" charset="0"/>
+              </a:rPr>
+              <a:t> </a:t>
+            </a:r>
+            <a:r>
+              <a:rPr lang="en-US" altLang="ko-KR" sz="1200" dirty="0" err="1">
+                <a:solidFill>
+                  <a:schemeClr val="tx1">
+                    <a:lumMod val="75000"/>
+                    <a:lumOff val="25000"/>
+                  </a:schemeClr>
+                </a:solidFill>
+                <a:cs typeface="Arial" pitchFamily="34" charset="0"/>
+              </a:rPr>
+              <a:t>rộng</a:t>
+            </a:r>
+            <a:r>
+              <a:rPr lang="en-US" altLang="ko-KR" sz="1200" dirty="0">
+                <a:solidFill>
+                  <a:schemeClr val="tx1">
+                    <a:lumMod val="75000"/>
+                    <a:lumOff val="25000"/>
+                  </a:schemeClr>
+                </a:solidFill>
+                <a:cs typeface="Arial" pitchFamily="34" charset="0"/>
+              </a:rPr>
+              <a:t> </a:t>
+            </a:r>
+            <a:r>
+              <a:rPr lang="en-US" altLang="ko-KR" sz="1200" dirty="0" err="1">
+                <a:solidFill>
+                  <a:schemeClr val="tx1">
+                    <a:lumMod val="75000"/>
+                    <a:lumOff val="25000"/>
+                  </a:schemeClr>
+                </a:solidFill>
+                <a:cs typeface="Arial" pitchFamily="34" charset="0"/>
+              </a:rPr>
+              <a:t>kênh</a:t>
+            </a:r>
+            <a:r>
+              <a:rPr lang="en-US" altLang="ko-KR" sz="1200" dirty="0">
+                <a:solidFill>
+                  <a:schemeClr val="tx1">
+                    <a:lumMod val="75000"/>
+                    <a:lumOff val="25000"/>
+                  </a:schemeClr>
+                </a:solidFill>
+                <a:cs typeface="Arial" pitchFamily="34" charset="0"/>
+              </a:rPr>
+              <a:t> </a:t>
+            </a:r>
+            <a:r>
+              <a:rPr lang="en-US" altLang="ko-KR" sz="1200" dirty="0" err="1">
+                <a:solidFill>
+                  <a:schemeClr val="tx1">
+                    <a:lumMod val="75000"/>
+                    <a:lumOff val="25000"/>
+                  </a:schemeClr>
+                </a:solidFill>
+                <a:cs typeface="Arial" pitchFamily="34" charset="0"/>
+              </a:rPr>
+              <a:t>bán</a:t>
+            </a:r>
+            <a:r>
+              <a:rPr lang="en-US" altLang="ko-KR" sz="1200" dirty="0">
+                <a:solidFill>
+                  <a:schemeClr val="tx1">
+                    <a:lumMod val="75000"/>
+                    <a:lumOff val="25000"/>
+                  </a:schemeClr>
+                </a:solidFill>
+                <a:cs typeface="Arial" pitchFamily="34" charset="0"/>
+              </a:rPr>
+              <a:t> </a:t>
+            </a:r>
+            <a:r>
+              <a:rPr lang="en-US" altLang="ko-KR" sz="1200" dirty="0" err="1">
+                <a:solidFill>
+                  <a:schemeClr val="tx1">
+                    <a:lumMod val="75000"/>
+                    <a:lumOff val="25000"/>
+                  </a:schemeClr>
+                </a:solidFill>
+                <a:cs typeface="Arial" pitchFamily="34" charset="0"/>
+              </a:rPr>
+              <a:t>hàng,tận</a:t>
+            </a:r>
+            <a:r>
+              <a:rPr lang="en-US" altLang="ko-KR" sz="1200" dirty="0">
+                <a:solidFill>
+                  <a:schemeClr val="tx1">
+                    <a:lumMod val="75000"/>
+                    <a:lumOff val="25000"/>
+                  </a:schemeClr>
+                </a:solidFill>
+                <a:cs typeface="Arial" pitchFamily="34" charset="0"/>
+              </a:rPr>
+              <a:t> </a:t>
+            </a:r>
+            <a:r>
+              <a:rPr lang="en-US" altLang="ko-KR" sz="1200" dirty="0" err="1">
+                <a:solidFill>
+                  <a:schemeClr val="tx1">
+                    <a:lumMod val="75000"/>
+                    <a:lumOff val="25000"/>
+                  </a:schemeClr>
+                </a:solidFill>
+                <a:cs typeface="Arial" pitchFamily="34" charset="0"/>
+              </a:rPr>
+              <a:t>dụng</a:t>
+            </a:r>
+            <a:r>
+              <a:rPr lang="en-US" altLang="ko-KR" sz="1200" dirty="0">
+                <a:solidFill>
+                  <a:schemeClr val="tx1">
+                    <a:lumMod val="75000"/>
+                    <a:lumOff val="25000"/>
+                  </a:schemeClr>
+                </a:solidFill>
+                <a:cs typeface="Arial" pitchFamily="34" charset="0"/>
+              </a:rPr>
+              <a:t> </a:t>
+            </a:r>
+            <a:r>
+              <a:rPr lang="en-US" altLang="ko-KR" sz="1200" dirty="0" err="1">
+                <a:solidFill>
+                  <a:schemeClr val="tx1">
+                    <a:lumMod val="75000"/>
+                    <a:lumOff val="25000"/>
+                  </a:schemeClr>
+                </a:solidFill>
+                <a:cs typeface="Arial" pitchFamily="34" charset="0"/>
+              </a:rPr>
+              <a:t>tối</a:t>
+            </a:r>
+            <a:r>
+              <a:rPr lang="en-US" altLang="ko-KR" sz="1200" dirty="0">
+                <a:solidFill>
+                  <a:schemeClr val="tx1">
+                    <a:lumMod val="75000"/>
+                    <a:lumOff val="25000"/>
+                  </a:schemeClr>
+                </a:solidFill>
+                <a:cs typeface="Arial" pitchFamily="34" charset="0"/>
+              </a:rPr>
+              <a:t> </a:t>
+            </a:r>
+            <a:r>
+              <a:rPr lang="en-US" altLang="ko-KR" sz="1200" dirty="0" err="1">
+                <a:solidFill>
+                  <a:schemeClr val="tx1">
+                    <a:lumMod val="75000"/>
+                    <a:lumOff val="25000"/>
+                  </a:schemeClr>
+                </a:solidFill>
+                <a:cs typeface="Arial" pitchFamily="34" charset="0"/>
+              </a:rPr>
+              <a:t>đa</a:t>
+            </a:r>
+            <a:r>
+              <a:rPr lang="en-US" altLang="ko-KR" sz="1200" dirty="0">
+                <a:solidFill>
+                  <a:schemeClr val="tx1">
+                    <a:lumMod val="75000"/>
+                    <a:lumOff val="25000"/>
+                  </a:schemeClr>
+                </a:solidFill>
+                <a:cs typeface="Arial" pitchFamily="34" charset="0"/>
+              </a:rPr>
+              <a:t> </a:t>
+            </a:r>
+            <a:r>
+              <a:rPr lang="en-US" altLang="ko-KR" sz="1200" dirty="0" err="1">
+                <a:solidFill>
+                  <a:schemeClr val="tx1">
+                    <a:lumMod val="75000"/>
+                    <a:lumOff val="25000"/>
+                  </a:schemeClr>
+                </a:solidFill>
+                <a:cs typeface="Arial" pitchFamily="34" charset="0"/>
+              </a:rPr>
+              <a:t>tiềm</a:t>
+            </a:r>
+            <a:r>
+              <a:rPr lang="en-US" altLang="ko-KR" sz="1200" dirty="0">
+                <a:solidFill>
+                  <a:schemeClr val="tx1">
+                    <a:lumMod val="75000"/>
+                    <a:lumOff val="25000"/>
+                  </a:schemeClr>
+                </a:solidFill>
+                <a:cs typeface="Arial" pitchFamily="34" charset="0"/>
+              </a:rPr>
+              <a:t> </a:t>
+            </a:r>
+            <a:r>
+              <a:rPr lang="en-US" altLang="ko-KR" sz="1200" dirty="0" err="1">
+                <a:solidFill>
+                  <a:schemeClr val="tx1">
+                    <a:lumMod val="75000"/>
+                    <a:lumOff val="25000"/>
+                  </a:schemeClr>
+                </a:solidFill>
+                <a:cs typeface="Arial" pitchFamily="34" charset="0"/>
+              </a:rPr>
+              <a:t>năng</a:t>
+            </a:r>
+            <a:r>
+              <a:rPr lang="en-US" altLang="ko-KR" sz="1200" dirty="0">
+                <a:solidFill>
+                  <a:schemeClr val="tx1">
+                    <a:lumMod val="75000"/>
+                    <a:lumOff val="25000"/>
+                  </a:schemeClr>
+                </a:solidFill>
+                <a:cs typeface="Arial" pitchFamily="34" charset="0"/>
+              </a:rPr>
+              <a:t> </a:t>
+            </a:r>
+            <a:r>
+              <a:rPr lang="en-US" altLang="ko-KR" sz="1200" dirty="0" err="1">
+                <a:solidFill>
+                  <a:schemeClr val="tx1">
+                    <a:lumMod val="75000"/>
+                    <a:lumOff val="25000"/>
+                  </a:schemeClr>
+                </a:solidFill>
+                <a:cs typeface="Arial" pitchFamily="34" charset="0"/>
+              </a:rPr>
+              <a:t>của</a:t>
+            </a:r>
+            <a:r>
+              <a:rPr lang="en-US" altLang="ko-KR" sz="1200" dirty="0">
+                <a:solidFill>
+                  <a:schemeClr val="tx1">
+                    <a:lumMod val="75000"/>
+                    <a:lumOff val="25000"/>
+                  </a:schemeClr>
+                </a:solidFill>
+                <a:cs typeface="Arial" pitchFamily="34" charset="0"/>
+              </a:rPr>
+              <a:t> </a:t>
+            </a:r>
+            <a:r>
+              <a:rPr lang="en-US" altLang="ko-KR" sz="1200" dirty="0" err="1">
+                <a:solidFill>
+                  <a:schemeClr val="tx1">
+                    <a:lumMod val="75000"/>
+                    <a:lumOff val="25000"/>
+                  </a:schemeClr>
+                </a:solidFill>
+                <a:cs typeface="Arial" pitchFamily="34" charset="0"/>
+              </a:rPr>
+              <a:t>sàn</a:t>
+            </a:r>
+            <a:r>
+              <a:rPr lang="en-US" altLang="ko-KR" sz="1200" dirty="0">
+                <a:solidFill>
+                  <a:schemeClr val="tx1">
+                    <a:lumMod val="75000"/>
+                    <a:lumOff val="25000"/>
+                  </a:schemeClr>
+                </a:solidFill>
+                <a:cs typeface="Arial" pitchFamily="34" charset="0"/>
+              </a:rPr>
+              <a:t> TMDT</a:t>
+            </a:r>
           </a:p>
           <a:p>
-            <a:endParaRPr lang="en-US" dirty="0"/>
+            <a:endParaRPr lang="en-US" altLang="ko-KR" sz="1200" dirty="0">
+              <a:solidFill>
+                <a:schemeClr val="tx1">
+                  <a:lumMod val="75000"/>
+                  <a:lumOff val="25000"/>
+                </a:schemeClr>
+              </a:solidFill>
+              <a:cs typeface="Arial" pitchFamily="34" charset="0"/>
+            </a:endParaRPr>
           </a:p>
           <a:p>
-            <a:r>
-              <a:rPr lang="en-US" dirty="0"/>
-              <a:t>Bài</a:t>
-            </a:r>
-            <a:r>
-              <a:rPr lang="en-US" baseline="0" dirty="0"/>
-              <a:t> mài làm chớ có phải đề xuất ý tưởng lên cấp trên mô mà đề suất?</a:t>
-            </a:r>
-            <a:endParaRPr lang="en-US" dirty="0"/>
+            <a:endParaRPr lang="en-US" altLang="ko-KR" sz="1200" dirty="0">
+              <a:solidFill>
+                <a:schemeClr val="tx1">
+                  <a:lumMod val="75000"/>
+                  <a:lumOff val="25000"/>
+                </a:schemeClr>
+              </a:solidFill>
+              <a:cs typeface="Arial" pitchFamily="34" charset="0"/>
+            </a:endParaRPr>
           </a:p>
           <a:p>
-            <a:endParaRPr lang="en-US" dirty="0"/>
+            <a:pPr marL="285750" indent="-285750">
+              <a:buFont typeface="Arial" panose="020B0604020202020204" pitchFamily="34" charset="0"/>
+              <a:buChar char="•"/>
+            </a:pPr>
+            <a:r>
+              <a:rPr lang="en-US" altLang="ko-KR" sz="1200" dirty="0" err="1">
+                <a:solidFill>
+                  <a:schemeClr val="tx1">
+                    <a:lumMod val="75000"/>
+                    <a:lumOff val="25000"/>
+                  </a:schemeClr>
+                </a:solidFill>
+                <a:cs typeface="Arial" pitchFamily="34" charset="0"/>
+              </a:rPr>
+              <a:t>Thống</a:t>
+            </a:r>
+            <a:r>
+              <a:rPr lang="en-US" altLang="ko-KR" sz="1200" dirty="0">
+                <a:solidFill>
+                  <a:schemeClr val="tx1">
+                    <a:lumMod val="75000"/>
+                    <a:lumOff val="25000"/>
+                  </a:schemeClr>
+                </a:solidFill>
+                <a:cs typeface="Arial" pitchFamily="34" charset="0"/>
+              </a:rPr>
+              <a:t> </a:t>
+            </a:r>
+            <a:r>
+              <a:rPr lang="en-US" altLang="ko-KR" sz="1200" dirty="0" err="1">
+                <a:solidFill>
+                  <a:schemeClr val="tx1">
+                    <a:lumMod val="75000"/>
+                    <a:lumOff val="25000"/>
+                  </a:schemeClr>
+                </a:solidFill>
+                <a:cs typeface="Arial" pitchFamily="34" charset="0"/>
+              </a:rPr>
+              <a:t>kê</a:t>
+            </a:r>
+            <a:r>
+              <a:rPr lang="en-US" altLang="ko-KR" sz="1200" dirty="0">
+                <a:solidFill>
+                  <a:schemeClr val="tx1">
+                    <a:lumMod val="75000"/>
+                    <a:lumOff val="25000"/>
+                  </a:schemeClr>
+                </a:solidFill>
+                <a:cs typeface="Arial" pitchFamily="34" charset="0"/>
+              </a:rPr>
+              <a:t> </a:t>
+            </a:r>
+            <a:r>
+              <a:rPr lang="en-US" altLang="ko-KR" sz="1200" dirty="0" err="1">
+                <a:solidFill>
+                  <a:schemeClr val="tx1">
+                    <a:lumMod val="75000"/>
+                    <a:lumOff val="25000"/>
+                  </a:schemeClr>
+                </a:solidFill>
+                <a:cs typeface="Arial" pitchFamily="34" charset="0"/>
+              </a:rPr>
+              <a:t>và</a:t>
+            </a:r>
+            <a:r>
+              <a:rPr lang="en-US" altLang="ko-KR" sz="1200" dirty="0">
+                <a:solidFill>
+                  <a:schemeClr val="tx1">
+                    <a:lumMod val="75000"/>
+                    <a:lumOff val="25000"/>
+                  </a:schemeClr>
+                </a:solidFill>
+                <a:cs typeface="Arial" pitchFamily="34" charset="0"/>
+              </a:rPr>
+              <a:t> </a:t>
+            </a:r>
+            <a:r>
+              <a:rPr lang="en-US" altLang="ko-KR" sz="1200" dirty="0" err="1">
+                <a:solidFill>
+                  <a:schemeClr val="tx1">
+                    <a:lumMod val="75000"/>
+                    <a:lumOff val="25000"/>
+                  </a:schemeClr>
+                </a:solidFill>
+                <a:cs typeface="Arial" pitchFamily="34" charset="0"/>
+              </a:rPr>
+              <a:t>đo</a:t>
+            </a:r>
+            <a:r>
+              <a:rPr lang="en-US" altLang="ko-KR" sz="1200" dirty="0">
+                <a:solidFill>
+                  <a:schemeClr val="tx1">
+                    <a:lumMod val="75000"/>
+                    <a:lumOff val="25000"/>
+                  </a:schemeClr>
+                </a:solidFill>
+                <a:cs typeface="Arial" pitchFamily="34" charset="0"/>
+              </a:rPr>
+              <a:t> l</a:t>
+            </a:r>
+            <a:r>
+              <a:rPr lang="vi-VN" altLang="ko-KR" sz="1200" dirty="0">
+                <a:solidFill>
+                  <a:schemeClr val="tx1">
+                    <a:lumMod val="75000"/>
+                    <a:lumOff val="25000"/>
+                  </a:schemeClr>
+                </a:solidFill>
+                <a:cs typeface="Arial" pitchFamily="34" charset="0"/>
+              </a:rPr>
+              <a:t>ư</a:t>
+            </a:r>
+            <a:r>
+              <a:rPr lang="en-US" altLang="ko-KR" sz="1200" dirty="0" err="1">
+                <a:solidFill>
+                  <a:schemeClr val="tx1">
+                    <a:lumMod val="75000"/>
+                    <a:lumOff val="25000"/>
+                  </a:schemeClr>
+                </a:solidFill>
+                <a:cs typeface="Arial" pitchFamily="34" charset="0"/>
+              </a:rPr>
+              <a:t>ờng</a:t>
+            </a:r>
+            <a:r>
+              <a:rPr lang="en-US" altLang="ko-KR" sz="1200" dirty="0">
+                <a:solidFill>
+                  <a:schemeClr val="tx1">
+                    <a:lumMod val="75000"/>
+                    <a:lumOff val="25000"/>
+                  </a:schemeClr>
+                </a:solidFill>
+                <a:cs typeface="Arial" pitchFamily="34" charset="0"/>
+              </a:rPr>
+              <a:t> </a:t>
+            </a:r>
+            <a:r>
+              <a:rPr lang="en-US" altLang="ko-KR" sz="1200" dirty="0" err="1">
+                <a:solidFill>
+                  <a:schemeClr val="tx1">
+                    <a:lumMod val="75000"/>
+                    <a:lumOff val="25000"/>
+                  </a:schemeClr>
+                </a:solidFill>
+                <a:cs typeface="Arial" pitchFamily="34" charset="0"/>
+              </a:rPr>
+              <a:t>hiệu</a:t>
+            </a:r>
+            <a:r>
+              <a:rPr lang="en-US" altLang="ko-KR" sz="1200" dirty="0">
+                <a:solidFill>
+                  <a:schemeClr val="tx1">
+                    <a:lumMod val="75000"/>
+                    <a:lumOff val="25000"/>
+                  </a:schemeClr>
+                </a:solidFill>
+                <a:cs typeface="Arial" pitchFamily="34" charset="0"/>
+              </a:rPr>
+              <a:t> </a:t>
+            </a:r>
+            <a:r>
+              <a:rPr lang="en-US" altLang="ko-KR" sz="1200" dirty="0" err="1">
+                <a:solidFill>
+                  <a:schemeClr val="tx1">
+                    <a:lumMod val="75000"/>
+                    <a:lumOff val="25000"/>
+                  </a:schemeClr>
+                </a:solidFill>
+                <a:cs typeface="Arial" pitchFamily="34" charset="0"/>
+              </a:rPr>
+              <a:t>quả</a:t>
+            </a:r>
+            <a:r>
+              <a:rPr lang="en-US" altLang="ko-KR" sz="1200" dirty="0">
+                <a:solidFill>
+                  <a:schemeClr val="tx1">
+                    <a:lumMod val="75000"/>
+                    <a:lumOff val="25000"/>
+                  </a:schemeClr>
+                </a:solidFill>
+                <a:cs typeface="Arial" pitchFamily="34" charset="0"/>
+              </a:rPr>
+              <a:t> </a:t>
+            </a:r>
+            <a:r>
+              <a:rPr lang="en-US" altLang="ko-KR" sz="1200" dirty="0" err="1">
+                <a:solidFill>
+                  <a:schemeClr val="tx1">
+                    <a:lumMod val="75000"/>
+                    <a:lumOff val="25000"/>
+                  </a:schemeClr>
+                </a:solidFill>
+                <a:cs typeface="Arial" pitchFamily="34" charset="0"/>
+              </a:rPr>
+              <a:t>kinh</a:t>
+            </a:r>
+            <a:r>
+              <a:rPr lang="en-US" altLang="ko-KR" sz="1200" dirty="0">
+                <a:solidFill>
+                  <a:schemeClr val="tx1">
+                    <a:lumMod val="75000"/>
+                    <a:lumOff val="25000"/>
+                  </a:schemeClr>
+                </a:solidFill>
+                <a:cs typeface="Arial" pitchFamily="34" charset="0"/>
+              </a:rPr>
+              <a:t> </a:t>
+            </a:r>
+            <a:r>
+              <a:rPr lang="en-US" altLang="ko-KR" sz="1200" dirty="0" err="1">
+                <a:solidFill>
+                  <a:schemeClr val="tx1">
+                    <a:lumMod val="75000"/>
+                    <a:lumOff val="25000"/>
+                  </a:schemeClr>
+                </a:solidFill>
+                <a:cs typeface="Arial" pitchFamily="34" charset="0"/>
+              </a:rPr>
+              <a:t>doanh</a:t>
+            </a:r>
+            <a:endParaRPr lang="en-US" altLang="ko-KR" sz="1200" dirty="0">
+              <a:solidFill>
+                <a:schemeClr val="tx1">
+                  <a:lumMod val="75000"/>
+                  <a:lumOff val="25000"/>
+                </a:schemeClr>
+              </a:solidFill>
+              <a:cs typeface="Arial" pitchFamily="34" charset="0"/>
+            </a:endParaRPr>
           </a:p>
           <a:p>
-            <a:r>
-              <a:rPr lang="en-US" dirty="0"/>
-              <a:t>Hiện tại thì ko có nhiều ph</a:t>
-            </a:r>
-            <a:r>
-              <a:rPr lang="vi-VN" dirty="0"/>
-              <a:t>ư</a:t>
-            </a:r>
-            <a:r>
-              <a:rPr lang="en-US" dirty="0" err="1"/>
-              <a:t>ơng</a:t>
-            </a:r>
-            <a:r>
-              <a:rPr lang="en-US" dirty="0"/>
-              <a:t> </a:t>
-            </a:r>
-            <a:r>
-              <a:rPr lang="en-US" dirty="0" err="1"/>
-              <a:t>pháp</a:t>
-            </a:r>
-            <a:r>
-              <a:rPr lang="en-US" dirty="0"/>
-              <a:t> </a:t>
-            </a:r>
-            <a:r>
-              <a:rPr lang="en-US" dirty="0" err="1"/>
-              <a:t>để</a:t>
-            </a:r>
-            <a:r>
-              <a:rPr lang="en-US" dirty="0"/>
-              <a:t> </a:t>
-            </a:r>
-            <a:r>
-              <a:rPr lang="en-US" dirty="0" err="1"/>
-              <a:t>quản</a:t>
-            </a:r>
-            <a:r>
-              <a:rPr lang="en-US" dirty="0"/>
-              <a:t> </a:t>
-            </a:r>
-            <a:r>
-              <a:rPr lang="en-US" dirty="0" err="1"/>
-              <a:t>lý</a:t>
-            </a:r>
-            <a:r>
-              <a:rPr lang="en-US" dirty="0"/>
-              <a:t> </a:t>
-            </a:r>
-            <a:r>
-              <a:rPr lang="en-US" dirty="0" err="1"/>
-              <a:t>bán</a:t>
-            </a:r>
-            <a:r>
-              <a:rPr lang="en-US" dirty="0"/>
-              <a:t> </a:t>
-            </a:r>
-            <a:r>
-              <a:rPr lang="en-US" dirty="0" err="1"/>
-              <a:t>hàng</a:t>
-            </a:r>
-            <a:r>
-              <a:rPr lang="en-US" dirty="0"/>
-              <a:t> </a:t>
-            </a:r>
-            <a:r>
-              <a:rPr lang="en-US" dirty="0" err="1"/>
-              <a:t>trên</a:t>
-            </a:r>
-            <a:r>
-              <a:rPr lang="en-US" dirty="0"/>
-              <a:t> </a:t>
-            </a:r>
-            <a:r>
-              <a:rPr lang="en-US" dirty="0" err="1"/>
-              <a:t>sàn</a:t>
-            </a:r>
-            <a:r>
-              <a:rPr lang="en-US" dirty="0"/>
-              <a:t> TMDT 1 </a:t>
-            </a:r>
-            <a:r>
-              <a:rPr lang="en-US" dirty="0" err="1"/>
-              <a:t>cách</a:t>
-            </a:r>
-            <a:r>
-              <a:rPr lang="en-US" dirty="0"/>
-              <a:t> </a:t>
-            </a:r>
-            <a:r>
-              <a:rPr lang="en-US" dirty="0" err="1"/>
-              <a:t>hiệu</a:t>
-            </a:r>
-            <a:r>
-              <a:rPr lang="en-US" dirty="0"/>
-              <a:t> </a:t>
-            </a:r>
-            <a:r>
-              <a:rPr lang="en-US" dirty="0" err="1"/>
-              <a:t>quả</a:t>
-            </a:r>
-            <a:r>
-              <a:rPr lang="en-US" dirty="0"/>
-              <a:t>. Nh</a:t>
-            </a:r>
-            <a:r>
-              <a:rPr lang="vi-VN" dirty="0"/>
-              <a:t>ư</a:t>
-            </a:r>
-            <a:r>
-              <a:rPr lang="en-US" dirty="0"/>
-              <a:t> </a:t>
-            </a:r>
-            <a:r>
-              <a:rPr lang="en-US" dirty="0" err="1"/>
-              <a:t>em</a:t>
-            </a:r>
-            <a:r>
-              <a:rPr lang="en-US" dirty="0"/>
-              <a:t> </a:t>
-            </a:r>
-            <a:r>
-              <a:rPr lang="en-US" dirty="0" err="1"/>
-              <a:t>thì</a:t>
-            </a:r>
-            <a:r>
-              <a:rPr lang="en-US" dirty="0"/>
-              <a:t> tr</a:t>
-            </a:r>
-            <a:r>
-              <a:rPr lang="vi-VN" dirty="0"/>
-              <a:t>ư</a:t>
-            </a:r>
-            <a:r>
-              <a:rPr lang="en-US" dirty="0" err="1"/>
-              <a:t>ớc</a:t>
-            </a:r>
-            <a:r>
-              <a:rPr lang="en-US" dirty="0"/>
-              <a:t> </a:t>
-            </a:r>
-            <a:r>
-              <a:rPr lang="en-US" dirty="0" err="1"/>
-              <a:t>đây</a:t>
-            </a:r>
-            <a:r>
-              <a:rPr lang="en-US" dirty="0"/>
-              <a:t> </a:t>
-            </a:r>
-            <a:r>
-              <a:rPr lang="en-US" dirty="0" err="1"/>
-              <a:t>em</a:t>
-            </a:r>
-            <a:r>
-              <a:rPr lang="en-US" dirty="0"/>
-              <a:t> dung file excel </a:t>
-            </a:r>
-            <a:r>
-              <a:rPr lang="en-US" dirty="0" err="1"/>
-              <a:t>quản</a:t>
-            </a:r>
-            <a:r>
-              <a:rPr lang="en-US" dirty="0"/>
-              <a:t> </a:t>
-            </a:r>
-            <a:r>
-              <a:rPr lang="en-US" dirty="0" err="1"/>
-              <a:t>lý</a:t>
-            </a:r>
-            <a:r>
-              <a:rPr lang="en-US" dirty="0"/>
-              <a:t> </a:t>
-            </a:r>
-            <a:r>
-              <a:rPr lang="en-US" dirty="0" err="1"/>
-              <a:t>thì</a:t>
-            </a:r>
-            <a:r>
-              <a:rPr lang="en-US" dirty="0"/>
-              <a:t> </a:t>
-            </a:r>
-            <a:r>
-              <a:rPr lang="en-US" dirty="0" err="1"/>
-              <a:t>mặc</a:t>
-            </a:r>
-            <a:r>
-              <a:rPr lang="en-US" dirty="0"/>
-              <a:t> </a:t>
-            </a:r>
-            <a:r>
-              <a:rPr lang="en-US" dirty="0" err="1"/>
-              <a:t>dù</a:t>
-            </a:r>
-            <a:r>
-              <a:rPr lang="en-US" dirty="0"/>
-              <a:t> </a:t>
-            </a:r>
-            <a:r>
-              <a:rPr lang="en-US" dirty="0" err="1"/>
-              <a:t>quản</a:t>
-            </a:r>
-            <a:r>
-              <a:rPr lang="en-US" dirty="0"/>
-              <a:t> </a:t>
-            </a:r>
-            <a:r>
-              <a:rPr lang="en-US" dirty="0" err="1"/>
-              <a:t>lý</a:t>
-            </a:r>
-            <a:r>
-              <a:rPr lang="en-US" dirty="0"/>
-              <a:t> </a:t>
-            </a:r>
-            <a:r>
-              <a:rPr lang="en-US" dirty="0" err="1"/>
-              <a:t>đc</a:t>
-            </a:r>
-            <a:endParaRPr lang="en-US" dirty="0"/>
-          </a:p>
-          <a:p>
-            <a:r>
-              <a:rPr lang="en-US" dirty="0" err="1"/>
-              <a:t>Nhưng</a:t>
-            </a:r>
-            <a:r>
-              <a:rPr lang="en-US" dirty="0"/>
-              <a:t> </a:t>
-            </a:r>
-            <a:r>
-              <a:rPr lang="en-US" dirty="0" err="1"/>
-              <a:t>phải</a:t>
-            </a:r>
-            <a:r>
-              <a:rPr lang="en-US" dirty="0"/>
-              <a:t> </a:t>
-            </a:r>
-            <a:r>
-              <a:rPr lang="en-US" dirty="0" err="1"/>
-              <a:t>nhập</a:t>
-            </a:r>
-            <a:r>
-              <a:rPr lang="en-US" dirty="0"/>
-              <a:t> </a:t>
-            </a:r>
-            <a:r>
-              <a:rPr lang="en-US" dirty="0" err="1"/>
-              <a:t>tay</a:t>
-            </a:r>
-            <a:r>
-              <a:rPr lang="en-US" dirty="0"/>
-              <a:t> </a:t>
-            </a:r>
-            <a:r>
-              <a:rPr lang="en-US" dirty="0" err="1"/>
-              <a:t>quá</a:t>
-            </a:r>
-            <a:r>
-              <a:rPr lang="en-US" dirty="0"/>
-              <a:t> </a:t>
-            </a:r>
-            <a:r>
-              <a:rPr lang="en-US" dirty="0" err="1"/>
-              <a:t>nhiều</a:t>
-            </a:r>
-            <a:r>
-              <a:rPr lang="en-US" dirty="0"/>
-              <a:t> =&gt; </a:t>
-            </a:r>
-            <a:r>
-              <a:rPr lang="en-US" dirty="0" err="1"/>
-              <a:t>mất</a:t>
-            </a:r>
-            <a:r>
-              <a:rPr lang="en-US" dirty="0"/>
-              <a:t> </a:t>
-            </a:r>
-            <a:r>
-              <a:rPr lang="en-US" dirty="0" err="1"/>
-              <a:t>thời</a:t>
-            </a:r>
-            <a:r>
-              <a:rPr lang="en-US" dirty="0"/>
-              <a:t> </a:t>
-            </a:r>
-            <a:r>
-              <a:rPr lang="en-US" dirty="0" err="1"/>
-              <a:t>gian</a:t>
-            </a:r>
-            <a:r>
-              <a:rPr lang="en-US" dirty="0"/>
-              <a:t>. </a:t>
-            </a:r>
-            <a:r>
-              <a:rPr lang="en-US" dirty="0" err="1"/>
-              <a:t>Và</a:t>
-            </a:r>
-            <a:r>
-              <a:rPr lang="en-US" dirty="0"/>
-              <a:t> </a:t>
-            </a:r>
-            <a:r>
-              <a:rPr lang="en-US" dirty="0" err="1"/>
-              <a:t>độ</a:t>
-            </a:r>
-            <a:r>
-              <a:rPr lang="en-US" dirty="0"/>
-              <a:t> </a:t>
-            </a:r>
-            <a:r>
-              <a:rPr lang="en-US" dirty="0" err="1"/>
-              <a:t>chính</a:t>
-            </a:r>
-            <a:r>
-              <a:rPr lang="en-US" dirty="0"/>
-              <a:t> </a:t>
-            </a:r>
-            <a:r>
-              <a:rPr lang="en-US" dirty="0" err="1"/>
-              <a:t>xác</a:t>
-            </a:r>
-            <a:r>
-              <a:rPr lang="en-US" dirty="0"/>
-              <a:t> </a:t>
-            </a:r>
-            <a:r>
-              <a:rPr lang="en-US" dirty="0" err="1"/>
-              <a:t>cũng</a:t>
-            </a:r>
-            <a:r>
-              <a:rPr lang="en-US" dirty="0"/>
-              <a:t> ko </a:t>
-            </a:r>
-            <a:r>
-              <a:rPr lang="en-US" dirty="0" err="1"/>
-              <a:t>cao</a:t>
-            </a:r>
-            <a:r>
-              <a:rPr lang="en-US" dirty="0"/>
-              <a:t>. </a:t>
-            </a:r>
-            <a:r>
-              <a:rPr lang="en-US" dirty="0" err="1"/>
-              <a:t>Vì</a:t>
-            </a:r>
-            <a:r>
-              <a:rPr lang="en-US" dirty="0"/>
-              <a:t> </a:t>
-            </a:r>
-            <a:r>
-              <a:rPr lang="en-US" dirty="0" err="1"/>
-              <a:t>vậy</a:t>
-            </a:r>
-            <a:r>
-              <a:rPr lang="en-US" dirty="0"/>
-              <a:t> </a:t>
-            </a:r>
-            <a:r>
-              <a:rPr lang="en-US" dirty="0" err="1"/>
-              <a:t>em</a:t>
-            </a:r>
-            <a:r>
-              <a:rPr lang="en-US" dirty="0"/>
-              <a:t> </a:t>
-            </a:r>
-            <a:r>
-              <a:rPr lang="en-US" dirty="0" err="1"/>
-              <a:t>đề</a:t>
-            </a:r>
-            <a:r>
-              <a:rPr lang="en-US" dirty="0"/>
-              <a:t> </a:t>
-            </a:r>
-            <a:r>
-              <a:rPr lang="en-US" dirty="0" err="1"/>
-              <a:t>xuất</a:t>
-            </a:r>
-            <a:r>
-              <a:rPr lang="en-US" dirty="0"/>
-              <a:t> 1 </a:t>
-            </a:r>
-            <a:r>
-              <a:rPr lang="en-US" dirty="0" err="1"/>
-              <a:t>ph</a:t>
-            </a:r>
-            <a:r>
-              <a:rPr lang="vi-VN" dirty="0"/>
-              <a:t>ư</a:t>
-            </a:r>
-            <a:r>
-              <a:rPr lang="en-US" dirty="0" err="1"/>
-              <a:t>ơng</a:t>
-            </a:r>
-            <a:r>
-              <a:rPr lang="en-US" dirty="0"/>
-              <a:t> </a:t>
-            </a:r>
-            <a:r>
-              <a:rPr lang="en-US" dirty="0" err="1"/>
-              <a:t>pháp</a:t>
-            </a:r>
-            <a:r>
-              <a:rPr lang="en-US" dirty="0"/>
-              <a:t> </a:t>
-            </a:r>
-            <a:r>
-              <a:rPr lang="en-US" dirty="0" err="1"/>
-              <a:t>quản</a:t>
-            </a:r>
-            <a:r>
-              <a:rPr lang="en-US" dirty="0"/>
-              <a:t> </a:t>
-            </a:r>
-            <a:r>
-              <a:rPr lang="en-US" dirty="0" err="1"/>
-              <a:t>lý</a:t>
-            </a:r>
-            <a:r>
-              <a:rPr lang="en-US" dirty="0"/>
-              <a:t> </a:t>
-            </a:r>
-            <a:r>
-              <a:rPr lang="en-US" dirty="0" err="1"/>
-              <a:t>mới</a:t>
-            </a:r>
-            <a:r>
-              <a:rPr lang="en-US" dirty="0"/>
-              <a:t> </a:t>
-            </a:r>
-            <a:r>
-              <a:rPr lang="en-US" dirty="0" err="1"/>
-              <a:t>đó</a:t>
-            </a:r>
-            <a:r>
-              <a:rPr lang="en-US" dirty="0"/>
-              <a:t> </a:t>
-            </a:r>
-            <a:r>
-              <a:rPr lang="en-US" dirty="0" err="1"/>
-              <a:t>là</a:t>
-            </a:r>
-            <a:r>
-              <a:rPr lang="en-US" dirty="0"/>
-              <a:t> </a:t>
-            </a:r>
-            <a:r>
-              <a:rPr lang="en-US" dirty="0" err="1"/>
-              <a:t>xây</a:t>
-            </a:r>
-            <a:r>
-              <a:rPr lang="en-US" dirty="0"/>
-              <a:t> </a:t>
-            </a:r>
-            <a:r>
-              <a:rPr lang="en-US" dirty="0" err="1"/>
-              <a:t>dựng</a:t>
-            </a:r>
-            <a:r>
-              <a:rPr lang="en-US" dirty="0"/>
-              <a:t> 1 website </a:t>
-            </a:r>
-          </a:p>
-          <a:p>
-            <a:r>
-              <a:rPr lang="en-US" dirty="0" err="1"/>
-              <a:t>Quản</a:t>
-            </a:r>
-            <a:r>
-              <a:rPr lang="en-US" dirty="0"/>
-              <a:t> </a:t>
-            </a:r>
-            <a:r>
-              <a:rPr lang="en-US" dirty="0" err="1"/>
-              <a:t>lý</a:t>
-            </a:r>
-            <a:r>
-              <a:rPr lang="en-US" dirty="0"/>
-              <a:t> </a:t>
-            </a:r>
-            <a:r>
-              <a:rPr lang="en-US" dirty="0" err="1"/>
-              <a:t>tổng</a:t>
-            </a:r>
-            <a:r>
-              <a:rPr lang="en-US" dirty="0"/>
-              <a:t> </a:t>
-            </a:r>
-            <a:r>
-              <a:rPr lang="en-US" dirty="0" err="1"/>
-              <a:t>hợp</a:t>
-            </a:r>
-            <a:r>
-              <a:rPr lang="en-US" dirty="0"/>
-              <a:t> </a:t>
-            </a:r>
-            <a:r>
-              <a:rPr lang="en-US" dirty="0" err="1"/>
-              <a:t>với</a:t>
-            </a:r>
-            <a:r>
-              <a:rPr lang="en-US" dirty="0"/>
-              <a:t> c</a:t>
-            </a:r>
-            <a:r>
-              <a:rPr lang="vi-VN" dirty="0"/>
-              <a:t>ơ</a:t>
-            </a:r>
-            <a:r>
-              <a:rPr lang="en-US" dirty="0"/>
-              <a:t> </a:t>
-            </a:r>
-            <a:r>
-              <a:rPr lang="en-US" dirty="0" err="1"/>
-              <a:t>chế</a:t>
-            </a:r>
-            <a:r>
-              <a:rPr lang="en-US" dirty="0"/>
-              <a:t> </a:t>
-            </a:r>
-            <a:r>
-              <a:rPr lang="en-US" dirty="0" err="1"/>
-              <a:t>hoạt</a:t>
-            </a:r>
-            <a:r>
-              <a:rPr lang="en-US" dirty="0"/>
-              <a:t> </a:t>
-            </a:r>
-            <a:r>
-              <a:rPr lang="en-US" dirty="0" err="1"/>
-              <a:t>động</a:t>
-            </a:r>
-            <a:r>
-              <a:rPr lang="en-US" dirty="0"/>
-              <a:t> </a:t>
-            </a:r>
-            <a:r>
-              <a:rPr lang="en-US" dirty="0" err="1"/>
-              <a:t>nh</a:t>
-            </a:r>
-            <a:r>
-              <a:rPr lang="vi-VN" dirty="0"/>
-              <a:t>ư</a:t>
-            </a:r>
-            <a:r>
-              <a:rPr lang="en-US" dirty="0"/>
-              <a:t> </a:t>
-            </a:r>
-            <a:r>
-              <a:rPr lang="en-US" dirty="0" err="1"/>
-              <a:t>sau</a:t>
-            </a:r>
             <a:endParaRPr lang="en-US" dirty="0"/>
           </a:p>
         </p:txBody>
@@ -6969,7 +7635,7 @@
           <a:p>
             <a:fld id="{B820E160-F603-41F3-A192-DC95957721C3}" type="slidenum">
               <a:rPr lang="ko-KR" altLang="en-US" smtClean="0"/>
-              <a:t>10</a:t>
+              <a:t>8</a:t>
             </a:fld>
             <a:endParaRPr lang="ko-KR" altLang="en-US"/>
           </a:p>
@@ -6978,7 +7644,7 @@
     </p:spTree>
     <p:extLst>
       <p:ext uri="{BB962C8B-B14F-4D97-AF65-F5344CB8AC3E}">
-        <p14:creationId xmlns:p14="http://schemas.microsoft.com/office/powerpoint/2010/main" val="447438153"/>
+        <p14:creationId xmlns:p14="http://schemas.microsoft.com/office/powerpoint/2010/main" val="3449240919"/>
       </p:ext>
     </p:extLst>
   </p:cSld>
@@ -7034,491 +7700,40 @@
           <a:p>
             <a:r>
               <a:rPr lang="en-US" dirty="0"/>
-              <a:t>Thay vì phải nhập tay</a:t>
-            </a:r>
-            <a:r>
-              <a:rPr lang="ja-JP" altLang="en-US" dirty="0"/>
-              <a:t>（手打ち）</a:t>
-            </a:r>
-            <a:r>
-              <a:rPr lang="en-US" dirty="0"/>
-              <a:t> dữ liệu</a:t>
-            </a:r>
-            <a:r>
-              <a:rPr lang="ja-JP" altLang="en-US" dirty="0"/>
-              <a:t>（データ）</a:t>
-            </a:r>
-            <a:r>
-              <a:rPr lang="en-US" dirty="0"/>
-              <a:t> của từng đ</a:t>
-            </a:r>
-            <a:r>
-              <a:rPr lang="vi-VN" dirty="0"/>
-              <a:t>ơ</a:t>
-            </a:r>
-            <a:r>
-              <a:rPr lang="en-US" dirty="0"/>
-              <a:t>n hàng</a:t>
-            </a:r>
-            <a:r>
-              <a:rPr lang="ja-JP" altLang="en-US" dirty="0"/>
-              <a:t>（注文）</a:t>
-            </a:r>
-            <a:r>
-              <a:rPr lang="en-US" dirty="0"/>
-              <a:t> thì nhà bán hàng chỉ cần t</a:t>
+              <a:t>Ch</a:t>
             </a:r>
             <a:r>
               <a:rPr lang="vi-VN" dirty="0"/>
               <a:t>ư</a:t>
             </a:r>
             <a:r>
-              <a:rPr lang="en-US" dirty="0" err="1"/>
-              <a:t>ơng</a:t>
-            </a:r>
-            <a:r>
-              <a:rPr lang="en-US" dirty="0"/>
-              <a:t> </a:t>
-            </a:r>
-            <a:r>
-              <a:rPr lang="en-US" dirty="0" err="1"/>
-              <a:t>tác</a:t>
-            </a:r>
-            <a:r>
-              <a:rPr lang="en-US" dirty="0"/>
-              <a:t> </a:t>
-            </a:r>
-            <a:r>
-              <a:rPr lang="en-US" dirty="0" err="1"/>
-              <a:t>trực</a:t>
-            </a:r>
-            <a:r>
-              <a:rPr lang="en-US" dirty="0"/>
-              <a:t> </a:t>
-            </a:r>
-            <a:r>
-              <a:rPr lang="en-US" dirty="0" err="1"/>
-              <a:t>tiếp</a:t>
-            </a:r>
-            <a:r>
-              <a:rPr lang="en-US" dirty="0"/>
-              <a:t> </a:t>
-            </a:r>
-            <a:r>
-              <a:rPr lang="en-US" dirty="0" err="1"/>
-              <a:t>với</a:t>
-            </a:r>
-            <a:r>
-              <a:rPr lang="en-US" dirty="0"/>
-              <a:t> website, website </a:t>
-            </a:r>
-            <a:r>
-              <a:rPr lang="en-US" dirty="0" err="1"/>
-              <a:t>sẽ</a:t>
-            </a:r>
-            <a:r>
-              <a:rPr lang="en-US" dirty="0"/>
-              <a:t> </a:t>
-            </a:r>
-            <a:r>
-              <a:rPr lang="en-US" dirty="0" err="1"/>
-              <a:t>gửi</a:t>
-            </a:r>
-            <a:r>
-              <a:rPr lang="en-US" dirty="0"/>
-              <a:t> request </a:t>
-            </a:r>
-            <a:r>
-              <a:rPr lang="en-US" dirty="0" err="1"/>
-              <a:t>đến</a:t>
-            </a:r>
-            <a:r>
-              <a:rPr lang="en-US" dirty="0"/>
-              <a:t> </a:t>
-            </a:r>
-            <a:r>
-              <a:rPr lang="en-US" dirty="0" err="1"/>
-              <a:t>cho</a:t>
-            </a:r>
-            <a:r>
-              <a:rPr lang="en-US" dirty="0"/>
-              <a:t> APPLICATION SERVER,</a:t>
+              <a:rPr lang="en-US" dirty="0"/>
+              <a:t>ơng II là phân tích hệ thống. </a:t>
             </a:r>
           </a:p>
           <a:p>
-            <a:r>
-              <a:rPr lang="en-US" dirty="0"/>
-              <a:t>APPLICATION SERVER </a:t>
-            </a:r>
-            <a:r>
-              <a:rPr lang="en-US" dirty="0" err="1"/>
-              <a:t>tiếp</a:t>
-            </a:r>
-            <a:r>
-              <a:rPr lang="en-US" dirty="0"/>
-              <a:t> </a:t>
-            </a:r>
-            <a:r>
-              <a:rPr lang="en-US" dirty="0" err="1"/>
-              <a:t>tục</a:t>
-            </a:r>
-            <a:r>
-              <a:rPr lang="en-US" dirty="0"/>
-              <a:t> </a:t>
-            </a:r>
-            <a:r>
-              <a:rPr lang="en-US" dirty="0" err="1"/>
-              <a:t>gửi</a:t>
-            </a:r>
-            <a:r>
-              <a:rPr lang="en-US" dirty="0"/>
-              <a:t> request </a:t>
-            </a:r>
-            <a:r>
-              <a:rPr lang="en-US" dirty="0" err="1"/>
-              <a:t>đến</a:t>
-            </a:r>
-            <a:r>
-              <a:rPr lang="en-US" dirty="0"/>
-              <a:t> server </a:t>
-            </a:r>
-            <a:r>
-              <a:rPr lang="en-US" dirty="0" err="1"/>
-              <a:t>của</a:t>
-            </a:r>
-            <a:r>
-              <a:rPr lang="en-US" dirty="0"/>
-              <a:t> Sen </a:t>
-            </a:r>
-            <a:r>
-              <a:rPr lang="en-US" dirty="0" err="1"/>
-              <a:t>Đỏ</a:t>
-            </a:r>
-            <a:r>
-              <a:rPr lang="en-US" dirty="0"/>
-              <a:t>, </a:t>
-            </a:r>
-            <a:r>
-              <a:rPr lang="en-US" dirty="0" err="1"/>
-              <a:t>Shopee</a:t>
-            </a:r>
-            <a:r>
-              <a:rPr lang="en-US" dirty="0"/>
-              <a:t> </a:t>
-            </a:r>
-            <a:r>
-              <a:rPr lang="en-US" dirty="0" err="1"/>
-              <a:t>để</a:t>
-            </a:r>
-            <a:r>
-              <a:rPr lang="en-US" dirty="0"/>
-              <a:t> </a:t>
-            </a:r>
-            <a:r>
-              <a:rPr lang="en-US" dirty="0" err="1"/>
-              <a:t>lấy</a:t>
-            </a:r>
-            <a:r>
-              <a:rPr lang="en-US" dirty="0"/>
-              <a:t> </a:t>
-            </a:r>
-            <a:r>
-              <a:rPr lang="en-US" dirty="0" err="1"/>
-              <a:t>dữ</a:t>
-            </a:r>
-            <a:r>
-              <a:rPr lang="en-US" dirty="0"/>
-              <a:t> </a:t>
-            </a:r>
-            <a:r>
-              <a:rPr lang="en-US" dirty="0" err="1"/>
-              <a:t>liệu</a:t>
-            </a:r>
-            <a:r>
-              <a:rPr lang="en-US" dirty="0"/>
-              <a:t>. </a:t>
-            </a:r>
-            <a:r>
-              <a:rPr lang="en-US" dirty="0" err="1"/>
-              <a:t>Dữ</a:t>
-            </a:r>
-            <a:r>
-              <a:rPr lang="en-US" dirty="0"/>
-              <a:t> </a:t>
-            </a:r>
-            <a:r>
-              <a:rPr lang="en-US" dirty="0" err="1"/>
-              <a:t>liệu</a:t>
-            </a:r>
-            <a:r>
-              <a:rPr lang="en-US" dirty="0"/>
-              <a:t>  </a:t>
-            </a:r>
-            <a:r>
-              <a:rPr lang="en-US" dirty="0" err="1"/>
-              <a:t>trả</a:t>
-            </a:r>
-            <a:r>
-              <a:rPr lang="en-US" dirty="0"/>
-              <a:t> </a:t>
-            </a:r>
-            <a:r>
-              <a:rPr lang="en-US" dirty="0" err="1"/>
-              <a:t>về</a:t>
-            </a:r>
-            <a:r>
-              <a:rPr lang="en-US" dirty="0"/>
-              <a:t> </a:t>
-            </a:r>
-            <a:r>
-              <a:rPr lang="en-US" dirty="0" err="1"/>
-              <a:t>sẽ</a:t>
-            </a:r>
-            <a:r>
-              <a:rPr lang="en-US" dirty="0"/>
-              <a:t> đ</a:t>
-            </a:r>
-            <a:r>
-              <a:rPr lang="vi-VN" dirty="0"/>
-              <a:t>ư</a:t>
-            </a:r>
-            <a:r>
-              <a:rPr lang="en-US" dirty="0" err="1"/>
-              <a:t>ợc</a:t>
-            </a:r>
-            <a:r>
-              <a:rPr lang="en-US" dirty="0"/>
-              <a:t> </a:t>
-            </a:r>
-            <a:r>
-              <a:rPr lang="en-US" dirty="0" err="1"/>
-              <a:t>xử</a:t>
-            </a:r>
-            <a:r>
-              <a:rPr lang="en-US" dirty="0"/>
-              <a:t> </a:t>
-            </a:r>
-            <a:r>
-              <a:rPr lang="en-US" dirty="0" err="1"/>
-              <a:t>lí</a:t>
-            </a:r>
-            <a:r>
-              <a:rPr lang="en-US" dirty="0"/>
-              <a:t> </a:t>
-            </a:r>
-            <a:r>
-              <a:rPr lang="en-US" dirty="0" err="1"/>
-              <a:t>và</a:t>
-            </a:r>
-            <a:r>
-              <a:rPr lang="en-US" dirty="0"/>
-              <a:t> them </a:t>
-            </a:r>
-            <a:r>
-              <a:rPr lang="en-US" dirty="0" err="1"/>
-              <a:t>vào</a:t>
-            </a:r>
-            <a:r>
-              <a:rPr lang="en-US" dirty="0"/>
-              <a:t> database </a:t>
-            </a:r>
-            <a:r>
-              <a:rPr lang="en-US" dirty="0" err="1"/>
-              <a:t>và</a:t>
-            </a:r>
-            <a:r>
-              <a:rPr lang="en-US" dirty="0"/>
-              <a:t> </a:t>
-            </a:r>
-            <a:r>
-              <a:rPr lang="en-US" dirty="0" err="1"/>
-              <a:t>hiển</a:t>
-            </a:r>
-            <a:r>
-              <a:rPr lang="en-US" dirty="0"/>
-              <a:t> </a:t>
-            </a:r>
-            <a:r>
-              <a:rPr lang="en-US" dirty="0" err="1"/>
-              <a:t>thị</a:t>
-            </a:r>
-            <a:r>
-              <a:rPr lang="en-US" dirty="0"/>
-              <a:t> ra </a:t>
-            </a:r>
-            <a:r>
-              <a:rPr lang="en-US" dirty="0" err="1"/>
-              <a:t>ngoài</a:t>
+            <a:pPr marL="0" marR="0" lvl="0" indent="0" algn="l" defTabSz="914400" rtl="0" eaLnBrk="1" fontAlgn="auto" latinLnBrk="1" hangingPunct="1">
+              <a:lnSpc>
+                <a:spcPct val="100000"/>
+              </a:lnSpc>
+              <a:spcBef>
+                <a:spcPts val="0"/>
+              </a:spcBef>
+              <a:spcAft>
+                <a:spcPts val="0"/>
+              </a:spcAft>
+              <a:buClrTx/>
+              <a:buSzTx/>
+              <a:buFontTx/>
+              <a:buNone/>
+              <a:tabLst/>
+              <a:defRPr/>
+            </a:pPr>
+            <a:r>
+              <a:rPr lang="ja-JP" altLang="en-US" dirty="0"/>
+              <a:t>システムの分析の前に、現在の課題について話します。</a:t>
             </a:r>
             <a:endParaRPr lang="en-US" dirty="0"/>
-          </a:p>
-          <a:p>
-            <a:r>
-              <a:rPr lang="en-US" dirty="0"/>
-              <a:t>Website </a:t>
-            </a:r>
-            <a:r>
-              <a:rPr lang="en-US" dirty="0" err="1"/>
-              <a:t>lại</a:t>
-            </a:r>
-            <a:r>
-              <a:rPr lang="en-US" dirty="0"/>
-              <a:t> </a:t>
-            </a:r>
-            <a:r>
-              <a:rPr lang="en-US" dirty="0" err="1"/>
-              <a:t>cho</a:t>
-            </a:r>
-            <a:r>
-              <a:rPr lang="en-US" dirty="0"/>
-              <a:t> ng</a:t>
-            </a:r>
-            <a:r>
-              <a:rPr lang="vi-VN" dirty="0"/>
-              <a:t>ư</a:t>
-            </a:r>
-            <a:r>
-              <a:rPr lang="en-US" dirty="0"/>
-              <a:t>ời dung. </a:t>
-            </a:r>
-          </a:p>
-          <a:p>
-            <a:r>
-              <a:rPr lang="en-US" dirty="0"/>
-              <a:t>Nh</a:t>
-            </a:r>
-            <a:r>
-              <a:rPr lang="vi-VN" dirty="0"/>
-              <a:t>ư</a:t>
-            </a:r>
-            <a:r>
-              <a:rPr lang="en-US" dirty="0"/>
-              <a:t> </a:t>
-            </a:r>
-            <a:r>
-              <a:rPr lang="en-US" dirty="0" err="1"/>
-              <a:t>vậy</a:t>
-            </a:r>
-            <a:r>
-              <a:rPr lang="en-US" dirty="0"/>
-              <a:t> </a:t>
-            </a:r>
-            <a:r>
-              <a:rPr lang="en-US" dirty="0" err="1"/>
-              <a:t>mọi</a:t>
-            </a:r>
-            <a:r>
-              <a:rPr lang="en-US" dirty="0"/>
-              <a:t> </a:t>
-            </a:r>
-            <a:r>
-              <a:rPr lang="en-US" dirty="0" err="1"/>
-              <a:t>dữ</a:t>
-            </a:r>
-            <a:r>
-              <a:rPr lang="en-US" dirty="0"/>
-              <a:t> </a:t>
-            </a:r>
-            <a:r>
-              <a:rPr lang="en-US" dirty="0" err="1"/>
-              <a:t>liệu</a:t>
-            </a:r>
-            <a:r>
-              <a:rPr lang="en-US" dirty="0"/>
-              <a:t> </a:t>
-            </a:r>
-            <a:r>
-              <a:rPr lang="en-US" dirty="0" err="1"/>
-              <a:t>cần</a:t>
-            </a:r>
-            <a:r>
-              <a:rPr lang="en-US" dirty="0"/>
-              <a:t> </a:t>
-            </a:r>
-            <a:r>
-              <a:rPr lang="en-US" dirty="0" err="1"/>
-              <a:t>thiết</a:t>
-            </a:r>
-            <a:r>
-              <a:rPr lang="en-US" dirty="0"/>
-              <a:t> </a:t>
-            </a:r>
-            <a:r>
-              <a:rPr lang="en-US" dirty="0" err="1"/>
-              <a:t>sẽ</a:t>
-            </a:r>
-            <a:r>
-              <a:rPr lang="en-US" dirty="0"/>
-              <a:t> đ</a:t>
-            </a:r>
-            <a:r>
-              <a:rPr lang="vi-VN" dirty="0"/>
-              <a:t>ư</a:t>
-            </a:r>
-            <a:r>
-              <a:rPr lang="en-US" dirty="0" err="1"/>
-              <a:t>ợc</a:t>
-            </a:r>
-            <a:r>
-              <a:rPr lang="en-US" dirty="0"/>
-              <a:t> </a:t>
-            </a:r>
-            <a:r>
-              <a:rPr lang="en-US" dirty="0" err="1"/>
-              <a:t>tập</a:t>
-            </a:r>
-            <a:r>
-              <a:rPr lang="en-US" dirty="0"/>
-              <a:t> </a:t>
-            </a:r>
-            <a:r>
-              <a:rPr lang="en-US" dirty="0" err="1"/>
-              <a:t>trung</a:t>
-            </a:r>
-            <a:r>
-              <a:rPr lang="en-US" dirty="0"/>
-              <a:t> </a:t>
-            </a:r>
-            <a:r>
-              <a:rPr lang="en-US" dirty="0" err="1"/>
-              <a:t>về</a:t>
-            </a:r>
-            <a:r>
-              <a:rPr lang="en-US" dirty="0"/>
-              <a:t> 1 website </a:t>
-            </a:r>
-            <a:r>
-              <a:rPr lang="en-US" dirty="0" err="1"/>
-              <a:t>duy</a:t>
-            </a:r>
-            <a:r>
-              <a:rPr lang="en-US" dirty="0"/>
-              <a:t> </a:t>
-            </a:r>
-            <a:r>
-              <a:rPr lang="en-US" dirty="0" err="1"/>
-              <a:t>nhất</a:t>
-            </a:r>
-            <a:r>
-              <a:rPr lang="en-US" dirty="0"/>
-              <a:t>, ng</a:t>
-            </a:r>
-            <a:r>
-              <a:rPr lang="vi-VN" dirty="0"/>
-              <a:t>ư</a:t>
-            </a:r>
-            <a:r>
-              <a:rPr lang="en-US" dirty="0"/>
-              <a:t>ời dung ko cần phải truy cập vào từng website riêng lẻ để quản lý đ</a:t>
-            </a:r>
-            <a:r>
-              <a:rPr lang="vi-VN" dirty="0"/>
-              <a:t>ơ</a:t>
-            </a:r>
-            <a:r>
-              <a:rPr lang="en-US" dirty="0"/>
-              <a:t>n hàng nữa !</a:t>
-            </a:r>
           </a:p>
           <a:p>
             <a:endParaRPr lang="en-US" dirty="0"/>
@@ -7526,14 +7741,28 @@
           <a:p>
             <a:r>
               <a:rPr lang="en-US" dirty="0"/>
-              <a:t>Lồn đm</a:t>
-            </a:r>
-            <a:r>
-              <a:rPr lang="en-US" baseline="0" dirty="0"/>
-              <a:t> nhiều từ chuyên quá từ tìm đi :v</a:t>
-            </a:r>
-          </a:p>
-          <a:p>
+              <a:t>Tr</a:t>
+            </a:r>
+            <a:r>
+              <a:rPr lang="vi-VN" dirty="0"/>
+              <a:t>ư</a:t>
+            </a:r>
+            <a:r>
+              <a:rPr lang="en-US" dirty="0"/>
+              <a:t>ớc khi đi vào phân tích hệ thống thì Đầu tiên chúng ta sẽ tìm hiểu về bài toán </a:t>
+            </a:r>
+            <a:r>
+              <a:rPr lang="en-US" dirty="0" err="1"/>
+              <a:t>hiện</a:t>
+            </a:r>
+            <a:r>
+              <a:rPr lang="en-US" dirty="0"/>
+              <a:t> </a:t>
+            </a:r>
+            <a:r>
+              <a:rPr lang="en-US" dirty="0" err="1"/>
+              <a:t>tại</a:t>
+            </a:r>
             <a:endParaRPr lang="en-US" dirty="0"/>
           </a:p>
         </p:txBody>
@@ -7555,7 +7784,7 @@
           <a:p>
             <a:fld id="{B820E160-F603-41F3-A192-DC95957721C3}" type="slidenum">
               <a:rPr lang="ko-KR" altLang="en-US" smtClean="0"/>
-              <a:t>11</a:t>
+              <a:t>9</a:t>
             </a:fld>
             <a:endParaRPr lang="ko-KR" altLang="en-US"/>
           </a:p>
@@ -7564,7 +7793,7 @@
     </p:spTree>
     <p:extLst>
       <p:ext uri="{BB962C8B-B14F-4D97-AF65-F5344CB8AC3E}">
-        <p14:creationId xmlns:p14="http://schemas.microsoft.com/office/powerpoint/2010/main" val="2276121798"/>
+        <p14:creationId xmlns:p14="http://schemas.microsoft.com/office/powerpoint/2010/main" val="3555528355"/>
       </p:ext>
     </p:extLst>
   </p:cSld>
@@ -25377,7 +25606,7 @@
           <p:nvPr/>
         </p:nvPicPr>
         <p:blipFill>
-          <a:blip r:embed="rId2"/>
+          <a:blip r:embed="rId3"/>
           <a:stretch>
             <a:fillRect/>
           </a:stretch>
@@ -25524,7 +25753,7 @@
           <p:nvPr/>
         </p:nvPicPr>
         <p:blipFill>
-          <a:blip r:embed="rId2"/>
+          <a:blip r:embed="rId3"/>
           <a:stretch>
             <a:fillRect/>
           </a:stretch>
